--- a/docs/Conduit_prezentacio_AbariK.pptx
+++ b/docs/Conduit_prezentacio_AbariK.pptx
@@ -5,23 +5,19 @@
     <p:sldMasterId id="2147483648" r:id="rId4"/>
   </p:sldMasterIdLst>
   <p:notesMasterIdLst>
-    <p:notesMasterId r:id="rId16"/>
+    <p:notesMasterId r:id="rId12"/>
   </p:notesMasterIdLst>
   <p:handoutMasterIdLst>
-    <p:handoutMasterId r:id="rId17"/>
+    <p:handoutMasterId r:id="rId13"/>
   </p:handoutMasterIdLst>
   <p:sldIdLst>
     <p:sldId id="256" r:id="rId5"/>
     <p:sldId id="258" r:id="rId6"/>
-    <p:sldId id="268" r:id="rId7"/>
-    <p:sldId id="269" r:id="rId8"/>
-    <p:sldId id="271" r:id="rId9"/>
-    <p:sldId id="259" r:id="rId10"/>
-    <p:sldId id="260" r:id="rId11"/>
-    <p:sldId id="261" r:id="rId12"/>
-    <p:sldId id="262" r:id="rId13"/>
-    <p:sldId id="263" r:id="rId14"/>
-    <p:sldId id="267" r:id="rId15"/>
+    <p:sldId id="272" r:id="rId7"/>
+    <p:sldId id="273" r:id="rId8"/>
+    <p:sldId id="274" r:id="rId9"/>
+    <p:sldId id="275" r:id="rId10"/>
+    <p:sldId id="259" r:id="rId11"/>
   </p:sldIdLst>
   <p:sldSz cx="12188825" cy="6858000"/>
   <p:notesSz cx="6858000" cy="9144000"/>
@@ -153,4126 +149,6 @@
 </p:presentation>
 </file>
 
-<file path=ppt/charts/chart1.xml><?xml version="1.0" encoding="utf-8"?>
-<c:chartSpace xmlns:c="http://schemas.openxmlformats.org/drawingml/2006/chart" xmlns:a="http://schemas.openxmlformats.org/drawingml/2006/main" xmlns:r="http://schemas.openxmlformats.org/officeDocument/2006/relationships" xmlns:c16r2="http://schemas.microsoft.com/office/drawing/2015/06/chart">
-  <c:date1904 val="0"/>
-  <c:lang val="hu-HU"/>
-  <c:roundedCorners val="0"/>
-  <mc:AlternateContent xmlns:mc="http://schemas.openxmlformats.org/markup-compatibility/2006">
-    <mc:Choice xmlns:c14="http://schemas.microsoft.com/office/drawing/2007/8/2/chart" Requires="c14">
-      <c14:style val="102"/>
-    </mc:Choice>
-    <mc:Fallback>
-      <c:style val="2"/>
-    </mc:Fallback>
-  </mc:AlternateContent>
-  <c:chart>
-    <c:autoTitleDeleted val="1"/>
-    <c:plotArea>
-      <c:layout/>
-      <c:barChart>
-        <c:barDir val="col"/>
-        <c:grouping val="clustered"/>
-        <c:varyColors val="0"/>
-        <c:ser>
-          <c:idx val="0"/>
-          <c:order val="0"/>
-          <c:tx>
-            <c:strRef>
-              <c:f>Sheet1!$B$1</c:f>
-              <c:strCache>
-                <c:ptCount val="1"/>
-                <c:pt idx="0">
-                  <c:v>adastor 1</c:v>
-                </c:pt>
-              </c:strCache>
-            </c:strRef>
-          </c:tx>
-          <c:spPr>
-            <a:solidFill>
-              <a:schemeClr val="accent1"/>
-            </a:solidFill>
-            <a:ln>
-              <a:noFill/>
-            </a:ln>
-            <a:effectLst/>
-          </c:spPr>
-          <c:invertIfNegative val="0"/>
-          <c:cat>
-            <c:strRef>
-              <c:f>Sheet1!$A$2:$A$5</c:f>
-              <c:strCache>
-                <c:ptCount val="4"/>
-                <c:pt idx="0">
-                  <c:v>kategória 1</c:v>
-                </c:pt>
-                <c:pt idx="1">
-                  <c:v>kategória 2</c:v>
-                </c:pt>
-                <c:pt idx="2">
-                  <c:v>kategória 3</c:v>
-                </c:pt>
-                <c:pt idx="3">
-                  <c:v>kategória 4</c:v>
-                </c:pt>
-              </c:strCache>
-            </c:strRef>
-          </c:cat>
-          <c:val>
-            <c:numRef>
-              <c:f>Sheet1!$B$2:$B$5</c:f>
-              <c:numCache>
-                <c:formatCode>General</c:formatCode>
-                <c:ptCount val="4"/>
-                <c:pt idx="0">
-                  <c:v>4.3</c:v>
-                </c:pt>
-                <c:pt idx="1">
-                  <c:v>2.5</c:v>
-                </c:pt>
-                <c:pt idx="2">
-                  <c:v>3.5</c:v>
-                </c:pt>
-                <c:pt idx="3">
-                  <c:v>4.5</c:v>
-                </c:pt>
-              </c:numCache>
-            </c:numRef>
-          </c:val>
-          <c:extLst>
-            <c:ext xmlns:c16="http://schemas.microsoft.com/office/drawing/2014/chart" uri="{C3380CC4-5D6E-409C-BE32-E72D297353CC}">
-              <c16:uniqueId val="{00000000-A02C-4D3E-81C9-0771DCCFEFE2}"/>
-            </c:ext>
-          </c:extLst>
-        </c:ser>
-        <c:ser>
-          <c:idx val="1"/>
-          <c:order val="1"/>
-          <c:tx>
-            <c:strRef>
-              <c:f>Sheet1!$C$1</c:f>
-              <c:strCache>
-                <c:ptCount val="1"/>
-                <c:pt idx="0">
-                  <c:v>adastor 2</c:v>
-                </c:pt>
-              </c:strCache>
-            </c:strRef>
-          </c:tx>
-          <c:spPr>
-            <a:solidFill>
-              <a:schemeClr val="accent2"/>
-            </a:solidFill>
-            <a:ln>
-              <a:noFill/>
-            </a:ln>
-            <a:effectLst/>
-          </c:spPr>
-          <c:invertIfNegative val="0"/>
-          <c:cat>
-            <c:strRef>
-              <c:f>Sheet1!$A$2:$A$5</c:f>
-              <c:strCache>
-                <c:ptCount val="4"/>
-                <c:pt idx="0">
-                  <c:v>kategória 1</c:v>
-                </c:pt>
-                <c:pt idx="1">
-                  <c:v>kategória 2</c:v>
-                </c:pt>
-                <c:pt idx="2">
-                  <c:v>kategória 3</c:v>
-                </c:pt>
-                <c:pt idx="3">
-                  <c:v>kategória 4</c:v>
-                </c:pt>
-              </c:strCache>
-            </c:strRef>
-          </c:cat>
-          <c:val>
-            <c:numRef>
-              <c:f>Sheet1!$C$2:$C$5</c:f>
-              <c:numCache>
-                <c:formatCode>General</c:formatCode>
-                <c:ptCount val="4"/>
-                <c:pt idx="0">
-                  <c:v>2.4</c:v>
-                </c:pt>
-                <c:pt idx="1">
-                  <c:v>4.4000000000000004</c:v>
-                </c:pt>
-                <c:pt idx="2">
-                  <c:v>1.8</c:v>
-                </c:pt>
-                <c:pt idx="3">
-                  <c:v>2.8</c:v>
-                </c:pt>
-              </c:numCache>
-            </c:numRef>
-          </c:val>
-          <c:extLst>
-            <c:ext xmlns:c16="http://schemas.microsoft.com/office/drawing/2014/chart" uri="{C3380CC4-5D6E-409C-BE32-E72D297353CC}">
-              <c16:uniqueId val="{00000001-A02C-4D3E-81C9-0771DCCFEFE2}"/>
-            </c:ext>
-          </c:extLst>
-        </c:ser>
-        <c:ser>
-          <c:idx val="2"/>
-          <c:order val="2"/>
-          <c:tx>
-            <c:strRef>
-              <c:f>Sheet1!$D$1</c:f>
-              <c:strCache>
-                <c:ptCount val="1"/>
-                <c:pt idx="0">
-                  <c:v>adastor 3</c:v>
-                </c:pt>
-              </c:strCache>
-            </c:strRef>
-          </c:tx>
-          <c:spPr>
-            <a:solidFill>
-              <a:schemeClr val="accent3"/>
-            </a:solidFill>
-            <a:ln>
-              <a:noFill/>
-            </a:ln>
-            <a:effectLst/>
-          </c:spPr>
-          <c:invertIfNegative val="0"/>
-          <c:cat>
-            <c:strRef>
-              <c:f>Sheet1!$A$2:$A$5</c:f>
-              <c:strCache>
-                <c:ptCount val="4"/>
-                <c:pt idx="0">
-                  <c:v>kategória 1</c:v>
-                </c:pt>
-                <c:pt idx="1">
-                  <c:v>kategória 2</c:v>
-                </c:pt>
-                <c:pt idx="2">
-                  <c:v>kategória 3</c:v>
-                </c:pt>
-                <c:pt idx="3">
-                  <c:v>kategória 4</c:v>
-                </c:pt>
-              </c:strCache>
-            </c:strRef>
-          </c:cat>
-          <c:val>
-            <c:numRef>
-              <c:f>Sheet1!$D$2:$D$5</c:f>
-              <c:numCache>
-                <c:formatCode>General</c:formatCode>
-                <c:ptCount val="4"/>
-                <c:pt idx="0">
-                  <c:v>2</c:v>
-                </c:pt>
-                <c:pt idx="1">
-                  <c:v>2</c:v>
-                </c:pt>
-                <c:pt idx="2">
-                  <c:v>3</c:v>
-                </c:pt>
-                <c:pt idx="3">
-                  <c:v>5</c:v>
-                </c:pt>
-              </c:numCache>
-            </c:numRef>
-          </c:val>
-          <c:extLst>
-            <c:ext xmlns:c16="http://schemas.microsoft.com/office/drawing/2014/chart" uri="{C3380CC4-5D6E-409C-BE32-E72D297353CC}">
-              <c16:uniqueId val="{00000002-A02C-4D3E-81C9-0771DCCFEFE2}"/>
-            </c:ext>
-          </c:extLst>
-        </c:ser>
-        <c:dLbls>
-          <c:showLegendKey val="0"/>
-          <c:showVal val="0"/>
-          <c:showCatName val="0"/>
-          <c:showSerName val="0"/>
-          <c:showPercent val="0"/>
-          <c:showBubbleSize val="0"/>
-        </c:dLbls>
-        <c:gapWidth val="219"/>
-        <c:overlap val="-27"/>
-        <c:axId val="607790976"/>
-        <c:axId val="607790584"/>
-      </c:barChart>
-      <c:catAx>
-        <c:axId val="607790976"/>
-        <c:scaling>
-          <c:orientation val="minMax"/>
-        </c:scaling>
-        <c:delete val="0"/>
-        <c:axPos val="b"/>
-        <c:numFmt formatCode="General" sourceLinked="1"/>
-        <c:majorTickMark val="none"/>
-        <c:minorTickMark val="none"/>
-        <c:tickLblPos val="nextTo"/>
-        <c:spPr>
-          <a:noFill/>
-          <a:ln w="9525" cap="flat" cmpd="sng" algn="ctr">
-            <a:solidFill>
-              <a:schemeClr val="tx1">
-                <a:lumMod val="15000"/>
-                <a:lumOff val="85000"/>
-              </a:schemeClr>
-            </a:solidFill>
-            <a:round/>
-          </a:ln>
-          <a:effectLst/>
-        </c:spPr>
-        <c:txPr>
-          <a:bodyPr rot="-60000000" spcFirstLastPara="1" vertOverflow="ellipsis" vert="horz" wrap="square" anchor="ctr" anchorCtr="1"/>
-          <a:lstStyle/>
-          <a:p>
-            <a:pPr>
-              <a:defRPr lang="hu-HU" sz="1197" b="0" i="0" u="none" strike="noStrike" kern="1200" baseline="0" noProof="0">
-                <a:solidFill>
-                  <a:schemeClr val="tx1">
-                    <a:lumMod val="65000"/>
-                    <a:lumOff val="35000"/>
-                  </a:schemeClr>
-                </a:solidFill>
-                <a:latin typeface="+mn-lt"/>
-                <a:ea typeface="+mn-ea"/>
-                <a:cs typeface="+mn-cs"/>
-              </a:defRPr>
-            </a:pPr>
-            <a:endParaRPr lang="hu-HU"/>
-          </a:p>
-        </c:txPr>
-        <c:crossAx val="607790584"/>
-        <c:crosses val="autoZero"/>
-        <c:auto val="1"/>
-        <c:lblAlgn val="ctr"/>
-        <c:lblOffset val="100"/>
-        <c:noMultiLvlLbl val="0"/>
-      </c:catAx>
-      <c:valAx>
-        <c:axId val="607790584"/>
-        <c:scaling>
-          <c:orientation val="minMax"/>
-        </c:scaling>
-        <c:delete val="0"/>
-        <c:axPos val="l"/>
-        <c:majorGridlines>
-          <c:spPr>
-            <a:ln w="9525" cap="flat" cmpd="sng" algn="ctr">
-              <a:solidFill>
-                <a:schemeClr val="tx1">
-                  <a:lumMod val="15000"/>
-                  <a:lumOff val="85000"/>
-                </a:schemeClr>
-              </a:solidFill>
-              <a:round/>
-            </a:ln>
-            <a:effectLst/>
-          </c:spPr>
-        </c:majorGridlines>
-        <c:numFmt formatCode="General" sourceLinked="1"/>
-        <c:majorTickMark val="none"/>
-        <c:minorTickMark val="none"/>
-        <c:tickLblPos val="nextTo"/>
-        <c:spPr>
-          <a:noFill/>
-          <a:ln>
-            <a:noFill/>
-          </a:ln>
-          <a:effectLst/>
-        </c:spPr>
-        <c:txPr>
-          <a:bodyPr rot="-60000000" spcFirstLastPara="1" vertOverflow="ellipsis" vert="horz" wrap="square" anchor="ctr" anchorCtr="1"/>
-          <a:lstStyle/>
-          <a:p>
-            <a:pPr>
-              <a:defRPr sz="1197" b="0" i="0" u="none" strike="noStrike" kern="1200" baseline="0">
-                <a:solidFill>
-                  <a:schemeClr val="tx1">
-                    <a:lumMod val="65000"/>
-                    <a:lumOff val="35000"/>
-                  </a:schemeClr>
-                </a:solidFill>
-                <a:latin typeface="+mn-lt"/>
-                <a:ea typeface="+mn-ea"/>
-                <a:cs typeface="+mn-cs"/>
-              </a:defRPr>
-            </a:pPr>
-            <a:endParaRPr lang="hu-HU"/>
-          </a:p>
-        </c:txPr>
-        <c:crossAx val="607790976"/>
-        <c:crosses val="autoZero"/>
-        <c:crossBetween val="between"/>
-      </c:valAx>
-      <c:spPr>
-        <a:noFill/>
-        <a:ln>
-          <a:noFill/>
-        </a:ln>
-        <a:effectLst/>
-      </c:spPr>
-    </c:plotArea>
-    <c:legend>
-      <c:legendPos val="b"/>
-      <c:overlay val="0"/>
-      <c:spPr>
-        <a:noFill/>
-        <a:ln>
-          <a:noFill/>
-        </a:ln>
-        <a:effectLst/>
-      </c:spPr>
-      <c:txPr>
-        <a:bodyPr rot="0" spcFirstLastPara="1" vertOverflow="ellipsis" vert="horz" wrap="square" anchor="ctr" anchorCtr="1"/>
-        <a:lstStyle/>
-        <a:p>
-          <a:pPr>
-            <a:defRPr lang="hu-HU" sz="1197" b="0" i="0" u="none" strike="noStrike" kern="1200" baseline="0" noProof="0">
-              <a:solidFill>
-                <a:schemeClr val="tx1">
-                  <a:lumMod val="65000"/>
-                  <a:lumOff val="35000"/>
-                </a:schemeClr>
-              </a:solidFill>
-              <a:latin typeface="+mn-lt"/>
-              <a:ea typeface="+mn-ea"/>
-              <a:cs typeface="+mn-cs"/>
-            </a:defRPr>
-          </a:pPr>
-          <a:endParaRPr lang="hu-HU"/>
-        </a:p>
-      </c:txPr>
-    </c:legend>
-    <c:plotVisOnly val="1"/>
-    <c:dispBlanksAs val="gap"/>
-    <c:showDLblsOverMax val="0"/>
-  </c:chart>
-  <c:spPr>
-    <a:noFill/>
-    <a:ln>
-      <a:noFill/>
-    </a:ln>
-    <a:effectLst/>
-  </c:spPr>
-  <c:txPr>
-    <a:bodyPr/>
-    <a:lstStyle/>
-    <a:p>
-      <a:pPr>
-        <a:defRPr/>
-      </a:pPr>
-      <a:endParaRPr lang="hu-HU"/>
-    </a:p>
-  </c:txPr>
-  <c:externalData r:id="rId3">
-    <c:autoUpdate val="0"/>
-  </c:externalData>
-</c:chartSpace>
-</file>
-
-<file path=ppt/charts/colors1.xml><?xml version="1.0" encoding="utf-8"?>
-<cs:colorStyle xmlns:cs="http://schemas.microsoft.com/office/drawing/2012/chartStyle" xmlns:a="http://schemas.openxmlformats.org/drawingml/2006/main" meth="cycle" id="10">
-  <a:schemeClr val="accent1"/>
-  <a:schemeClr val="accent2"/>
-  <a:schemeClr val="accent3"/>
-  <a:schemeClr val="accent4"/>
-  <a:schemeClr val="accent5"/>
-  <a:schemeClr val="accent6"/>
-  <cs:variation/>
-  <cs:variation>
-    <a:lumMod val="60000"/>
-  </cs:variation>
-  <cs:variation>
-    <a:lumMod val="80000"/>
-    <a:lumOff val="20000"/>
-  </cs:variation>
-  <cs:variation>
-    <a:lumMod val="80000"/>
-  </cs:variation>
-  <cs:variation>
-    <a:lumMod val="60000"/>
-    <a:lumOff val="40000"/>
-  </cs:variation>
-  <cs:variation>
-    <a:lumMod val="50000"/>
-  </cs:variation>
-  <cs:variation>
-    <a:lumMod val="70000"/>
-    <a:lumOff val="30000"/>
-  </cs:variation>
-  <cs:variation>
-    <a:lumMod val="70000"/>
-  </cs:variation>
-  <cs:variation>
-    <a:lumMod val="50000"/>
-    <a:lumOff val="50000"/>
-  </cs:variation>
-</cs:colorStyle>
-</file>
-
-<file path=ppt/charts/style1.xml><?xml version="1.0" encoding="utf-8"?>
-<cs:chartStyle xmlns:cs="http://schemas.microsoft.com/office/drawing/2012/chartStyle" xmlns:a="http://schemas.openxmlformats.org/drawingml/2006/main" id="201">
-  <cs:axisTitle>
-    <cs:lnRef idx="0"/>
-    <cs:fillRef idx="0"/>
-    <cs:effectRef idx="0"/>
-    <cs:fontRef idx="minor">
-      <a:schemeClr val="tx1">
-        <a:lumMod val="65000"/>
-        <a:lumOff val="35000"/>
-      </a:schemeClr>
-    </cs:fontRef>
-    <cs:defRPr sz="1330" kern="1200"/>
-  </cs:axisTitle>
-  <cs:categoryAxis>
-    <cs:lnRef idx="0"/>
-    <cs:fillRef idx="0"/>
-    <cs:effectRef idx="0"/>
-    <cs:fontRef idx="minor">
-      <a:schemeClr val="tx1">
-        <a:lumMod val="65000"/>
-        <a:lumOff val="35000"/>
-      </a:schemeClr>
-    </cs:fontRef>
-    <cs:spPr>
-      <a:ln w="9525" cap="flat" cmpd="sng" algn="ctr">
-        <a:solidFill>
-          <a:schemeClr val="tx1">
-            <a:lumMod val="15000"/>
-            <a:lumOff val="85000"/>
-          </a:schemeClr>
-        </a:solidFill>
-        <a:round/>
-      </a:ln>
-    </cs:spPr>
-    <cs:defRPr sz="1197" kern="1200"/>
-  </cs:categoryAxis>
-  <cs:chartArea mods="allowNoFillOverride allowNoLineOverride">
-    <cs:lnRef idx="0"/>
-    <cs:fillRef idx="0"/>
-    <cs:effectRef idx="0"/>
-    <cs:fontRef idx="minor">
-      <a:schemeClr val="tx1"/>
-    </cs:fontRef>
-    <cs:spPr>
-      <a:solidFill>
-        <a:schemeClr val="bg1"/>
-      </a:solidFill>
-      <a:ln w="9525" cap="flat" cmpd="sng" algn="ctr">
-        <a:solidFill>
-          <a:schemeClr val="tx1">
-            <a:lumMod val="15000"/>
-            <a:lumOff val="85000"/>
-          </a:schemeClr>
-        </a:solidFill>
-        <a:round/>
-      </a:ln>
-    </cs:spPr>
-    <cs:defRPr sz="1330" kern="1200"/>
-  </cs:chartArea>
-  <cs:dataLabel>
-    <cs:lnRef idx="0"/>
-    <cs:fillRef idx="0"/>
-    <cs:effectRef idx="0"/>
-    <cs:fontRef idx="minor">
-      <a:schemeClr val="tx1">
-        <a:lumMod val="75000"/>
-        <a:lumOff val="25000"/>
-      </a:schemeClr>
-    </cs:fontRef>
-    <cs:defRPr sz="1197" kern="1200"/>
-  </cs:dataLabel>
-  <cs:dataLabelCallout>
-    <cs:lnRef idx="0"/>
-    <cs:fillRef idx="0"/>
-    <cs:effectRef idx="0"/>
-    <cs:fontRef idx="minor">
-      <a:schemeClr val="dk1">
-        <a:lumMod val="65000"/>
-        <a:lumOff val="35000"/>
-      </a:schemeClr>
-    </cs:fontRef>
-    <cs:spPr>
-      <a:solidFill>
-        <a:schemeClr val="lt1"/>
-      </a:solidFill>
-      <a:ln>
-        <a:solidFill>
-          <a:schemeClr val="dk1">
-            <a:lumMod val="25000"/>
-            <a:lumOff val="75000"/>
-          </a:schemeClr>
-        </a:solidFill>
-      </a:ln>
-    </cs:spPr>
-    <cs:defRPr sz="1197" kern="1200"/>
-  </cs:dataLabelCallout>
-  <cs:dataPoint>
-    <cs:lnRef idx="0"/>
-    <cs:fillRef idx="1">
-      <cs:styleClr val="auto"/>
-    </cs:fillRef>
-    <cs:effectRef idx="0"/>
-    <cs:fontRef idx="minor">
-      <a:schemeClr val="tx1"/>
-    </cs:fontRef>
-  </cs:dataPoint>
-  <cs:dataPoint3D>
-    <cs:lnRef idx="0"/>
-    <cs:fillRef idx="1">
-      <cs:styleClr val="auto"/>
-    </cs:fillRef>
-    <cs:effectRef idx="0"/>
-    <cs:fontRef idx="minor">
-      <a:schemeClr val="tx1"/>
-    </cs:fontRef>
-  </cs:dataPoint3D>
-  <cs:dataPointLine>
-    <cs:lnRef idx="0">
-      <cs:styleClr val="auto"/>
-    </cs:lnRef>
-    <cs:fillRef idx="1"/>
-    <cs:effectRef idx="0"/>
-    <cs:fontRef idx="minor">
-      <a:schemeClr val="tx1"/>
-    </cs:fontRef>
-    <cs:spPr>
-      <a:ln w="28575" cap="rnd">
-        <a:solidFill>
-          <a:schemeClr val="phClr"/>
-        </a:solidFill>
-        <a:round/>
-      </a:ln>
-    </cs:spPr>
-  </cs:dataPointLine>
-  <cs:dataPointMarker>
-    <cs:lnRef idx="0">
-      <cs:styleClr val="auto"/>
-    </cs:lnRef>
-    <cs:fillRef idx="1">
-      <cs:styleClr val="auto"/>
-    </cs:fillRef>
-    <cs:effectRef idx="0"/>
-    <cs:fontRef idx="minor">
-      <a:schemeClr val="tx1"/>
-    </cs:fontRef>
-    <cs:spPr>
-      <a:ln w="9525">
-        <a:solidFill>
-          <a:schemeClr val="phClr"/>
-        </a:solidFill>
-      </a:ln>
-    </cs:spPr>
-  </cs:dataPointMarker>
-  <cs:dataPointMarkerLayout symbol="circle" size="5"/>
-  <cs:dataPointWireframe>
-    <cs:lnRef idx="0">
-      <cs:styleClr val="auto"/>
-    </cs:lnRef>
-    <cs:fillRef idx="1"/>
-    <cs:effectRef idx="0"/>
-    <cs:fontRef idx="minor">
-      <a:schemeClr val="tx1"/>
-    </cs:fontRef>
-    <cs:spPr>
-      <a:ln w="9525" cap="rnd">
-        <a:solidFill>
-          <a:schemeClr val="phClr"/>
-        </a:solidFill>
-        <a:round/>
-      </a:ln>
-    </cs:spPr>
-  </cs:dataPointWireframe>
-  <cs:dataTable>
-    <cs:lnRef idx="0"/>
-    <cs:fillRef idx="0"/>
-    <cs:effectRef idx="0"/>
-    <cs:fontRef idx="minor">
-      <a:schemeClr val="tx1">
-        <a:lumMod val="65000"/>
-        <a:lumOff val="35000"/>
-      </a:schemeClr>
-    </cs:fontRef>
-    <cs:spPr>
-      <a:noFill/>
-      <a:ln w="9525" cap="flat" cmpd="sng" algn="ctr">
-        <a:solidFill>
-          <a:schemeClr val="tx1">
-            <a:lumMod val="15000"/>
-            <a:lumOff val="85000"/>
-          </a:schemeClr>
-        </a:solidFill>
-        <a:round/>
-      </a:ln>
-    </cs:spPr>
-    <cs:defRPr sz="1197" kern="1200"/>
-  </cs:dataTable>
-  <cs:downBar>
-    <cs:lnRef idx="0"/>
-    <cs:fillRef idx="0"/>
-    <cs:effectRef idx="0"/>
-    <cs:fontRef idx="minor">
-      <a:schemeClr val="dk1"/>
-    </cs:fontRef>
-    <cs:spPr>
-      <a:solidFill>
-        <a:schemeClr val="dk1">
-          <a:lumMod val="65000"/>
-          <a:lumOff val="35000"/>
-        </a:schemeClr>
-      </a:solidFill>
-      <a:ln w="9525">
-        <a:solidFill>
-          <a:schemeClr val="tx1">
-            <a:lumMod val="65000"/>
-            <a:lumOff val="35000"/>
-          </a:schemeClr>
-        </a:solidFill>
-      </a:ln>
-    </cs:spPr>
-  </cs:downBar>
-  <cs:dropLine>
-    <cs:lnRef idx="0"/>
-    <cs:fillRef idx="0"/>
-    <cs:effectRef idx="0"/>
-    <cs:fontRef idx="minor">
-      <a:schemeClr val="tx1"/>
-    </cs:fontRef>
-    <cs:spPr>
-      <a:ln w="9525" cap="flat" cmpd="sng" algn="ctr">
-        <a:solidFill>
-          <a:schemeClr val="tx1">
-            <a:lumMod val="35000"/>
-            <a:lumOff val="65000"/>
-          </a:schemeClr>
-        </a:solidFill>
-        <a:round/>
-      </a:ln>
-    </cs:spPr>
-  </cs:dropLine>
-  <cs:errorBar>
-    <cs:lnRef idx="0"/>
-    <cs:fillRef idx="0"/>
-    <cs:effectRef idx="0"/>
-    <cs:fontRef idx="minor">
-      <a:schemeClr val="tx1"/>
-    </cs:fontRef>
-    <cs:spPr>
-      <a:ln w="9525" cap="flat" cmpd="sng" algn="ctr">
-        <a:solidFill>
-          <a:schemeClr val="tx1">
-            <a:lumMod val="65000"/>
-            <a:lumOff val="35000"/>
-          </a:schemeClr>
-        </a:solidFill>
-        <a:round/>
-      </a:ln>
-    </cs:spPr>
-  </cs:errorBar>
-  <cs:floor>
-    <cs:lnRef idx="0"/>
-    <cs:fillRef idx="0"/>
-    <cs:effectRef idx="0"/>
-    <cs:fontRef idx="minor">
-      <a:schemeClr val="tx1"/>
-    </cs:fontRef>
-    <cs:spPr>
-      <a:noFill/>
-      <a:ln>
-        <a:noFill/>
-      </a:ln>
-    </cs:spPr>
-  </cs:floor>
-  <cs:gridlineMajor>
-    <cs:lnRef idx="0"/>
-    <cs:fillRef idx="0"/>
-    <cs:effectRef idx="0"/>
-    <cs:fontRef idx="minor">
-      <a:schemeClr val="tx1"/>
-    </cs:fontRef>
-    <cs:spPr>
-      <a:ln w="9525" cap="flat" cmpd="sng" algn="ctr">
-        <a:solidFill>
-          <a:schemeClr val="tx1">
-            <a:lumMod val="15000"/>
-            <a:lumOff val="85000"/>
-          </a:schemeClr>
-        </a:solidFill>
-        <a:round/>
-      </a:ln>
-    </cs:spPr>
-  </cs:gridlineMajor>
-  <cs:gridlineMinor>
-    <cs:lnRef idx="0"/>
-    <cs:fillRef idx="0"/>
-    <cs:effectRef idx="0"/>
-    <cs:fontRef idx="minor">
-      <a:schemeClr val="tx1"/>
-    </cs:fontRef>
-    <cs:spPr>
-      <a:ln w="9525" cap="flat" cmpd="sng" algn="ctr">
-        <a:solidFill>
-          <a:schemeClr val="tx1">
-            <a:lumMod val="5000"/>
-            <a:lumOff val="95000"/>
-          </a:schemeClr>
-        </a:solidFill>
-        <a:round/>
-      </a:ln>
-    </cs:spPr>
-  </cs:gridlineMinor>
-  <cs:hiLoLine>
-    <cs:lnRef idx="0"/>
-    <cs:fillRef idx="0"/>
-    <cs:effectRef idx="0"/>
-    <cs:fontRef idx="minor">
-      <a:schemeClr val="tx1"/>
-    </cs:fontRef>
-    <cs:spPr>
-      <a:ln w="9525" cap="flat" cmpd="sng" algn="ctr">
-        <a:solidFill>
-          <a:schemeClr val="tx1">
-            <a:lumMod val="75000"/>
-            <a:lumOff val="25000"/>
-          </a:schemeClr>
-        </a:solidFill>
-        <a:round/>
-      </a:ln>
-    </cs:spPr>
-  </cs:hiLoLine>
-  <cs:leaderLine>
-    <cs:lnRef idx="0"/>
-    <cs:fillRef idx="0"/>
-    <cs:effectRef idx="0"/>
-    <cs:fontRef idx="minor">
-      <a:schemeClr val="tx1"/>
-    </cs:fontRef>
-    <cs:spPr>
-      <a:ln w="9525" cap="flat" cmpd="sng" algn="ctr">
-        <a:solidFill>
-          <a:schemeClr val="tx1">
-            <a:lumMod val="35000"/>
-            <a:lumOff val="65000"/>
-          </a:schemeClr>
-        </a:solidFill>
-        <a:round/>
-      </a:ln>
-    </cs:spPr>
-  </cs:leaderLine>
-  <cs:legend>
-    <cs:lnRef idx="0"/>
-    <cs:fillRef idx="0"/>
-    <cs:effectRef idx="0"/>
-    <cs:fontRef idx="minor">
-      <a:schemeClr val="tx1">
-        <a:lumMod val="65000"/>
-        <a:lumOff val="35000"/>
-      </a:schemeClr>
-    </cs:fontRef>
-    <cs:defRPr sz="1197" kern="1200"/>
-  </cs:legend>
-  <cs:plotArea mods="allowNoFillOverride allowNoLineOverride">
-    <cs:lnRef idx="0"/>
-    <cs:fillRef idx="0"/>
-    <cs:effectRef idx="0"/>
-    <cs:fontRef idx="minor">
-      <a:schemeClr val="tx1"/>
-    </cs:fontRef>
-  </cs:plotArea>
-  <cs:plotArea3D mods="allowNoFillOverride allowNoLineOverride">
-    <cs:lnRef idx="0"/>
-    <cs:fillRef idx="0"/>
-    <cs:effectRef idx="0"/>
-    <cs:fontRef idx="minor">
-      <a:schemeClr val="tx1"/>
-    </cs:fontRef>
-  </cs:plotArea3D>
-  <cs:seriesAxis>
-    <cs:lnRef idx="0"/>
-    <cs:fillRef idx="0"/>
-    <cs:effectRef idx="0"/>
-    <cs:fontRef idx="minor">
-      <a:schemeClr val="tx1">
-        <a:lumMod val="65000"/>
-        <a:lumOff val="35000"/>
-      </a:schemeClr>
-    </cs:fontRef>
-    <cs:defRPr sz="1197" kern="1200"/>
-  </cs:seriesAxis>
-  <cs:seriesLine>
-    <cs:lnRef idx="0"/>
-    <cs:fillRef idx="0"/>
-    <cs:effectRef idx="0"/>
-    <cs:fontRef idx="minor">
-      <a:schemeClr val="tx1"/>
-    </cs:fontRef>
-    <cs:spPr>
-      <a:ln w="9525" cap="flat" cmpd="sng" algn="ctr">
-        <a:solidFill>
-          <a:schemeClr val="tx1">
-            <a:lumMod val="35000"/>
-            <a:lumOff val="65000"/>
-          </a:schemeClr>
-        </a:solidFill>
-        <a:round/>
-      </a:ln>
-    </cs:spPr>
-  </cs:seriesLine>
-  <cs:title>
-    <cs:lnRef idx="0"/>
-    <cs:fillRef idx="0"/>
-    <cs:effectRef idx="0"/>
-    <cs:fontRef idx="minor">
-      <a:schemeClr val="tx1">
-        <a:lumMod val="65000"/>
-        <a:lumOff val="35000"/>
-      </a:schemeClr>
-    </cs:fontRef>
-    <cs:defRPr sz="1862" b="0" kern="1200" spc="0" baseline="0"/>
-  </cs:title>
-  <cs:trendline>
-    <cs:lnRef idx="0">
-      <cs:styleClr val="auto"/>
-    </cs:lnRef>
-    <cs:fillRef idx="0"/>
-    <cs:effectRef idx="0"/>
-    <cs:fontRef idx="minor">
-      <a:schemeClr val="tx1"/>
-    </cs:fontRef>
-    <cs:spPr>
-      <a:ln w="19050" cap="rnd">
-        <a:solidFill>
-          <a:schemeClr val="phClr"/>
-        </a:solidFill>
-        <a:prstDash val="sysDot"/>
-      </a:ln>
-    </cs:spPr>
-  </cs:trendline>
-  <cs:trendlineLabel>
-    <cs:lnRef idx="0"/>
-    <cs:fillRef idx="0"/>
-    <cs:effectRef idx="0"/>
-    <cs:fontRef idx="minor">
-      <a:schemeClr val="tx1">
-        <a:lumMod val="65000"/>
-        <a:lumOff val="35000"/>
-      </a:schemeClr>
-    </cs:fontRef>
-    <cs:defRPr sz="1197" kern="1200"/>
-  </cs:trendlineLabel>
-  <cs:upBar>
-    <cs:lnRef idx="0"/>
-    <cs:fillRef idx="0"/>
-    <cs:effectRef idx="0"/>
-    <cs:fontRef idx="minor">
-      <a:schemeClr val="dk1"/>
-    </cs:fontRef>
-    <cs:spPr>
-      <a:solidFill>
-        <a:schemeClr val="lt1"/>
-      </a:solidFill>
-      <a:ln w="9525">
-        <a:solidFill>
-          <a:schemeClr val="tx1">
-            <a:lumMod val="15000"/>
-            <a:lumOff val="85000"/>
-          </a:schemeClr>
-        </a:solidFill>
-      </a:ln>
-    </cs:spPr>
-  </cs:upBar>
-  <cs:valueAxis>
-    <cs:lnRef idx="0"/>
-    <cs:fillRef idx="0"/>
-    <cs:effectRef idx="0"/>
-    <cs:fontRef idx="minor">
-      <a:schemeClr val="tx1">
-        <a:lumMod val="65000"/>
-        <a:lumOff val="35000"/>
-      </a:schemeClr>
-    </cs:fontRef>
-    <cs:defRPr sz="1197" kern="1200"/>
-  </cs:valueAxis>
-  <cs:wall>
-    <cs:lnRef idx="0"/>
-    <cs:fillRef idx="0"/>
-    <cs:effectRef idx="0"/>
-    <cs:fontRef idx="minor">
-      <a:schemeClr val="tx1"/>
-    </cs:fontRef>
-    <cs:spPr>
-      <a:noFill/>
-      <a:ln>
-        <a:noFill/>
-      </a:ln>
-    </cs:spPr>
-  </cs:wall>
-</cs:chartStyle>
-</file>
-
-<file path=ppt/diagrams/colors1.xml><?xml version="1.0" encoding="utf-8"?>
-<dgm:colorsDef xmlns:dgm="http://schemas.openxmlformats.org/drawingml/2006/diagram" xmlns:a="http://schemas.openxmlformats.org/drawingml/2006/main" uniqueId="urn:microsoft.com/office/officeart/2005/8/colors/accent4_1">
-  <dgm:title val=""/>
-  <dgm:desc val=""/>
-  <dgm:catLst>
-    <dgm:cat type="accent4" pri="11100"/>
-  </dgm:catLst>
-  <dgm:styleLbl name="node0">
-    <dgm:fillClrLst meth="repeat">
-      <a:schemeClr val="lt1"/>
-    </dgm:fillClrLst>
-    <dgm:linClrLst meth="repeat">
-      <a:schemeClr val="accent4">
-        <a:shade val="80000"/>
-      </a:schemeClr>
-    </dgm:linClrLst>
-    <dgm:effectClrLst/>
-    <dgm:txLinClrLst/>
-    <dgm:txFillClrLst meth="repeat">
-      <a:schemeClr val="dk1"/>
-    </dgm:txFillClrLst>
-    <dgm:txEffectClrLst/>
-  </dgm:styleLbl>
-  <dgm:styleLbl name="node1">
-    <dgm:fillClrLst meth="repeat">
-      <a:schemeClr val="lt1"/>
-    </dgm:fillClrLst>
-    <dgm:linClrLst meth="repeat">
-      <a:schemeClr val="accent4">
-        <a:shade val="80000"/>
-      </a:schemeClr>
-    </dgm:linClrLst>
-    <dgm:effectClrLst/>
-    <dgm:txLinClrLst/>
-    <dgm:txFillClrLst meth="repeat">
-      <a:schemeClr val="dk1"/>
-    </dgm:txFillClrLst>
-    <dgm:txEffectClrLst/>
-  </dgm:styleLbl>
-  <dgm:styleLbl name="alignNode1">
-    <dgm:fillClrLst meth="repeat">
-      <a:schemeClr val="lt1"/>
-    </dgm:fillClrLst>
-    <dgm:linClrLst meth="repeat">
-      <a:schemeClr val="accent4">
-        <a:shade val="80000"/>
-      </a:schemeClr>
-    </dgm:linClrLst>
-    <dgm:effectClrLst/>
-    <dgm:txLinClrLst/>
-    <dgm:txFillClrLst meth="repeat">
-      <a:schemeClr val="dk1"/>
-    </dgm:txFillClrLst>
-    <dgm:txEffectClrLst/>
-  </dgm:styleLbl>
-  <dgm:styleLbl name="lnNode1">
-    <dgm:fillClrLst meth="repeat">
-      <a:schemeClr val="lt1"/>
-    </dgm:fillClrLst>
-    <dgm:linClrLst meth="repeat">
-      <a:schemeClr val="accent4">
-        <a:shade val="80000"/>
-      </a:schemeClr>
-    </dgm:linClrLst>
-    <dgm:effectClrLst/>
-    <dgm:txLinClrLst/>
-    <dgm:txFillClrLst meth="repeat">
-      <a:schemeClr val="dk1"/>
-    </dgm:txFillClrLst>
-    <dgm:txEffectClrLst/>
-  </dgm:styleLbl>
-  <dgm:styleLbl name="vennNode1">
-    <dgm:fillClrLst meth="repeat">
-      <a:schemeClr val="lt1">
-        <a:alpha val="50000"/>
-      </a:schemeClr>
-    </dgm:fillClrLst>
-    <dgm:linClrLst meth="repeat">
-      <a:schemeClr val="accent4">
-        <a:shade val="80000"/>
-      </a:schemeClr>
-    </dgm:linClrLst>
-    <dgm:effectClrLst/>
-    <dgm:txLinClrLst/>
-    <dgm:txFillClrLst/>
-    <dgm:txEffectClrLst/>
-  </dgm:styleLbl>
-  <dgm:styleLbl name="node2">
-    <dgm:fillClrLst meth="repeat">
-      <a:schemeClr val="lt1"/>
-    </dgm:fillClrLst>
-    <dgm:linClrLst meth="repeat">
-      <a:schemeClr val="accent4">
-        <a:shade val="80000"/>
-      </a:schemeClr>
-    </dgm:linClrLst>
-    <dgm:effectClrLst/>
-    <dgm:txLinClrLst/>
-    <dgm:txFillClrLst meth="repeat">
-      <a:schemeClr val="dk1"/>
-    </dgm:txFillClrLst>
-    <dgm:txEffectClrLst/>
-  </dgm:styleLbl>
-  <dgm:styleLbl name="node3">
-    <dgm:fillClrLst meth="repeat">
-      <a:schemeClr val="lt1"/>
-    </dgm:fillClrLst>
-    <dgm:linClrLst meth="repeat">
-      <a:schemeClr val="accent4">
-        <a:shade val="80000"/>
-      </a:schemeClr>
-    </dgm:linClrLst>
-    <dgm:effectClrLst/>
-    <dgm:txLinClrLst/>
-    <dgm:txFillClrLst meth="repeat">
-      <a:schemeClr val="dk1"/>
-    </dgm:txFillClrLst>
-    <dgm:txEffectClrLst/>
-  </dgm:styleLbl>
-  <dgm:styleLbl name="node4">
-    <dgm:fillClrLst meth="repeat">
-      <a:schemeClr val="lt1"/>
-    </dgm:fillClrLst>
-    <dgm:linClrLst meth="repeat">
-      <a:schemeClr val="accent4">
-        <a:shade val="80000"/>
-      </a:schemeClr>
-    </dgm:linClrLst>
-    <dgm:effectClrLst/>
-    <dgm:txLinClrLst/>
-    <dgm:txFillClrLst meth="repeat">
-      <a:schemeClr val="dk1"/>
-    </dgm:txFillClrLst>
-    <dgm:txEffectClrLst/>
-  </dgm:styleLbl>
-  <dgm:styleLbl name="fgImgPlace1">
-    <dgm:fillClrLst meth="repeat">
-      <a:schemeClr val="accent4">
-        <a:tint val="40000"/>
-      </a:schemeClr>
-    </dgm:fillClrLst>
-    <dgm:linClrLst meth="repeat">
-      <a:schemeClr val="accent4">
-        <a:shade val="80000"/>
-      </a:schemeClr>
-    </dgm:linClrLst>
-    <dgm:effectClrLst/>
-    <dgm:txLinClrLst/>
-    <dgm:txFillClrLst meth="repeat">
-      <a:schemeClr val="lt1"/>
-    </dgm:txFillClrLst>
-    <dgm:txEffectClrLst/>
-  </dgm:styleLbl>
-  <dgm:styleLbl name="alignImgPlace1">
-    <dgm:fillClrLst meth="repeat">
-      <a:schemeClr val="accent4">
-        <a:tint val="40000"/>
-      </a:schemeClr>
-    </dgm:fillClrLst>
-    <dgm:linClrLst meth="repeat">
-      <a:schemeClr val="accent4">
-        <a:shade val="80000"/>
-      </a:schemeClr>
-    </dgm:linClrLst>
-    <dgm:effectClrLst/>
-    <dgm:txLinClrLst/>
-    <dgm:txFillClrLst meth="repeat">
-      <a:schemeClr val="lt1"/>
-    </dgm:txFillClrLst>
-    <dgm:txEffectClrLst/>
-  </dgm:styleLbl>
-  <dgm:styleLbl name="bgImgPlace1">
-    <dgm:fillClrLst meth="repeat">
-      <a:schemeClr val="accent4">
-        <a:tint val="40000"/>
-      </a:schemeClr>
-    </dgm:fillClrLst>
-    <dgm:linClrLst meth="repeat">
-      <a:schemeClr val="accent4">
-        <a:shade val="80000"/>
-      </a:schemeClr>
-    </dgm:linClrLst>
-    <dgm:effectClrLst/>
-    <dgm:txLinClrLst/>
-    <dgm:txFillClrLst meth="repeat">
-      <a:schemeClr val="lt1"/>
-    </dgm:txFillClrLst>
-    <dgm:txEffectClrLst/>
-  </dgm:styleLbl>
-  <dgm:styleLbl name="sibTrans2D1">
-    <dgm:fillClrLst meth="repeat">
-      <a:schemeClr val="accent4">
-        <a:tint val="60000"/>
-      </a:schemeClr>
-    </dgm:fillClrLst>
-    <dgm:linClrLst meth="repeat">
-      <a:schemeClr val="accent4">
-        <a:tint val="60000"/>
-      </a:schemeClr>
-    </dgm:linClrLst>
-    <dgm:effectClrLst/>
-    <dgm:txLinClrLst/>
-    <dgm:txFillClrLst meth="repeat">
-      <a:schemeClr val="dk1"/>
-    </dgm:txFillClrLst>
-    <dgm:txEffectClrLst/>
-  </dgm:styleLbl>
-  <dgm:styleLbl name="fgSibTrans2D1">
-    <dgm:fillClrLst meth="repeat">
-      <a:schemeClr val="accent4">
-        <a:tint val="60000"/>
-      </a:schemeClr>
-    </dgm:fillClrLst>
-    <dgm:linClrLst meth="repeat">
-      <a:schemeClr val="accent4">
-        <a:tint val="60000"/>
-      </a:schemeClr>
-    </dgm:linClrLst>
-    <dgm:effectClrLst/>
-    <dgm:txLinClrLst/>
-    <dgm:txFillClrLst meth="repeat">
-      <a:schemeClr val="dk1"/>
-    </dgm:txFillClrLst>
-    <dgm:txEffectClrLst/>
-  </dgm:styleLbl>
-  <dgm:styleLbl name="bgSibTrans2D1">
-    <dgm:fillClrLst meth="repeat">
-      <a:schemeClr val="accent4">
-        <a:tint val="60000"/>
-      </a:schemeClr>
-    </dgm:fillClrLst>
-    <dgm:linClrLst meth="repeat">
-      <a:schemeClr val="accent4">
-        <a:tint val="60000"/>
-      </a:schemeClr>
-    </dgm:linClrLst>
-    <dgm:effectClrLst/>
-    <dgm:txLinClrLst/>
-    <dgm:txFillClrLst meth="repeat">
-      <a:schemeClr val="dk1"/>
-    </dgm:txFillClrLst>
-    <dgm:txEffectClrLst/>
-  </dgm:styleLbl>
-  <dgm:styleLbl name="sibTrans1D1">
-    <dgm:fillClrLst meth="repeat">
-      <a:schemeClr val="accent4"/>
-    </dgm:fillClrLst>
-    <dgm:linClrLst meth="repeat">
-      <a:schemeClr val="accent4"/>
-    </dgm:linClrLst>
-    <dgm:effectClrLst/>
-    <dgm:txLinClrLst/>
-    <dgm:txFillClrLst meth="repeat">
-      <a:schemeClr val="tx1"/>
-    </dgm:txFillClrLst>
-    <dgm:txEffectClrLst/>
-  </dgm:styleLbl>
-  <dgm:styleLbl name="callout">
-    <dgm:fillClrLst meth="repeat">
-      <a:schemeClr val="accent4"/>
-    </dgm:fillClrLst>
-    <dgm:linClrLst meth="repeat">
-      <a:schemeClr val="accent4"/>
-    </dgm:linClrLst>
-    <dgm:effectClrLst/>
-    <dgm:txLinClrLst/>
-    <dgm:txFillClrLst meth="repeat">
-      <a:schemeClr val="tx1"/>
-    </dgm:txFillClrLst>
-    <dgm:txEffectClrLst/>
-  </dgm:styleLbl>
-  <dgm:styleLbl name="asst0">
-    <dgm:fillClrLst meth="repeat">
-      <a:schemeClr val="lt1"/>
-    </dgm:fillClrLst>
-    <dgm:linClrLst meth="repeat">
-      <a:schemeClr val="accent4">
-        <a:shade val="80000"/>
-      </a:schemeClr>
-    </dgm:linClrLst>
-    <dgm:effectClrLst/>
-    <dgm:txLinClrLst/>
-    <dgm:txFillClrLst meth="repeat">
-      <a:schemeClr val="dk1"/>
-    </dgm:txFillClrLst>
-    <dgm:txEffectClrLst/>
-  </dgm:styleLbl>
-  <dgm:styleLbl name="asst1">
-    <dgm:fillClrLst meth="repeat">
-      <a:schemeClr val="lt1"/>
-    </dgm:fillClrLst>
-    <dgm:linClrLst meth="repeat">
-      <a:schemeClr val="accent4">
-        <a:shade val="80000"/>
-      </a:schemeClr>
-    </dgm:linClrLst>
-    <dgm:effectClrLst/>
-    <dgm:txLinClrLst/>
-    <dgm:txFillClrLst meth="repeat">
-      <a:schemeClr val="dk1"/>
-    </dgm:txFillClrLst>
-    <dgm:txEffectClrLst/>
-  </dgm:styleLbl>
-  <dgm:styleLbl name="asst2">
-    <dgm:fillClrLst meth="repeat">
-      <a:schemeClr val="lt1"/>
-    </dgm:fillClrLst>
-    <dgm:linClrLst meth="repeat">
-      <a:schemeClr val="accent4">
-        <a:shade val="80000"/>
-      </a:schemeClr>
-    </dgm:linClrLst>
-    <dgm:effectClrLst/>
-    <dgm:txLinClrLst/>
-    <dgm:txFillClrLst meth="repeat">
-      <a:schemeClr val="dk1"/>
-    </dgm:txFillClrLst>
-    <dgm:txEffectClrLst/>
-  </dgm:styleLbl>
-  <dgm:styleLbl name="asst3">
-    <dgm:fillClrLst meth="repeat">
-      <a:schemeClr val="lt1"/>
-    </dgm:fillClrLst>
-    <dgm:linClrLst meth="repeat">
-      <a:schemeClr val="accent4">
-        <a:shade val="80000"/>
-      </a:schemeClr>
-    </dgm:linClrLst>
-    <dgm:effectClrLst/>
-    <dgm:txLinClrLst/>
-    <dgm:txFillClrLst meth="repeat">
-      <a:schemeClr val="dk1"/>
-    </dgm:txFillClrLst>
-    <dgm:txEffectClrLst/>
-  </dgm:styleLbl>
-  <dgm:styleLbl name="asst4">
-    <dgm:fillClrLst meth="repeat">
-      <a:schemeClr val="lt1"/>
-    </dgm:fillClrLst>
-    <dgm:linClrLst meth="repeat">
-      <a:schemeClr val="accent4">
-        <a:shade val="80000"/>
-      </a:schemeClr>
-    </dgm:linClrLst>
-    <dgm:effectClrLst/>
-    <dgm:txLinClrLst/>
-    <dgm:txFillClrLst meth="repeat">
-      <a:schemeClr val="dk1"/>
-    </dgm:txFillClrLst>
-    <dgm:txEffectClrLst/>
-  </dgm:styleLbl>
-  <dgm:styleLbl name="parChTrans2D1">
-    <dgm:fillClrLst meth="repeat">
-      <a:schemeClr val="accent4">
-        <a:tint val="60000"/>
-      </a:schemeClr>
-    </dgm:fillClrLst>
-    <dgm:linClrLst meth="repeat">
-      <a:schemeClr val="accent4">
-        <a:tint val="60000"/>
-      </a:schemeClr>
-    </dgm:linClrLst>
-    <dgm:effectClrLst/>
-    <dgm:txLinClrLst/>
-    <dgm:txFillClrLst/>
-    <dgm:txEffectClrLst/>
-  </dgm:styleLbl>
-  <dgm:styleLbl name="parChTrans2D2">
-    <dgm:fillClrLst meth="repeat">
-      <a:schemeClr val="accent4"/>
-    </dgm:fillClrLst>
-    <dgm:linClrLst meth="repeat">
-      <a:schemeClr val="accent4"/>
-    </dgm:linClrLst>
-    <dgm:effectClrLst/>
-    <dgm:txLinClrLst/>
-    <dgm:txFillClrLst/>
-    <dgm:txEffectClrLst/>
-  </dgm:styleLbl>
-  <dgm:styleLbl name="parChTrans2D3">
-    <dgm:fillClrLst meth="repeat">
-      <a:schemeClr val="accent4"/>
-    </dgm:fillClrLst>
-    <dgm:linClrLst meth="repeat">
-      <a:schemeClr val="accent4"/>
-    </dgm:linClrLst>
-    <dgm:effectClrLst/>
-    <dgm:txLinClrLst/>
-    <dgm:txFillClrLst/>
-    <dgm:txEffectClrLst/>
-  </dgm:styleLbl>
-  <dgm:styleLbl name="parChTrans2D4">
-    <dgm:fillClrLst meth="repeat">
-      <a:schemeClr val="accent4"/>
-    </dgm:fillClrLst>
-    <dgm:linClrLst meth="repeat">
-      <a:schemeClr val="accent4"/>
-    </dgm:linClrLst>
-    <dgm:effectClrLst/>
-    <dgm:txLinClrLst/>
-    <dgm:txFillClrLst meth="repeat">
-      <a:schemeClr val="lt1"/>
-    </dgm:txFillClrLst>
-    <dgm:txEffectClrLst/>
-  </dgm:styleLbl>
-  <dgm:styleLbl name="parChTrans1D1">
-    <dgm:fillClrLst meth="repeat">
-      <a:schemeClr val="accent4"/>
-    </dgm:fillClrLst>
-    <dgm:linClrLst meth="repeat">
-      <a:schemeClr val="accent4">
-        <a:shade val="60000"/>
-      </a:schemeClr>
-    </dgm:linClrLst>
-    <dgm:effectClrLst/>
-    <dgm:txLinClrLst/>
-    <dgm:txFillClrLst meth="repeat">
-      <a:schemeClr val="tx1"/>
-    </dgm:txFillClrLst>
-    <dgm:txEffectClrLst/>
-  </dgm:styleLbl>
-  <dgm:styleLbl name="parChTrans1D2">
-    <dgm:fillClrLst meth="repeat">
-      <a:schemeClr val="accent4"/>
-    </dgm:fillClrLst>
-    <dgm:linClrLst meth="repeat">
-      <a:schemeClr val="accent4">
-        <a:shade val="60000"/>
-      </a:schemeClr>
-    </dgm:linClrLst>
-    <dgm:effectClrLst/>
-    <dgm:txLinClrLst/>
-    <dgm:txFillClrLst meth="repeat">
-      <a:schemeClr val="tx1"/>
-    </dgm:txFillClrLst>
-    <dgm:txEffectClrLst/>
-  </dgm:styleLbl>
-  <dgm:styleLbl name="parChTrans1D3">
-    <dgm:fillClrLst meth="repeat">
-      <a:schemeClr val="accent4"/>
-    </dgm:fillClrLst>
-    <dgm:linClrLst meth="repeat">
-      <a:schemeClr val="accent4">
-        <a:shade val="80000"/>
-      </a:schemeClr>
-    </dgm:linClrLst>
-    <dgm:effectClrLst/>
-    <dgm:txLinClrLst/>
-    <dgm:txFillClrLst meth="repeat">
-      <a:schemeClr val="tx1"/>
-    </dgm:txFillClrLst>
-    <dgm:txEffectClrLst/>
-  </dgm:styleLbl>
-  <dgm:styleLbl name="parChTrans1D4">
-    <dgm:fillClrLst meth="repeat">
-      <a:schemeClr val="accent4"/>
-    </dgm:fillClrLst>
-    <dgm:linClrLst meth="repeat">
-      <a:schemeClr val="accent4">
-        <a:shade val="80000"/>
-      </a:schemeClr>
-    </dgm:linClrLst>
-    <dgm:effectClrLst/>
-    <dgm:txLinClrLst/>
-    <dgm:txFillClrLst meth="repeat">
-      <a:schemeClr val="tx1"/>
-    </dgm:txFillClrLst>
-    <dgm:txEffectClrLst/>
-  </dgm:styleLbl>
-  <dgm:styleLbl name="fgAcc1">
-    <dgm:fillClrLst meth="repeat">
-      <a:schemeClr val="accent4">
-        <a:alpha val="90000"/>
-        <a:tint val="40000"/>
-      </a:schemeClr>
-    </dgm:fillClrLst>
-    <dgm:linClrLst meth="repeat">
-      <a:schemeClr val="accent4"/>
-    </dgm:linClrLst>
-    <dgm:effectClrLst/>
-    <dgm:txLinClrLst/>
-    <dgm:txFillClrLst meth="repeat">
-      <a:schemeClr val="dk1"/>
-    </dgm:txFillClrLst>
-    <dgm:txEffectClrLst/>
-  </dgm:styleLbl>
-  <dgm:styleLbl name="conFgAcc1">
-    <dgm:fillClrLst meth="repeat">
-      <a:schemeClr val="accent4">
-        <a:alpha val="90000"/>
-        <a:tint val="40000"/>
-      </a:schemeClr>
-    </dgm:fillClrLst>
-    <dgm:linClrLst meth="repeat">
-      <a:schemeClr val="accent4"/>
-    </dgm:linClrLst>
-    <dgm:effectClrLst/>
-    <dgm:txLinClrLst/>
-    <dgm:txFillClrLst meth="repeat">
-      <a:schemeClr val="dk1"/>
-    </dgm:txFillClrLst>
-    <dgm:txEffectClrLst/>
-  </dgm:styleLbl>
-  <dgm:styleLbl name="alignAcc1">
-    <dgm:fillClrLst meth="repeat">
-      <a:schemeClr val="accent4">
-        <a:alpha val="90000"/>
-        <a:tint val="40000"/>
-      </a:schemeClr>
-    </dgm:fillClrLst>
-    <dgm:linClrLst meth="repeat">
-      <a:schemeClr val="accent4"/>
-    </dgm:linClrLst>
-    <dgm:effectClrLst/>
-    <dgm:txLinClrLst/>
-    <dgm:txFillClrLst meth="repeat">
-      <a:schemeClr val="dk1"/>
-    </dgm:txFillClrLst>
-    <dgm:txEffectClrLst/>
-  </dgm:styleLbl>
-  <dgm:styleLbl name="trAlignAcc1">
-    <dgm:fillClrLst meth="repeat">
-      <a:schemeClr val="accent4">
-        <a:alpha val="40000"/>
-        <a:tint val="40000"/>
-      </a:schemeClr>
-    </dgm:fillClrLst>
-    <dgm:linClrLst meth="repeat">
-      <a:schemeClr val="accent4"/>
-    </dgm:linClrLst>
-    <dgm:effectClrLst/>
-    <dgm:txLinClrLst/>
-    <dgm:txFillClrLst meth="repeat">
-      <a:schemeClr val="dk1"/>
-    </dgm:txFillClrLst>
-    <dgm:txEffectClrLst/>
-  </dgm:styleLbl>
-  <dgm:styleLbl name="bgAcc1">
-    <dgm:fillClrLst meth="repeat">
-      <a:schemeClr val="accent4">
-        <a:alpha val="90000"/>
-        <a:tint val="40000"/>
-      </a:schemeClr>
-    </dgm:fillClrLst>
-    <dgm:linClrLst meth="repeat">
-      <a:schemeClr val="accent4"/>
-    </dgm:linClrLst>
-    <dgm:effectClrLst/>
-    <dgm:txLinClrLst/>
-    <dgm:txFillClrLst meth="repeat">
-      <a:schemeClr val="dk1"/>
-    </dgm:txFillClrLst>
-    <dgm:txEffectClrLst/>
-  </dgm:styleLbl>
-  <dgm:styleLbl name="solidFgAcc1">
-    <dgm:fillClrLst meth="repeat">
-      <a:schemeClr val="lt1"/>
-    </dgm:fillClrLst>
-    <dgm:linClrLst meth="repeat">
-      <a:schemeClr val="accent4"/>
-    </dgm:linClrLst>
-    <dgm:effectClrLst/>
-    <dgm:txLinClrLst/>
-    <dgm:txFillClrLst meth="repeat">
-      <a:schemeClr val="dk1"/>
-    </dgm:txFillClrLst>
-    <dgm:txEffectClrLst/>
-  </dgm:styleLbl>
-  <dgm:styleLbl name="solidAlignAcc1">
-    <dgm:fillClrLst meth="repeat">
-      <a:schemeClr val="lt1"/>
-    </dgm:fillClrLst>
-    <dgm:linClrLst meth="repeat">
-      <a:schemeClr val="accent4"/>
-    </dgm:linClrLst>
-    <dgm:effectClrLst/>
-    <dgm:txLinClrLst/>
-    <dgm:txFillClrLst meth="repeat">
-      <a:schemeClr val="dk1"/>
-    </dgm:txFillClrLst>
-    <dgm:txEffectClrLst/>
-  </dgm:styleLbl>
-  <dgm:styleLbl name="solidBgAcc1">
-    <dgm:fillClrLst meth="repeat">
-      <a:schemeClr val="lt1"/>
-    </dgm:fillClrLst>
-    <dgm:linClrLst meth="repeat">
-      <a:schemeClr val="accent4"/>
-    </dgm:linClrLst>
-    <dgm:effectClrLst/>
-    <dgm:txLinClrLst/>
-    <dgm:txFillClrLst meth="repeat">
-      <a:schemeClr val="dk1"/>
-    </dgm:txFillClrLst>
-    <dgm:txEffectClrLst/>
-  </dgm:styleLbl>
-  <dgm:styleLbl name="fgAccFollowNode1">
-    <dgm:fillClrLst meth="repeat">
-      <a:schemeClr val="lt1">
-        <a:alpha val="90000"/>
-        <a:tint val="40000"/>
-      </a:schemeClr>
-    </dgm:fillClrLst>
-    <dgm:linClrLst meth="repeat">
-      <a:schemeClr val="accent4">
-        <a:alpha val="90000"/>
-      </a:schemeClr>
-    </dgm:linClrLst>
-    <dgm:effectClrLst/>
-    <dgm:txLinClrLst/>
-    <dgm:txFillClrLst meth="repeat">
-      <a:schemeClr val="dk1"/>
-    </dgm:txFillClrLst>
-    <dgm:txEffectClrLst/>
-  </dgm:styleLbl>
-  <dgm:styleLbl name="alignAccFollowNode1">
-    <dgm:fillClrLst meth="repeat">
-      <a:schemeClr val="lt1">
-        <a:alpha val="90000"/>
-        <a:tint val="40000"/>
-      </a:schemeClr>
-    </dgm:fillClrLst>
-    <dgm:linClrLst meth="repeat">
-      <a:schemeClr val="accent4">
-        <a:alpha val="90000"/>
-      </a:schemeClr>
-    </dgm:linClrLst>
-    <dgm:effectClrLst/>
-    <dgm:txLinClrLst/>
-    <dgm:txFillClrLst meth="repeat">
-      <a:schemeClr val="dk1"/>
-    </dgm:txFillClrLst>
-    <dgm:txEffectClrLst/>
-  </dgm:styleLbl>
-  <dgm:styleLbl name="bgAccFollowNode1">
-    <dgm:fillClrLst meth="repeat">
-      <a:schemeClr val="lt1">
-        <a:alpha val="90000"/>
-        <a:tint val="40000"/>
-      </a:schemeClr>
-    </dgm:fillClrLst>
-    <dgm:linClrLst meth="repeat">
-      <a:schemeClr val="accent4">
-        <a:alpha val="90000"/>
-      </a:schemeClr>
-    </dgm:linClrLst>
-    <dgm:effectClrLst/>
-    <dgm:txLinClrLst/>
-    <dgm:txFillClrLst meth="repeat">
-      <a:schemeClr val="dk1"/>
-    </dgm:txFillClrLst>
-    <dgm:txEffectClrLst/>
-  </dgm:styleLbl>
-  <dgm:styleLbl name="fgAcc0">
-    <dgm:fillClrLst meth="repeat">
-      <a:schemeClr val="accent4">
-        <a:alpha val="90000"/>
-        <a:tint val="40000"/>
-      </a:schemeClr>
-    </dgm:fillClrLst>
-    <dgm:linClrLst meth="repeat">
-      <a:schemeClr val="accent4"/>
-    </dgm:linClrLst>
-    <dgm:effectClrLst/>
-    <dgm:txLinClrLst/>
-    <dgm:txFillClrLst meth="repeat">
-      <a:schemeClr val="dk1"/>
-    </dgm:txFillClrLst>
-    <dgm:txEffectClrLst/>
-  </dgm:styleLbl>
-  <dgm:styleLbl name="fgAcc2">
-    <dgm:fillClrLst meth="repeat">
-      <a:schemeClr val="accent4">
-        <a:alpha val="90000"/>
-        <a:tint val="40000"/>
-      </a:schemeClr>
-    </dgm:fillClrLst>
-    <dgm:linClrLst meth="repeat">
-      <a:schemeClr val="accent4"/>
-    </dgm:linClrLst>
-    <dgm:effectClrLst/>
-    <dgm:txLinClrLst/>
-    <dgm:txFillClrLst meth="repeat">
-      <a:schemeClr val="dk1"/>
-    </dgm:txFillClrLst>
-    <dgm:txEffectClrLst/>
-  </dgm:styleLbl>
-  <dgm:styleLbl name="fgAcc3">
-    <dgm:fillClrLst meth="repeat">
-      <a:schemeClr val="accent4">
-        <a:alpha val="90000"/>
-        <a:tint val="40000"/>
-      </a:schemeClr>
-    </dgm:fillClrLst>
-    <dgm:linClrLst meth="repeat">
-      <a:schemeClr val="accent4"/>
-    </dgm:linClrLst>
-    <dgm:effectClrLst/>
-    <dgm:txLinClrLst/>
-    <dgm:txFillClrLst meth="repeat">
-      <a:schemeClr val="dk1"/>
-    </dgm:txFillClrLst>
-    <dgm:txEffectClrLst/>
-  </dgm:styleLbl>
-  <dgm:styleLbl name="fgAcc4">
-    <dgm:fillClrLst meth="repeat">
-      <a:schemeClr val="accent4">
-        <a:alpha val="90000"/>
-        <a:tint val="40000"/>
-      </a:schemeClr>
-    </dgm:fillClrLst>
-    <dgm:linClrLst meth="repeat">
-      <a:schemeClr val="accent4"/>
-    </dgm:linClrLst>
-    <dgm:effectClrLst/>
-    <dgm:txLinClrLst/>
-    <dgm:txFillClrLst meth="repeat">
-      <a:schemeClr val="dk1"/>
-    </dgm:txFillClrLst>
-    <dgm:txEffectClrLst/>
-  </dgm:styleLbl>
-  <dgm:styleLbl name="bgShp">
-    <dgm:fillClrLst meth="repeat">
-      <a:schemeClr val="accent4">
-        <a:tint val="40000"/>
-      </a:schemeClr>
-    </dgm:fillClrLst>
-    <dgm:linClrLst meth="repeat">
-      <a:schemeClr val="accent4"/>
-    </dgm:linClrLst>
-    <dgm:effectClrLst/>
-    <dgm:txLinClrLst/>
-    <dgm:txFillClrLst meth="repeat">
-      <a:schemeClr val="dk1"/>
-    </dgm:txFillClrLst>
-    <dgm:txEffectClrLst/>
-  </dgm:styleLbl>
-  <dgm:styleLbl name="dkBgShp">
-    <dgm:fillClrLst meth="repeat">
-      <a:schemeClr val="accent4">
-        <a:shade val="80000"/>
-      </a:schemeClr>
-    </dgm:fillClrLst>
-    <dgm:linClrLst meth="repeat">
-      <a:schemeClr val="accent4"/>
-    </dgm:linClrLst>
-    <dgm:effectClrLst/>
-    <dgm:txLinClrLst/>
-    <dgm:txFillClrLst meth="repeat">
-      <a:schemeClr val="lt1"/>
-    </dgm:txFillClrLst>
-    <dgm:txEffectClrLst/>
-  </dgm:styleLbl>
-  <dgm:styleLbl name="trBgShp">
-    <dgm:fillClrLst meth="repeat">
-      <a:schemeClr val="accent4">
-        <a:tint val="50000"/>
-        <a:alpha val="40000"/>
-      </a:schemeClr>
-    </dgm:fillClrLst>
-    <dgm:linClrLst meth="repeat">
-      <a:schemeClr val="accent4"/>
-    </dgm:linClrLst>
-    <dgm:effectClrLst/>
-    <dgm:txLinClrLst/>
-    <dgm:txFillClrLst meth="repeat">
-      <a:schemeClr val="lt1"/>
-    </dgm:txFillClrLst>
-    <dgm:txEffectClrLst/>
-  </dgm:styleLbl>
-  <dgm:styleLbl name="fgShp">
-    <dgm:fillClrLst meth="repeat">
-      <a:schemeClr val="accent4">
-        <a:tint val="60000"/>
-      </a:schemeClr>
-    </dgm:fillClrLst>
-    <dgm:linClrLst meth="repeat">
-      <a:schemeClr val="lt1"/>
-    </dgm:linClrLst>
-    <dgm:effectClrLst/>
-    <dgm:txLinClrLst/>
-    <dgm:txFillClrLst meth="repeat">
-      <a:schemeClr val="dk1"/>
-    </dgm:txFillClrLst>
-    <dgm:txEffectClrLst/>
-  </dgm:styleLbl>
-  <dgm:styleLbl name="revTx">
-    <dgm:fillClrLst meth="repeat">
-      <a:schemeClr val="lt1">
-        <a:alpha val="0"/>
-      </a:schemeClr>
-    </dgm:fillClrLst>
-    <dgm:linClrLst meth="repeat">
-      <a:schemeClr val="dk1">
-        <a:alpha val="0"/>
-      </a:schemeClr>
-    </dgm:linClrLst>
-    <dgm:effectClrLst/>
-    <dgm:txLinClrLst/>
-    <dgm:txFillClrLst meth="repeat">
-      <a:schemeClr val="tx1"/>
-    </dgm:txFillClrLst>
-    <dgm:txEffectClrLst/>
-  </dgm:styleLbl>
-</dgm:colorsDef>
-</file>
-
-<file path=ppt/diagrams/data1.xml><?xml version="1.0" encoding="utf-8"?>
-<dgm:dataModel xmlns:dgm="http://schemas.openxmlformats.org/drawingml/2006/diagram" xmlns:a="http://schemas.openxmlformats.org/drawingml/2006/main">
-  <dgm:ptLst>
-    <dgm:pt modelId="{D44E9E87-B9B9-4324-8110-FB781FB2AAAE}" type="doc">
-      <dgm:prSet loTypeId="urn:microsoft.com/office/officeart/2005/8/layout/radial6" loCatId="cycle" qsTypeId="urn:microsoft.com/office/officeart/2005/8/quickstyle/simple1" qsCatId="simple" csTypeId="urn:microsoft.com/office/officeart/2005/8/colors/accent4_1" csCatId="accent4" phldr="1"/>
-      <dgm:spPr/>
-      <dgm:t>
-        <a:bodyPr rtlCol="0"/>
-        <a:lstStyle/>
-        <a:p>
-          <a:pPr rtl="0"/>
-          <a:endParaRPr lang="en-US"/>
-        </a:p>
-      </dgm:t>
-    </dgm:pt>
-    <dgm:pt modelId="{170C0135-3A94-4623-AA81-735573228628}">
-      <dgm:prSet phldrT="[Text]" custT="1"/>
-      <dgm:spPr/>
-      <dgm:t>
-        <a:bodyPr rtlCol="0"/>
-        <a:lstStyle/>
-        <a:p>
-          <a:pPr rtl="0"/>
-          <a:r>
-            <a:rPr lang="hu-HU" sz="1700" noProof="0" dirty="0" smtClean="0"/>
-            <a:t>A </a:t>
-          </a:r>
-          <a:endParaRPr lang="en-US" sz="1700" noProof="0" dirty="0" smtClean="0"/>
-        </a:p>
-        <a:p>
-          <a:pPr rtl="0"/>
-          <a:r>
-            <a:rPr lang="hu-HU" sz="1700" noProof="0" dirty="0" smtClean="0"/>
-            <a:t>csoport</a:t>
-          </a:r>
-          <a:endParaRPr lang="hu-HU" sz="1700" noProof="0" dirty="0"/>
-        </a:p>
-      </dgm:t>
-      <dgm:extLst>
-        <a:ext uri="{E40237B7-FDA0-4F09-8148-C483321AD2D9}">
-          <dgm14:cNvPr xmlns:dgm14="http://schemas.microsoft.com/office/drawing/2010/diagram" id="0" name="" title="Group A"/>
-        </a:ext>
-      </dgm:extLst>
-    </dgm:pt>
-    <dgm:pt modelId="{7EDBC624-DFE3-497D-829C-08721ACED330}" type="parTrans" cxnId="{22A430BA-B6E0-4052-AE0E-A81596E2528E}">
-      <dgm:prSet/>
-      <dgm:spPr/>
-      <dgm:t>
-        <a:bodyPr rtlCol="0"/>
-        <a:lstStyle/>
-        <a:p>
-          <a:pPr rtl="0"/>
-          <a:endParaRPr lang="hu-HU" dirty="0"/>
-        </a:p>
-      </dgm:t>
-    </dgm:pt>
-    <dgm:pt modelId="{D38474F5-0992-4D39-B19C-1F963AEBACD2}" type="sibTrans" cxnId="{22A430BA-B6E0-4052-AE0E-A81596E2528E}">
-      <dgm:prSet/>
-      <dgm:spPr/>
-      <dgm:t>
-        <a:bodyPr rtlCol="0"/>
-        <a:lstStyle/>
-        <a:p>
-          <a:pPr rtl="0"/>
-          <a:endParaRPr lang="hu-HU" dirty="0"/>
-        </a:p>
-      </dgm:t>
-    </dgm:pt>
-    <dgm:pt modelId="{B8E35523-DEC4-40C5-AD71-C446E3CF02A7}">
-      <dgm:prSet phldrT="[Text]" custT="1"/>
-      <dgm:spPr/>
-      <dgm:t>
-        <a:bodyPr rtlCol="0"/>
-        <a:lstStyle/>
-        <a:p>
-          <a:pPr rtl="0"/>
-          <a:r>
-            <a:rPr lang="hu-HU" sz="1200" noProof="0" dirty="0" smtClean="0"/>
-            <a:t>1. tevékenység</a:t>
-          </a:r>
-          <a:endParaRPr lang="hu-HU" sz="1200" noProof="0" dirty="0"/>
-        </a:p>
-      </dgm:t>
-      <dgm:extLst>
-        <a:ext uri="{E40237B7-FDA0-4F09-8148-C483321AD2D9}">
-          <dgm14:cNvPr xmlns:dgm14="http://schemas.microsoft.com/office/drawing/2010/diagram" id="0" name="" title="Task 1"/>
-        </a:ext>
-      </dgm:extLst>
-    </dgm:pt>
-    <dgm:pt modelId="{E38275A8-6585-473D-8CD2-46E571691CE8}" type="parTrans" cxnId="{74BF261D-E0A3-43A7-83EB-85FEEF0798DA}">
-      <dgm:prSet/>
-      <dgm:spPr/>
-      <dgm:t>
-        <a:bodyPr rtlCol="0"/>
-        <a:lstStyle/>
-        <a:p>
-          <a:pPr rtl="0"/>
-          <a:endParaRPr lang="hu-HU" dirty="0"/>
-        </a:p>
-      </dgm:t>
-    </dgm:pt>
-    <dgm:pt modelId="{2EEF7558-FF6A-4D97-B16B-E787F09F42D0}" type="sibTrans" cxnId="{74BF261D-E0A3-43A7-83EB-85FEEF0798DA}">
-      <dgm:prSet/>
-      <dgm:spPr/>
-      <dgm:t>
-        <a:bodyPr rtlCol="0"/>
-        <a:lstStyle/>
-        <a:p>
-          <a:pPr rtl="0"/>
-          <a:endParaRPr lang="hu-HU" dirty="0"/>
-        </a:p>
-      </dgm:t>
-      <dgm:extLst>
-        <a:ext uri="{E40237B7-FDA0-4F09-8148-C483321AD2D9}">
-          <dgm14:cNvPr xmlns:dgm14="http://schemas.microsoft.com/office/drawing/2010/diagram" id="0" name="" title="Colored circle connected to tasks"/>
-        </a:ext>
-      </dgm:extLst>
-    </dgm:pt>
-    <dgm:pt modelId="{2551E4CB-EB09-450C-9132-37387398D945}">
-      <dgm:prSet phldrT="[Text]" custT="1"/>
-      <dgm:spPr/>
-      <dgm:t>
-        <a:bodyPr rtlCol="0"/>
-        <a:lstStyle/>
-        <a:p>
-          <a:pPr rtl="0"/>
-          <a:r>
-            <a:rPr lang="hu-HU" sz="1200" dirty="0" smtClean="0"/>
-            <a:t>2. </a:t>
-          </a:r>
-          <a:endParaRPr lang="en-US" sz="1200" dirty="0" smtClean="0"/>
-        </a:p>
-        <a:p>
-          <a:pPr rtl="0"/>
-          <a:r>
-            <a:rPr lang="hu-HU" sz="1200" noProof="0" dirty="0" smtClean="0"/>
-            <a:t>feladat</a:t>
-          </a:r>
-          <a:endParaRPr lang="hu-HU" sz="1200" noProof="0" dirty="0"/>
-        </a:p>
-      </dgm:t>
-      <dgm:extLst>
-        <a:ext uri="{E40237B7-FDA0-4F09-8148-C483321AD2D9}">
-          <dgm14:cNvPr xmlns:dgm14="http://schemas.microsoft.com/office/drawing/2010/diagram" id="0" name="" title="Task 2"/>
-        </a:ext>
-      </dgm:extLst>
-    </dgm:pt>
-    <dgm:pt modelId="{FDDC1A66-5C2F-4161-9EE0-50E6AE6B3566}" type="parTrans" cxnId="{1C13D7DA-244F-475B-A626-FFEF1E3983D1}">
-      <dgm:prSet/>
-      <dgm:spPr/>
-      <dgm:t>
-        <a:bodyPr rtlCol="0"/>
-        <a:lstStyle/>
-        <a:p>
-          <a:pPr rtl="0"/>
-          <a:endParaRPr lang="hu-HU" dirty="0"/>
-        </a:p>
-      </dgm:t>
-    </dgm:pt>
-    <dgm:pt modelId="{B47B7453-52D0-4E8E-A0EE-5E0C42B9531D}" type="sibTrans" cxnId="{1C13D7DA-244F-475B-A626-FFEF1E3983D1}">
-      <dgm:prSet/>
-      <dgm:spPr/>
-      <dgm:t>
-        <a:bodyPr rtlCol="0"/>
-        <a:lstStyle/>
-        <a:p>
-          <a:pPr rtl="0"/>
-          <a:endParaRPr lang="hu-HU" dirty="0"/>
-        </a:p>
-      </dgm:t>
-      <dgm:extLst>
-        <a:ext uri="{E40237B7-FDA0-4F09-8148-C483321AD2D9}">
-          <dgm14:cNvPr xmlns:dgm14="http://schemas.microsoft.com/office/drawing/2010/diagram" id="0" name="" title="Colored circle connected to tasks"/>
-        </a:ext>
-      </dgm:extLst>
-    </dgm:pt>
-    <dgm:pt modelId="{57FC35C8-C6CB-4C82-BE0F-B92E4ECAE64D}">
-      <dgm:prSet phldrT="[Text]" custT="1"/>
-      <dgm:spPr/>
-      <dgm:t>
-        <a:bodyPr rtlCol="0"/>
-        <a:lstStyle/>
-        <a:p>
-          <a:pPr rtl="0"/>
-          <a:r>
-            <a:rPr lang="hu-HU" sz="1200" dirty="0" smtClean="0"/>
-            <a:t>3. </a:t>
-          </a:r>
-          <a:endParaRPr lang="en-US" sz="1200" dirty="0" smtClean="0"/>
-        </a:p>
-        <a:p>
-          <a:pPr rtl="0"/>
-          <a:r>
-            <a:rPr lang="hu-HU" sz="1200" noProof="0" dirty="0" smtClean="0"/>
-            <a:t>feladat</a:t>
-          </a:r>
-          <a:endParaRPr lang="hu-HU" sz="1200" noProof="0" dirty="0"/>
-        </a:p>
-      </dgm:t>
-      <dgm:extLst>
-        <a:ext uri="{E40237B7-FDA0-4F09-8148-C483321AD2D9}">
-          <dgm14:cNvPr xmlns:dgm14="http://schemas.microsoft.com/office/drawing/2010/diagram" id="0" name="" title="Task 3"/>
-        </a:ext>
-      </dgm:extLst>
-    </dgm:pt>
-    <dgm:pt modelId="{DCE6D27B-E846-4331-8F79-CDC1E8DDD09A}" type="parTrans" cxnId="{B410F203-BF34-4790-B774-CBB246AFFDF3}">
-      <dgm:prSet/>
-      <dgm:spPr/>
-      <dgm:t>
-        <a:bodyPr rtlCol="0"/>
-        <a:lstStyle/>
-        <a:p>
-          <a:pPr rtl="0"/>
-          <a:endParaRPr lang="hu-HU" dirty="0"/>
-        </a:p>
-      </dgm:t>
-    </dgm:pt>
-    <dgm:pt modelId="{E3DD98F3-578A-483D-B82A-920BD328FE4E}" type="sibTrans" cxnId="{B410F203-BF34-4790-B774-CBB246AFFDF3}">
-      <dgm:prSet/>
-      <dgm:spPr/>
-      <dgm:t>
-        <a:bodyPr rtlCol="0"/>
-        <a:lstStyle/>
-        <a:p>
-          <a:pPr rtl="0"/>
-          <a:endParaRPr lang="hu-HU" dirty="0"/>
-        </a:p>
-      </dgm:t>
-      <dgm:extLst>
-        <a:ext uri="{E40237B7-FDA0-4F09-8148-C483321AD2D9}">
-          <dgm14:cNvPr xmlns:dgm14="http://schemas.microsoft.com/office/drawing/2010/diagram" id="0" name="" title="Colored circle connected to tasks"/>
-        </a:ext>
-      </dgm:extLst>
-    </dgm:pt>
-    <dgm:pt modelId="{061D020E-2B5D-4C0D-9DFD-684837CC0BCE}" type="pres">
-      <dgm:prSet presAssocID="{D44E9E87-B9B9-4324-8110-FB781FB2AAAE}" presName="Name0" presStyleCnt="0">
-        <dgm:presLayoutVars>
-          <dgm:chMax val="1"/>
-          <dgm:dir/>
-          <dgm:animLvl val="ctr"/>
-          <dgm:resizeHandles val="exact"/>
-        </dgm:presLayoutVars>
-      </dgm:prSet>
-      <dgm:spPr/>
-      <dgm:t>
-        <a:bodyPr rtlCol="0"/>
-        <a:lstStyle/>
-        <a:p>
-          <a:pPr rtl="0"/>
-          <a:endParaRPr lang="en-US"/>
-        </a:p>
-      </dgm:t>
-    </dgm:pt>
-    <dgm:pt modelId="{698F6F3C-42F1-48FA-9425-25042679391F}" type="pres">
-      <dgm:prSet presAssocID="{170C0135-3A94-4623-AA81-735573228628}" presName="centerShape" presStyleLbl="node0" presStyleIdx="0" presStyleCnt="1"/>
-      <dgm:spPr/>
-      <dgm:t>
-        <a:bodyPr rtlCol="0"/>
-        <a:lstStyle/>
-        <a:p>
-          <a:pPr rtl="0"/>
-          <a:endParaRPr lang="en-US"/>
-        </a:p>
-      </dgm:t>
-    </dgm:pt>
-    <dgm:pt modelId="{5E4B35E6-EA27-424E-89EC-46D0A40F2772}" type="pres">
-      <dgm:prSet presAssocID="{B8E35523-DEC4-40C5-AD71-C446E3CF02A7}" presName="node" presStyleLbl="node1" presStyleIdx="0" presStyleCnt="3">
-        <dgm:presLayoutVars>
-          <dgm:bulletEnabled val="1"/>
-        </dgm:presLayoutVars>
-      </dgm:prSet>
-      <dgm:spPr/>
-      <dgm:t>
-        <a:bodyPr rtlCol="0"/>
-        <a:lstStyle/>
-        <a:p>
-          <a:pPr rtl="0"/>
-          <a:endParaRPr lang="en-US"/>
-        </a:p>
-      </dgm:t>
-    </dgm:pt>
-    <dgm:pt modelId="{8B180F40-4EFD-493D-838A-C88D7BCC1034}" type="pres">
-      <dgm:prSet presAssocID="{B8E35523-DEC4-40C5-AD71-C446E3CF02A7}" presName="dummy" presStyleCnt="0"/>
-      <dgm:spPr/>
-    </dgm:pt>
-    <dgm:pt modelId="{98E28826-978E-4A6B-8422-B9CC30E49F37}" type="pres">
-      <dgm:prSet presAssocID="{2EEF7558-FF6A-4D97-B16B-E787F09F42D0}" presName="sibTrans" presStyleLbl="sibTrans2D1" presStyleIdx="0" presStyleCnt="3"/>
-      <dgm:spPr/>
-      <dgm:t>
-        <a:bodyPr rtlCol="0"/>
-        <a:lstStyle/>
-        <a:p>
-          <a:pPr rtl="0"/>
-          <a:endParaRPr lang="en-US"/>
-        </a:p>
-      </dgm:t>
-    </dgm:pt>
-    <dgm:pt modelId="{8FAC1D8D-CE9C-45FC-86D2-26F007C6DD34}" type="pres">
-      <dgm:prSet presAssocID="{2551E4CB-EB09-450C-9132-37387398D945}" presName="node" presStyleLbl="node1" presStyleIdx="1" presStyleCnt="3">
-        <dgm:presLayoutVars>
-          <dgm:bulletEnabled val="1"/>
-        </dgm:presLayoutVars>
-      </dgm:prSet>
-      <dgm:spPr/>
-      <dgm:t>
-        <a:bodyPr rtlCol="0"/>
-        <a:lstStyle/>
-        <a:p>
-          <a:pPr rtl="0"/>
-          <a:endParaRPr lang="en-US"/>
-        </a:p>
-      </dgm:t>
-    </dgm:pt>
-    <dgm:pt modelId="{582D627C-FAD1-4F2D-897E-C08848385BAA}" type="pres">
-      <dgm:prSet presAssocID="{2551E4CB-EB09-450C-9132-37387398D945}" presName="dummy" presStyleCnt="0"/>
-      <dgm:spPr/>
-    </dgm:pt>
-    <dgm:pt modelId="{7BB1C934-CD6E-4389-AB60-D55326BC8302}" type="pres">
-      <dgm:prSet presAssocID="{B47B7453-52D0-4E8E-A0EE-5E0C42B9531D}" presName="sibTrans" presStyleLbl="sibTrans2D1" presStyleIdx="1" presStyleCnt="3"/>
-      <dgm:spPr/>
-      <dgm:t>
-        <a:bodyPr rtlCol="0"/>
-        <a:lstStyle/>
-        <a:p>
-          <a:pPr rtl="0"/>
-          <a:endParaRPr lang="en-US"/>
-        </a:p>
-      </dgm:t>
-    </dgm:pt>
-    <dgm:pt modelId="{5D851138-FE51-4A19-A149-11A0DEA29AF5}" type="pres">
-      <dgm:prSet presAssocID="{57FC35C8-C6CB-4C82-BE0F-B92E4ECAE64D}" presName="node" presStyleLbl="node1" presStyleIdx="2" presStyleCnt="3">
-        <dgm:presLayoutVars>
-          <dgm:bulletEnabled val="1"/>
-        </dgm:presLayoutVars>
-      </dgm:prSet>
-      <dgm:spPr/>
-      <dgm:t>
-        <a:bodyPr rtlCol="0"/>
-        <a:lstStyle/>
-        <a:p>
-          <a:pPr rtl="0"/>
-          <a:endParaRPr lang="en-US"/>
-        </a:p>
-      </dgm:t>
-    </dgm:pt>
-    <dgm:pt modelId="{87F2D62F-9758-428E-A82A-F136F721FE64}" type="pres">
-      <dgm:prSet presAssocID="{57FC35C8-C6CB-4C82-BE0F-B92E4ECAE64D}" presName="dummy" presStyleCnt="0"/>
-      <dgm:spPr/>
-    </dgm:pt>
-    <dgm:pt modelId="{0162A7CA-7E03-4A22-95EF-970E5873DB72}" type="pres">
-      <dgm:prSet presAssocID="{E3DD98F3-578A-483D-B82A-920BD328FE4E}" presName="sibTrans" presStyleLbl="sibTrans2D1" presStyleIdx="2" presStyleCnt="3"/>
-      <dgm:spPr/>
-      <dgm:t>
-        <a:bodyPr rtlCol="0"/>
-        <a:lstStyle/>
-        <a:p>
-          <a:pPr rtl="0"/>
-          <a:endParaRPr lang="en-US"/>
-        </a:p>
-      </dgm:t>
-    </dgm:pt>
-  </dgm:ptLst>
-  <dgm:cxnLst>
-    <dgm:cxn modelId="{22A430BA-B6E0-4052-AE0E-A81596E2528E}" srcId="{D44E9E87-B9B9-4324-8110-FB781FB2AAAE}" destId="{170C0135-3A94-4623-AA81-735573228628}" srcOrd="0" destOrd="0" parTransId="{7EDBC624-DFE3-497D-829C-08721ACED330}" sibTransId="{D38474F5-0992-4D39-B19C-1F963AEBACD2}"/>
-    <dgm:cxn modelId="{74BF261D-E0A3-43A7-83EB-85FEEF0798DA}" srcId="{170C0135-3A94-4623-AA81-735573228628}" destId="{B8E35523-DEC4-40C5-AD71-C446E3CF02A7}" srcOrd="0" destOrd="0" parTransId="{E38275A8-6585-473D-8CD2-46E571691CE8}" sibTransId="{2EEF7558-FF6A-4D97-B16B-E787F09F42D0}"/>
-    <dgm:cxn modelId="{B3242627-1817-4128-948A-586A1D28CAEC}" type="presOf" srcId="{B8E35523-DEC4-40C5-AD71-C446E3CF02A7}" destId="{5E4B35E6-EA27-424E-89EC-46D0A40F2772}" srcOrd="0" destOrd="0" presId="urn:microsoft.com/office/officeart/2005/8/layout/radial6"/>
-    <dgm:cxn modelId="{8854DE2B-B2DC-403D-BBB5-9DAEAD86C05D}" type="presOf" srcId="{2551E4CB-EB09-450C-9132-37387398D945}" destId="{8FAC1D8D-CE9C-45FC-86D2-26F007C6DD34}" srcOrd="0" destOrd="0" presId="urn:microsoft.com/office/officeart/2005/8/layout/radial6"/>
-    <dgm:cxn modelId="{6CDC671E-280C-428C-8CDE-020C21062DCD}" type="presOf" srcId="{B47B7453-52D0-4E8E-A0EE-5E0C42B9531D}" destId="{7BB1C934-CD6E-4389-AB60-D55326BC8302}" srcOrd="0" destOrd="0" presId="urn:microsoft.com/office/officeart/2005/8/layout/radial6"/>
-    <dgm:cxn modelId="{AC35BE37-19DB-4CD7-BE2E-6D0C18095769}" type="presOf" srcId="{2EEF7558-FF6A-4D97-B16B-E787F09F42D0}" destId="{98E28826-978E-4A6B-8422-B9CC30E49F37}" srcOrd="0" destOrd="0" presId="urn:microsoft.com/office/officeart/2005/8/layout/radial6"/>
-    <dgm:cxn modelId="{6659EF34-3EF6-4AEC-872C-F63DB702B33C}" type="presOf" srcId="{170C0135-3A94-4623-AA81-735573228628}" destId="{698F6F3C-42F1-48FA-9425-25042679391F}" srcOrd="0" destOrd="0" presId="urn:microsoft.com/office/officeart/2005/8/layout/radial6"/>
-    <dgm:cxn modelId="{61768550-6FA2-421B-BF53-22E629655CE4}" type="presOf" srcId="{D44E9E87-B9B9-4324-8110-FB781FB2AAAE}" destId="{061D020E-2B5D-4C0D-9DFD-684837CC0BCE}" srcOrd="0" destOrd="0" presId="urn:microsoft.com/office/officeart/2005/8/layout/radial6"/>
-    <dgm:cxn modelId="{12D27D35-EFB9-4862-B45A-F4ECD3DD2B5A}" type="presOf" srcId="{57FC35C8-C6CB-4C82-BE0F-B92E4ECAE64D}" destId="{5D851138-FE51-4A19-A149-11A0DEA29AF5}" srcOrd="0" destOrd="0" presId="urn:microsoft.com/office/officeart/2005/8/layout/radial6"/>
-    <dgm:cxn modelId="{1C13D7DA-244F-475B-A626-FFEF1E3983D1}" srcId="{170C0135-3A94-4623-AA81-735573228628}" destId="{2551E4CB-EB09-450C-9132-37387398D945}" srcOrd="1" destOrd="0" parTransId="{FDDC1A66-5C2F-4161-9EE0-50E6AE6B3566}" sibTransId="{B47B7453-52D0-4E8E-A0EE-5E0C42B9531D}"/>
-    <dgm:cxn modelId="{B410F203-BF34-4790-B774-CBB246AFFDF3}" srcId="{170C0135-3A94-4623-AA81-735573228628}" destId="{57FC35C8-C6CB-4C82-BE0F-B92E4ECAE64D}" srcOrd="2" destOrd="0" parTransId="{DCE6D27B-E846-4331-8F79-CDC1E8DDD09A}" sibTransId="{E3DD98F3-578A-483D-B82A-920BD328FE4E}"/>
-    <dgm:cxn modelId="{51173CC8-36DE-4780-A234-53464D5D6F33}" type="presOf" srcId="{E3DD98F3-578A-483D-B82A-920BD328FE4E}" destId="{0162A7CA-7E03-4A22-95EF-970E5873DB72}" srcOrd="0" destOrd="0" presId="urn:microsoft.com/office/officeart/2005/8/layout/radial6"/>
-    <dgm:cxn modelId="{2006E8EE-D69C-49C4-9C1A-63E4C2D2FE70}" type="presParOf" srcId="{061D020E-2B5D-4C0D-9DFD-684837CC0BCE}" destId="{698F6F3C-42F1-48FA-9425-25042679391F}" srcOrd="0" destOrd="0" presId="urn:microsoft.com/office/officeart/2005/8/layout/radial6"/>
-    <dgm:cxn modelId="{EE444B99-244F-42E7-AA40-8FD32874A39D}" type="presParOf" srcId="{061D020E-2B5D-4C0D-9DFD-684837CC0BCE}" destId="{5E4B35E6-EA27-424E-89EC-46D0A40F2772}" srcOrd="1" destOrd="0" presId="urn:microsoft.com/office/officeart/2005/8/layout/radial6"/>
-    <dgm:cxn modelId="{99419F13-53BB-4729-8707-844D77FAB6C9}" type="presParOf" srcId="{061D020E-2B5D-4C0D-9DFD-684837CC0BCE}" destId="{8B180F40-4EFD-493D-838A-C88D7BCC1034}" srcOrd="2" destOrd="0" presId="urn:microsoft.com/office/officeart/2005/8/layout/radial6"/>
-    <dgm:cxn modelId="{72F9C11E-349E-41A4-8872-970B174ACBCC}" type="presParOf" srcId="{061D020E-2B5D-4C0D-9DFD-684837CC0BCE}" destId="{98E28826-978E-4A6B-8422-B9CC30E49F37}" srcOrd="3" destOrd="0" presId="urn:microsoft.com/office/officeart/2005/8/layout/radial6"/>
-    <dgm:cxn modelId="{C371A4E7-D97D-4C5F-A2DA-7F6E5149F6DF}" type="presParOf" srcId="{061D020E-2B5D-4C0D-9DFD-684837CC0BCE}" destId="{8FAC1D8D-CE9C-45FC-86D2-26F007C6DD34}" srcOrd="4" destOrd="0" presId="urn:microsoft.com/office/officeart/2005/8/layout/radial6"/>
-    <dgm:cxn modelId="{B5A8D312-8F6F-4318-93AB-0CB2020E478A}" type="presParOf" srcId="{061D020E-2B5D-4C0D-9DFD-684837CC0BCE}" destId="{582D627C-FAD1-4F2D-897E-C08848385BAA}" srcOrd="5" destOrd="0" presId="urn:microsoft.com/office/officeart/2005/8/layout/radial6"/>
-    <dgm:cxn modelId="{7E8E1789-B60B-4405-8CD8-D17C409DA86A}" type="presParOf" srcId="{061D020E-2B5D-4C0D-9DFD-684837CC0BCE}" destId="{7BB1C934-CD6E-4389-AB60-D55326BC8302}" srcOrd="6" destOrd="0" presId="urn:microsoft.com/office/officeart/2005/8/layout/radial6"/>
-    <dgm:cxn modelId="{A0E89A57-7782-4D03-A9CB-2788C16E7736}" type="presParOf" srcId="{061D020E-2B5D-4C0D-9DFD-684837CC0BCE}" destId="{5D851138-FE51-4A19-A149-11A0DEA29AF5}" srcOrd="7" destOrd="0" presId="urn:microsoft.com/office/officeart/2005/8/layout/radial6"/>
-    <dgm:cxn modelId="{AD4ADAE1-D633-4009-8B9D-2CEF29E3F76C}" type="presParOf" srcId="{061D020E-2B5D-4C0D-9DFD-684837CC0BCE}" destId="{87F2D62F-9758-428E-A82A-F136F721FE64}" srcOrd="8" destOrd="0" presId="urn:microsoft.com/office/officeart/2005/8/layout/radial6"/>
-    <dgm:cxn modelId="{6143C6D3-B1F0-4A53-B4E2-F06938629FAC}" type="presParOf" srcId="{061D020E-2B5D-4C0D-9DFD-684837CC0BCE}" destId="{0162A7CA-7E03-4A22-95EF-970E5873DB72}" srcOrd="9" destOrd="0" presId="urn:microsoft.com/office/officeart/2005/8/layout/radial6"/>
-  </dgm:cxnLst>
-  <dgm:bg/>
-  <dgm:whole/>
-  <dgm:extLst>
-    <a:ext uri="http://schemas.microsoft.com/office/drawing/2008/diagram">
-      <dsp:dataModelExt xmlns:dsp="http://schemas.microsoft.com/office/drawing/2008/diagram" relId="rId7" minVer="http://schemas.openxmlformats.org/drawingml/2006/diagram"/>
-    </a:ext>
-  </dgm:extLst>
-</dgm:dataModel>
-</file>
-
-<file path=ppt/diagrams/drawing1.xml><?xml version="1.0" encoding="utf-8"?>
-<dsp:drawing xmlns:dgm="http://schemas.openxmlformats.org/drawingml/2006/diagram" xmlns:dsp="http://schemas.microsoft.com/office/drawing/2008/diagram" xmlns:a="http://schemas.openxmlformats.org/drawingml/2006/main">
-  <dsp:spTree>
-    <dsp:nvGrpSpPr>
-      <dsp:cNvPr id="0" name=""/>
-      <dsp:cNvGrpSpPr/>
-    </dsp:nvGrpSpPr>
-    <dsp:grpSpPr/>
-    <dsp:sp modelId="{0162A7CA-7E03-4A22-95EF-970E5873DB72}">
-      <dsp:nvSpPr>
-        <dsp:cNvPr id="0" name=""/>
-        <dsp:cNvSpPr/>
-      </dsp:nvSpPr>
-      <dsp:spPr>
-        <a:xfrm>
-          <a:off x="554893" y="564188"/>
-          <a:ext cx="3765425" cy="3765425"/>
-        </a:xfrm>
-        <a:prstGeom prst="blockArc">
-          <a:avLst>
-            <a:gd name="adj1" fmla="val 9000000"/>
-            <a:gd name="adj2" fmla="val 16200000"/>
-            <a:gd name="adj3" fmla="val 4639"/>
-          </a:avLst>
-        </a:prstGeom>
-        <a:solidFill>
-          <a:schemeClr val="accent4">
-            <a:tint val="60000"/>
-            <a:hueOff val="0"/>
-            <a:satOff val="0"/>
-            <a:lumOff val="0"/>
-            <a:alphaOff val="0"/>
-          </a:schemeClr>
-        </a:solidFill>
-        <a:ln>
-          <a:noFill/>
-        </a:ln>
-        <a:effectLst/>
-      </dsp:spPr>
-      <dsp:style>
-        <a:lnRef idx="0">
-          <a:scrgbClr r="0" g="0" b="0"/>
-        </a:lnRef>
-        <a:fillRef idx="1">
-          <a:scrgbClr r="0" g="0" b="0"/>
-        </a:fillRef>
-        <a:effectRef idx="0">
-          <a:scrgbClr r="0" g="0" b="0"/>
-        </a:effectRef>
-        <a:fontRef idx="minor">
-          <a:schemeClr val="lt1"/>
-        </a:fontRef>
-      </dsp:style>
-    </dsp:sp>
-    <dsp:sp modelId="{7BB1C934-CD6E-4389-AB60-D55326BC8302}">
-      <dsp:nvSpPr>
-        <dsp:cNvPr id="0" name=""/>
-        <dsp:cNvSpPr/>
-      </dsp:nvSpPr>
-      <dsp:spPr>
-        <a:xfrm>
-          <a:off x="554893" y="564188"/>
-          <a:ext cx="3765425" cy="3765425"/>
-        </a:xfrm>
-        <a:prstGeom prst="blockArc">
-          <a:avLst>
-            <a:gd name="adj1" fmla="val 1800000"/>
-            <a:gd name="adj2" fmla="val 9000000"/>
-            <a:gd name="adj3" fmla="val 4639"/>
-          </a:avLst>
-        </a:prstGeom>
-        <a:solidFill>
-          <a:schemeClr val="accent4">
-            <a:tint val="60000"/>
-            <a:hueOff val="0"/>
-            <a:satOff val="0"/>
-            <a:lumOff val="0"/>
-            <a:alphaOff val="0"/>
-          </a:schemeClr>
-        </a:solidFill>
-        <a:ln>
-          <a:noFill/>
-        </a:ln>
-        <a:effectLst/>
-      </dsp:spPr>
-      <dsp:style>
-        <a:lnRef idx="0">
-          <a:scrgbClr r="0" g="0" b="0"/>
-        </a:lnRef>
-        <a:fillRef idx="1">
-          <a:scrgbClr r="0" g="0" b="0"/>
-        </a:fillRef>
-        <a:effectRef idx="0">
-          <a:scrgbClr r="0" g="0" b="0"/>
-        </a:effectRef>
-        <a:fontRef idx="minor">
-          <a:schemeClr val="lt1"/>
-        </a:fontRef>
-      </dsp:style>
-    </dsp:sp>
-    <dsp:sp modelId="{98E28826-978E-4A6B-8422-B9CC30E49F37}">
-      <dsp:nvSpPr>
-        <dsp:cNvPr id="0" name=""/>
-        <dsp:cNvSpPr/>
-      </dsp:nvSpPr>
-      <dsp:spPr>
-        <a:xfrm>
-          <a:off x="554893" y="564188"/>
-          <a:ext cx="3765425" cy="3765425"/>
-        </a:xfrm>
-        <a:prstGeom prst="blockArc">
-          <a:avLst>
-            <a:gd name="adj1" fmla="val 16200000"/>
-            <a:gd name="adj2" fmla="val 1800000"/>
-            <a:gd name="adj3" fmla="val 4639"/>
-          </a:avLst>
-        </a:prstGeom>
-        <a:solidFill>
-          <a:schemeClr val="accent4">
-            <a:tint val="60000"/>
-            <a:hueOff val="0"/>
-            <a:satOff val="0"/>
-            <a:lumOff val="0"/>
-            <a:alphaOff val="0"/>
-          </a:schemeClr>
-        </a:solidFill>
-        <a:ln>
-          <a:noFill/>
-        </a:ln>
-        <a:effectLst/>
-      </dsp:spPr>
-      <dsp:style>
-        <a:lnRef idx="0">
-          <a:scrgbClr r="0" g="0" b="0"/>
-        </a:lnRef>
-        <a:fillRef idx="1">
-          <a:scrgbClr r="0" g="0" b="0"/>
-        </a:fillRef>
-        <a:effectRef idx="0">
-          <a:scrgbClr r="0" g="0" b="0"/>
-        </a:effectRef>
-        <a:fontRef idx="minor">
-          <a:schemeClr val="lt1"/>
-        </a:fontRef>
-      </dsp:style>
-    </dsp:sp>
-    <dsp:sp modelId="{698F6F3C-42F1-48FA-9425-25042679391F}">
-      <dsp:nvSpPr>
-        <dsp:cNvPr id="0" name=""/>
-        <dsp:cNvSpPr/>
-      </dsp:nvSpPr>
-      <dsp:spPr>
-        <a:xfrm>
-          <a:off x="1571113" y="1580408"/>
-          <a:ext cx="1732985" cy="1732985"/>
-        </a:xfrm>
-        <a:prstGeom prst="ellipse">
-          <a:avLst/>
-        </a:prstGeom>
-        <a:solidFill>
-          <a:schemeClr val="lt1">
-            <a:hueOff val="0"/>
-            <a:satOff val="0"/>
-            <a:lumOff val="0"/>
-            <a:alphaOff val="0"/>
-          </a:schemeClr>
-        </a:solidFill>
-        <a:ln w="10795" cap="flat" cmpd="sng" algn="ctr">
-          <a:solidFill>
-            <a:schemeClr val="accent4">
-              <a:shade val="80000"/>
-              <a:hueOff val="0"/>
-              <a:satOff val="0"/>
-              <a:lumOff val="0"/>
-              <a:alphaOff val="0"/>
-            </a:schemeClr>
-          </a:solidFill>
-          <a:prstDash val="solid"/>
-        </a:ln>
-        <a:effectLst/>
-      </dsp:spPr>
-      <dsp:style>
-        <a:lnRef idx="2">
-          <a:scrgbClr r="0" g="0" b="0"/>
-        </a:lnRef>
-        <a:fillRef idx="1">
-          <a:scrgbClr r="0" g="0" b="0"/>
-        </a:fillRef>
-        <a:effectRef idx="0">
-          <a:scrgbClr r="0" g="0" b="0"/>
-        </a:effectRef>
-        <a:fontRef idx="minor">
-          <a:schemeClr val="lt1"/>
-        </a:fontRef>
-      </dsp:style>
-      <dsp:txBody>
-        <a:bodyPr spcFirstLastPara="0" vert="horz" wrap="square" lIns="21590" tIns="21590" rIns="21590" bIns="21590" numCol="1" spcCol="1270" rtlCol="0" anchor="ctr" anchorCtr="0">
-          <a:noAutofit/>
-        </a:bodyPr>
-        <a:lstStyle/>
-        <a:p>
-          <a:pPr lvl="0" algn="ctr" defTabSz="755650" rtl="0">
-            <a:lnSpc>
-              <a:spcPct val="90000"/>
-            </a:lnSpc>
-            <a:spcBef>
-              <a:spcPct val="0"/>
-            </a:spcBef>
-            <a:spcAft>
-              <a:spcPct val="35000"/>
-            </a:spcAft>
-          </a:pPr>
-          <a:r>
-            <a:rPr lang="hu-HU" sz="1700" kern="1200" noProof="0" dirty="0" smtClean="0"/>
-            <a:t>A </a:t>
-          </a:r>
-          <a:endParaRPr lang="en-US" sz="1700" kern="1200" noProof="0" dirty="0" smtClean="0"/>
-        </a:p>
-        <a:p>
-          <a:pPr lvl="0" algn="ctr" defTabSz="755650" rtl="0">
-            <a:lnSpc>
-              <a:spcPct val="90000"/>
-            </a:lnSpc>
-            <a:spcBef>
-              <a:spcPct val="0"/>
-            </a:spcBef>
-            <a:spcAft>
-              <a:spcPct val="35000"/>
-            </a:spcAft>
-          </a:pPr>
-          <a:r>
-            <a:rPr lang="hu-HU" sz="1700" kern="1200" noProof="0" dirty="0" smtClean="0"/>
-            <a:t>csoport</a:t>
-          </a:r>
-          <a:endParaRPr lang="hu-HU" sz="1700" kern="1200" noProof="0" dirty="0"/>
-        </a:p>
-      </dsp:txBody>
-      <dsp:txXfrm>
-        <a:off x="1824903" y="1834198"/>
-        <a:ext cx="1225405" cy="1225405"/>
-      </dsp:txXfrm>
-    </dsp:sp>
-    <dsp:sp modelId="{5E4B35E6-EA27-424E-89EC-46D0A40F2772}">
-      <dsp:nvSpPr>
-        <dsp:cNvPr id="0" name=""/>
-        <dsp:cNvSpPr/>
-      </dsp:nvSpPr>
-      <dsp:spPr>
-        <a:xfrm>
-          <a:off x="1831061" y="1314"/>
-          <a:ext cx="1213089" cy="1213089"/>
-        </a:xfrm>
-        <a:prstGeom prst="ellipse">
-          <a:avLst/>
-        </a:prstGeom>
-        <a:solidFill>
-          <a:schemeClr val="lt1">
-            <a:hueOff val="0"/>
-            <a:satOff val="0"/>
-            <a:lumOff val="0"/>
-            <a:alphaOff val="0"/>
-          </a:schemeClr>
-        </a:solidFill>
-        <a:ln w="10795" cap="flat" cmpd="sng" algn="ctr">
-          <a:solidFill>
-            <a:schemeClr val="accent4">
-              <a:shade val="80000"/>
-              <a:hueOff val="0"/>
-              <a:satOff val="0"/>
-              <a:lumOff val="0"/>
-              <a:alphaOff val="0"/>
-            </a:schemeClr>
-          </a:solidFill>
-          <a:prstDash val="solid"/>
-        </a:ln>
-        <a:effectLst/>
-      </dsp:spPr>
-      <dsp:style>
-        <a:lnRef idx="2">
-          <a:scrgbClr r="0" g="0" b="0"/>
-        </a:lnRef>
-        <a:fillRef idx="1">
-          <a:scrgbClr r="0" g="0" b="0"/>
-        </a:fillRef>
-        <a:effectRef idx="0">
-          <a:scrgbClr r="0" g="0" b="0"/>
-        </a:effectRef>
-        <a:fontRef idx="minor">
-          <a:schemeClr val="lt1"/>
-        </a:fontRef>
-      </dsp:style>
-      <dsp:txBody>
-        <a:bodyPr spcFirstLastPara="0" vert="horz" wrap="square" lIns="15240" tIns="15240" rIns="15240" bIns="15240" numCol="1" spcCol="1270" rtlCol="0" anchor="ctr" anchorCtr="0">
-          <a:noAutofit/>
-        </a:bodyPr>
-        <a:lstStyle/>
-        <a:p>
-          <a:pPr lvl="0" algn="ctr" defTabSz="533400" rtl="0">
-            <a:lnSpc>
-              <a:spcPct val="90000"/>
-            </a:lnSpc>
-            <a:spcBef>
-              <a:spcPct val="0"/>
-            </a:spcBef>
-            <a:spcAft>
-              <a:spcPct val="35000"/>
-            </a:spcAft>
-          </a:pPr>
-          <a:r>
-            <a:rPr lang="hu-HU" sz="1200" kern="1200" noProof="0" dirty="0" smtClean="0"/>
-            <a:t>1. tevékenység</a:t>
-          </a:r>
-          <a:endParaRPr lang="hu-HU" sz="1200" kern="1200" noProof="0" dirty="0"/>
-        </a:p>
-      </dsp:txBody>
-      <dsp:txXfrm>
-        <a:off x="2008714" y="178967"/>
-        <a:ext cx="857783" cy="857783"/>
-      </dsp:txXfrm>
-    </dsp:sp>
-    <dsp:sp modelId="{8FAC1D8D-CE9C-45FC-86D2-26F007C6DD34}">
-      <dsp:nvSpPr>
-        <dsp:cNvPr id="0" name=""/>
-        <dsp:cNvSpPr/>
-      </dsp:nvSpPr>
-      <dsp:spPr>
-        <a:xfrm>
-          <a:off x="3423717" y="2759876"/>
-          <a:ext cx="1213089" cy="1213089"/>
-        </a:xfrm>
-        <a:prstGeom prst="ellipse">
-          <a:avLst/>
-        </a:prstGeom>
-        <a:solidFill>
-          <a:schemeClr val="lt1">
-            <a:hueOff val="0"/>
-            <a:satOff val="0"/>
-            <a:lumOff val="0"/>
-            <a:alphaOff val="0"/>
-          </a:schemeClr>
-        </a:solidFill>
-        <a:ln w="10795" cap="flat" cmpd="sng" algn="ctr">
-          <a:solidFill>
-            <a:schemeClr val="accent4">
-              <a:shade val="80000"/>
-              <a:hueOff val="0"/>
-              <a:satOff val="0"/>
-              <a:lumOff val="0"/>
-              <a:alphaOff val="0"/>
-            </a:schemeClr>
-          </a:solidFill>
-          <a:prstDash val="solid"/>
-        </a:ln>
-        <a:effectLst/>
-      </dsp:spPr>
-      <dsp:style>
-        <a:lnRef idx="2">
-          <a:scrgbClr r="0" g="0" b="0"/>
-        </a:lnRef>
-        <a:fillRef idx="1">
-          <a:scrgbClr r="0" g="0" b="0"/>
-        </a:fillRef>
-        <a:effectRef idx="0">
-          <a:scrgbClr r="0" g="0" b="0"/>
-        </a:effectRef>
-        <a:fontRef idx="minor">
-          <a:schemeClr val="lt1"/>
-        </a:fontRef>
-      </dsp:style>
-      <dsp:txBody>
-        <a:bodyPr spcFirstLastPara="0" vert="horz" wrap="square" lIns="15240" tIns="15240" rIns="15240" bIns="15240" numCol="1" spcCol="1270" rtlCol="0" anchor="ctr" anchorCtr="0">
-          <a:noAutofit/>
-        </a:bodyPr>
-        <a:lstStyle/>
-        <a:p>
-          <a:pPr lvl="0" algn="ctr" defTabSz="533400" rtl="0">
-            <a:lnSpc>
-              <a:spcPct val="90000"/>
-            </a:lnSpc>
-            <a:spcBef>
-              <a:spcPct val="0"/>
-            </a:spcBef>
-            <a:spcAft>
-              <a:spcPct val="35000"/>
-            </a:spcAft>
-          </a:pPr>
-          <a:r>
-            <a:rPr lang="hu-HU" sz="1200" kern="1200" dirty="0" smtClean="0"/>
-            <a:t>2. </a:t>
-          </a:r>
-          <a:endParaRPr lang="en-US" sz="1200" kern="1200" dirty="0" smtClean="0"/>
-        </a:p>
-        <a:p>
-          <a:pPr lvl="0" algn="ctr" defTabSz="533400" rtl="0">
-            <a:lnSpc>
-              <a:spcPct val="90000"/>
-            </a:lnSpc>
-            <a:spcBef>
-              <a:spcPct val="0"/>
-            </a:spcBef>
-            <a:spcAft>
-              <a:spcPct val="35000"/>
-            </a:spcAft>
-          </a:pPr>
-          <a:r>
-            <a:rPr lang="hu-HU" sz="1200" kern="1200" noProof="0" dirty="0" smtClean="0"/>
-            <a:t>feladat</a:t>
-          </a:r>
-          <a:endParaRPr lang="hu-HU" sz="1200" kern="1200" noProof="0" dirty="0"/>
-        </a:p>
-      </dsp:txBody>
-      <dsp:txXfrm>
-        <a:off x="3601370" y="2937529"/>
-        <a:ext cx="857783" cy="857783"/>
-      </dsp:txXfrm>
-    </dsp:sp>
-    <dsp:sp modelId="{5D851138-FE51-4A19-A149-11A0DEA29AF5}">
-      <dsp:nvSpPr>
-        <dsp:cNvPr id="0" name=""/>
-        <dsp:cNvSpPr/>
-      </dsp:nvSpPr>
-      <dsp:spPr>
-        <a:xfrm>
-          <a:off x="238404" y="2759876"/>
-          <a:ext cx="1213089" cy="1213089"/>
-        </a:xfrm>
-        <a:prstGeom prst="ellipse">
-          <a:avLst/>
-        </a:prstGeom>
-        <a:solidFill>
-          <a:schemeClr val="lt1">
-            <a:hueOff val="0"/>
-            <a:satOff val="0"/>
-            <a:lumOff val="0"/>
-            <a:alphaOff val="0"/>
-          </a:schemeClr>
-        </a:solidFill>
-        <a:ln w="10795" cap="flat" cmpd="sng" algn="ctr">
-          <a:solidFill>
-            <a:schemeClr val="accent4">
-              <a:shade val="80000"/>
-              <a:hueOff val="0"/>
-              <a:satOff val="0"/>
-              <a:lumOff val="0"/>
-              <a:alphaOff val="0"/>
-            </a:schemeClr>
-          </a:solidFill>
-          <a:prstDash val="solid"/>
-        </a:ln>
-        <a:effectLst/>
-      </dsp:spPr>
-      <dsp:style>
-        <a:lnRef idx="2">
-          <a:scrgbClr r="0" g="0" b="0"/>
-        </a:lnRef>
-        <a:fillRef idx="1">
-          <a:scrgbClr r="0" g="0" b="0"/>
-        </a:fillRef>
-        <a:effectRef idx="0">
-          <a:scrgbClr r="0" g="0" b="0"/>
-        </a:effectRef>
-        <a:fontRef idx="minor">
-          <a:schemeClr val="lt1"/>
-        </a:fontRef>
-      </dsp:style>
-      <dsp:txBody>
-        <a:bodyPr spcFirstLastPara="0" vert="horz" wrap="square" lIns="15240" tIns="15240" rIns="15240" bIns="15240" numCol="1" spcCol="1270" rtlCol="0" anchor="ctr" anchorCtr="0">
-          <a:noAutofit/>
-        </a:bodyPr>
-        <a:lstStyle/>
-        <a:p>
-          <a:pPr lvl="0" algn="ctr" defTabSz="533400" rtl="0">
-            <a:lnSpc>
-              <a:spcPct val="90000"/>
-            </a:lnSpc>
-            <a:spcBef>
-              <a:spcPct val="0"/>
-            </a:spcBef>
-            <a:spcAft>
-              <a:spcPct val="35000"/>
-            </a:spcAft>
-          </a:pPr>
-          <a:r>
-            <a:rPr lang="hu-HU" sz="1200" kern="1200" dirty="0" smtClean="0"/>
-            <a:t>3. </a:t>
-          </a:r>
-          <a:endParaRPr lang="en-US" sz="1200" kern="1200" dirty="0" smtClean="0"/>
-        </a:p>
-        <a:p>
-          <a:pPr lvl="0" algn="ctr" defTabSz="533400" rtl="0">
-            <a:lnSpc>
-              <a:spcPct val="90000"/>
-            </a:lnSpc>
-            <a:spcBef>
-              <a:spcPct val="0"/>
-            </a:spcBef>
-            <a:spcAft>
-              <a:spcPct val="35000"/>
-            </a:spcAft>
-          </a:pPr>
-          <a:r>
-            <a:rPr lang="hu-HU" sz="1200" kern="1200" noProof="0" dirty="0" smtClean="0"/>
-            <a:t>feladat</a:t>
-          </a:r>
-          <a:endParaRPr lang="hu-HU" sz="1200" kern="1200" noProof="0" dirty="0"/>
-        </a:p>
-      </dsp:txBody>
-      <dsp:txXfrm>
-        <a:off x="416057" y="2937529"/>
-        <a:ext cx="857783" cy="857783"/>
-      </dsp:txXfrm>
-    </dsp:sp>
-  </dsp:spTree>
-</dsp:drawing>
-</file>
-
-<file path=ppt/diagrams/layout1.xml><?xml version="1.0" encoding="utf-8"?>
-<dgm:layoutDef xmlns:dgm="http://schemas.openxmlformats.org/drawingml/2006/diagram" xmlns:a="http://schemas.openxmlformats.org/drawingml/2006/main" uniqueId="urn:microsoft.com/office/officeart/2005/8/layout/radial6">
-  <dgm:title val=""/>
-  <dgm:desc val=""/>
-  <dgm:catLst>
-    <dgm:cat type="cycle" pri="9000"/>
-    <dgm:cat type="relationship" pri="21000"/>
-  </dgm:catLst>
-  <dgm:sampData>
-    <dgm:dataModel>
-      <dgm:ptLst>
-        <dgm:pt modelId="0" type="doc"/>
-        <dgm:pt modelId="1">
-          <dgm:prSet phldr="1"/>
-        </dgm:pt>
-        <dgm:pt modelId="11">
-          <dgm:prSet phldr="1"/>
-        </dgm:pt>
-        <dgm:pt modelId="12">
-          <dgm:prSet phldr="1"/>
-        </dgm:pt>
-        <dgm:pt modelId="13">
-          <dgm:prSet phldr="1"/>
-        </dgm:pt>
-        <dgm:pt modelId="14">
-          <dgm:prSet phldr="1"/>
-        </dgm:pt>
-      </dgm:ptLst>
-      <dgm:cxnLst>
-        <dgm:cxn modelId="2" srcId="0" destId="1" srcOrd="0" destOrd="0"/>
-        <dgm:cxn modelId="3" srcId="1" destId="11" srcOrd="0" destOrd="0"/>
-        <dgm:cxn modelId="4" srcId="1" destId="12" srcOrd="1" destOrd="0"/>
-        <dgm:cxn modelId="5" srcId="1" destId="13" srcOrd="2" destOrd="0"/>
-        <dgm:cxn modelId="6" srcId="1" destId="14" srcOrd="3" destOrd="0"/>
-      </dgm:cxnLst>
-      <dgm:bg/>
-      <dgm:whole/>
-    </dgm:dataModel>
-  </dgm:sampData>
-  <dgm:styleData>
-    <dgm:dataModel>
-      <dgm:ptLst>
-        <dgm:pt modelId="0" type="doc"/>
-        <dgm:pt modelId="1"/>
-        <dgm:pt modelId="11"/>
-        <dgm:pt modelId="12"/>
-        <dgm:pt modelId="13"/>
-      </dgm:ptLst>
-      <dgm:cxnLst>
-        <dgm:cxn modelId="2" srcId="0" destId="1" srcOrd="0" destOrd="0"/>
-        <dgm:cxn modelId="15" srcId="1" destId="11" srcOrd="0" destOrd="0"/>
-        <dgm:cxn modelId="16" srcId="1" destId="12" srcOrd="1" destOrd="0"/>
-        <dgm:cxn modelId="17" srcId="1" destId="13" srcOrd="2" destOrd="0"/>
-      </dgm:cxnLst>
-      <dgm:bg/>
-      <dgm:whole/>
-    </dgm:dataModel>
-  </dgm:styleData>
-  <dgm:clrData>
-    <dgm:dataModel>
-      <dgm:ptLst>
-        <dgm:pt modelId="0" type="doc"/>
-        <dgm:pt modelId="1"/>
-        <dgm:pt modelId="11"/>
-        <dgm:pt modelId="12"/>
-        <dgm:pt modelId="13"/>
-        <dgm:pt modelId="14"/>
-        <dgm:pt modelId="15"/>
-        <dgm:pt modelId="16"/>
-      </dgm:ptLst>
-      <dgm:cxnLst>
-        <dgm:cxn modelId="2" srcId="0" destId="1" srcOrd="0" destOrd="0"/>
-        <dgm:cxn modelId="16" srcId="1" destId="11" srcOrd="0" destOrd="0"/>
-        <dgm:cxn modelId="17" srcId="1" destId="12" srcOrd="1" destOrd="0"/>
-        <dgm:cxn modelId="18" srcId="1" destId="13" srcOrd="2" destOrd="0"/>
-        <dgm:cxn modelId="19" srcId="1" destId="14" srcOrd="3" destOrd="0"/>
-        <dgm:cxn modelId="20" srcId="1" destId="15" srcOrd="4" destOrd="0"/>
-        <dgm:cxn modelId="21" srcId="1" destId="16" srcOrd="5" destOrd="0"/>
-      </dgm:cxnLst>
-      <dgm:bg/>
-      <dgm:whole/>
-    </dgm:dataModel>
-  </dgm:clrData>
-  <dgm:layoutNode name="Name0">
-    <dgm:varLst>
-      <dgm:chMax val="1"/>
-      <dgm:dir/>
-      <dgm:animLvl val="ctr"/>
-      <dgm:resizeHandles val="exact"/>
-    </dgm:varLst>
-    <dgm:choose name="Name1">
-      <dgm:if name="Name2" func="var" arg="dir" op="equ" val="norm">
-        <dgm:choose name="Name3">
-          <dgm:if name="Name4" axis="ch ch" ptType="node node" st="1 1" cnt="1 0" func="cnt" op="lte" val="1">
-            <dgm:alg type="cycle">
-              <dgm:param type="stAng" val="90"/>
-              <dgm:param type="spanAng" val="360"/>
-              <dgm:param type="ctrShpMap" val="fNode"/>
-            </dgm:alg>
-          </dgm:if>
-          <dgm:else name="Name5">
-            <dgm:alg type="cycle">
-              <dgm:param type="stAng" val="0"/>
-              <dgm:param type="spanAng" val="360"/>
-              <dgm:param type="ctrShpMap" val="fNode"/>
-            </dgm:alg>
-          </dgm:else>
-        </dgm:choose>
-      </dgm:if>
-      <dgm:else name="Name6">
-        <dgm:choose name="Name7">
-          <dgm:if name="Name8" axis="ch ch" ptType="node node" st="1 1" cnt="1 0" func="cnt" op="lte" val="1">
-            <dgm:alg type="cycle">
-              <dgm:param type="stAng" val="-90"/>
-              <dgm:param type="spanAng" val="360"/>
-              <dgm:param type="ctrShpMap" val="fNode"/>
-            </dgm:alg>
-          </dgm:if>
-          <dgm:else name="Name9">
-            <dgm:alg type="cycle">
-              <dgm:param type="stAng" val="0"/>
-              <dgm:param type="spanAng" val="-360"/>
-              <dgm:param type="ctrShpMap" val="fNode"/>
-            </dgm:alg>
-          </dgm:else>
-        </dgm:choose>
-      </dgm:else>
-    </dgm:choose>
-    <dgm:shape xmlns:r="http://schemas.openxmlformats.org/officeDocument/2006/relationships" r:blip="">
-      <dgm:adjLst/>
-    </dgm:shape>
-    <dgm:presOf/>
-    <dgm:choose name="Name10">
-      <dgm:if name="Name11" func="var" arg="dir" op="equ" val="norm">
-        <dgm:choose name="Name12">
-          <dgm:if name="Name13" axis="ch ch" ptType="node node" st="1 1" cnt="1 0" func="cnt" op="equ" val="1">
-            <dgm:constrLst>
-              <dgm:constr type="diam" val="170"/>
-              <dgm:constr type="w" for="ch" forName="centerShape" refType="w"/>
-              <dgm:constr type="w" for="ch" forName="oneComp" refType="w" refFor="ch" refForName="centerShape" op="equ" fact="0.7"/>
-              <dgm:constr type="sp" refType="w" refFor="ch" refForName="oneComp" fact="0.3"/>
-              <dgm:constr type="sibSp" refType="w" refFor="ch" refForName="oneComp" fact="0.3"/>
-              <dgm:constr type="primFontSz" for="ch" forName="centerShape" val="65"/>
-              <dgm:constr type="primFontSz" for="des" forName="oneNode" refType="primFontSz" refFor="ch" refForName="centerShape" fact="0.95"/>
-              <dgm:constr type="primFontSz" for="des" forName="oneNode" refType="primFontSz" refFor="ch" refForName="centerShape" op="lte" fact="0.95"/>
-              <dgm:constr type="diam" for="ch" forName="singleconn" refType="diam" op="equ" fact="-1"/>
-              <dgm:constr type="h" for="ch" forName="singleconn" refType="w" refFor="ch" refForName="oneComp" fact="0.24"/>
-              <dgm:constr type="w" for="ch" forName="dummya" refType="w" refFor="ch" refForName="oneComp" op="equ"/>
-              <dgm:constr type="w" for="ch" forName="dummyb" refType="w" refFor="ch" refForName="oneComp" op="equ"/>
-              <dgm:constr type="w" for="ch" forName="dummyc" refType="w" refFor="ch" refForName="oneComp" op="equ"/>
-            </dgm:constrLst>
-          </dgm:if>
-          <dgm:else name="Name14">
-            <dgm:constrLst>
-              <dgm:constr type="diam" val="170"/>
-              <dgm:constr type="w" for="ch" forName="centerShape" refType="w"/>
-              <dgm:constr type="w" for="ch" forName="node" refType="w" refFor="ch" refForName="centerShape" op="equ" fact="0.7"/>
-              <dgm:constr type="sp" refType="w" refFor="ch" refForName="node" fact="0.3"/>
-              <dgm:constr type="sibSp" refType="w" refFor="ch" refForName="node" fact="0.3"/>
-              <dgm:constr type="primFontSz" for="ch" forName="centerShape" val="65"/>
-              <dgm:constr type="primFontSz" for="des" forName="node" refType="primFontSz" refFor="ch" refForName="centerShape" fact="0.78"/>
-              <dgm:constr type="primFontSz" for="ch" forName="node" refType="primFontSz" refFor="ch" refForName="centerShape" op="lte" fact="0.95"/>
-              <dgm:constr type="diam" for="ch" forName="sibTrans" refType="diam" op="equ"/>
-              <dgm:constr type="h" for="ch" forName="sibTrans" refType="w" refFor="ch" refForName="node" fact="0.24"/>
-              <dgm:constr type="w" for="ch" forName="dummy" val="1"/>
-            </dgm:constrLst>
-          </dgm:else>
-        </dgm:choose>
-      </dgm:if>
-      <dgm:else name="Name15">
-        <dgm:choose name="Name16">
-          <dgm:if name="Name17" axis="ch ch" ptType="node node" st="1 1" cnt="1 0" func="cnt" op="equ" val="1">
-            <dgm:constrLst>
-              <dgm:constr type="diam" val="170"/>
-              <dgm:constr type="w" for="ch" forName="centerShape" refType="w"/>
-              <dgm:constr type="w" for="ch" forName="oneComp" refType="w" refFor="ch" refForName="centerShape" op="equ" fact="0.7"/>
-              <dgm:constr type="sp" refType="w" refFor="ch" refForName="oneComp" fact="0.3"/>
-              <dgm:constr type="sibSp" refType="w" refFor="ch" refForName="oneComp" fact="0.3"/>
-              <dgm:constr type="primFontSz" for="ch" forName="centerShape" val="65"/>
-              <dgm:constr type="primFontSz" for="des" forName="oneNode" refType="primFontSz" refFor="ch" refForName="centerShape" fact="0.95"/>
-              <dgm:constr type="primFontSz" for="ch" forName="oneNode" refType="primFontSz" refFor="ch" refForName="centerShape" op="lte" fact="0.95"/>
-              <dgm:constr type="diam" for="ch" forName="singleconn" refType="diam"/>
-              <dgm:constr type="h" for="ch" forName="singleconn" refType="w" refFor="ch" refForName="oneComp" fact="0.24"/>
-              <dgm:constr type="diam" for="ch" refType="diam" op="equ"/>
-              <dgm:constr type="w" for="ch" forName="dummya" refType="w" refFor="ch" refForName="oneComp" op="equ"/>
-              <dgm:constr type="w" for="ch" forName="dummyb" refType="w" refFor="ch" refForName="oneComp" op="equ"/>
-              <dgm:constr type="w" for="ch" forName="dummyc" refType="w" refFor="ch" refForName="oneComp" op="equ"/>
-            </dgm:constrLst>
-          </dgm:if>
-          <dgm:else name="Name18">
-            <dgm:constrLst>
-              <dgm:constr type="diam" val="170"/>
-              <dgm:constr type="w" for="ch" forName="centerShape" refType="w"/>
-              <dgm:constr type="w" for="ch" forName="node" refType="w" refFor="ch" refForName="centerShape" op="equ" fact="0.7"/>
-              <dgm:constr type="sp" refType="w" refFor="ch" refForName="node" fact="0.3"/>
-              <dgm:constr type="sibSp" refType="w" refFor="ch" refForName="node" fact="0.3"/>
-              <dgm:constr type="primFontSz" for="ch" forName="centerShape" val="65"/>
-              <dgm:constr type="primFontSz" for="des" forName="node" refType="primFontSz" refFor="ch" refForName="centerShape" fact="0.78"/>
-              <dgm:constr type="primFontSz" for="ch" forName="node" refType="primFontSz" refFor="ch" refForName="centerShape" op="lte" fact="0.95"/>
-              <dgm:constr type="diam" for="ch" ptType="sibTrans" refType="diam" fact="-1"/>
-              <dgm:constr type="h" for="ch" forName="sibTrans" refType="w" refFor="ch" refForName="node" fact="0.24"/>
-              <dgm:constr type="diam" for="ch" refType="diam" op="equ" fact="-1"/>
-              <dgm:constr type="w" for="ch" forName="dummy" val="1"/>
-            </dgm:constrLst>
-          </dgm:else>
-        </dgm:choose>
-      </dgm:else>
-    </dgm:choose>
-    <dgm:ruleLst>
-      <dgm:rule type="diam" val="INF" fact="NaN" max="NaN"/>
-    </dgm:ruleLst>
-    <dgm:forEach name="Name19" axis="ch" ptType="node" cnt="1">
-      <dgm:layoutNode name="centerShape" styleLbl="node0">
-        <dgm:alg type="tx"/>
-        <dgm:shape xmlns:r="http://schemas.openxmlformats.org/officeDocument/2006/relationships" type="ellipse" r:blip="">
-          <dgm:adjLst/>
-        </dgm:shape>
-        <dgm:presOf axis="self"/>
-        <dgm:constrLst>
-          <dgm:constr type="h" refType="w"/>
-          <dgm:constr type="tMarg" refType="primFontSz" fact="0.1"/>
-          <dgm:constr type="bMarg" refType="primFontSz" fact="0.1"/>
-          <dgm:constr type="lMarg" refType="primFontSz" fact="0.1"/>
-          <dgm:constr type="rMarg" refType="primFontSz" fact="0.1"/>
-        </dgm:constrLst>
-        <dgm:ruleLst>
-          <dgm:rule type="primFontSz" val="5" fact="NaN" max="NaN"/>
-        </dgm:ruleLst>
-      </dgm:layoutNode>
-      <dgm:forEach name="Name20" axis="ch">
-        <dgm:forEach name="Name21" axis="self" ptType="node">
-          <dgm:choose name="Name22">
-            <dgm:if name="Name23" axis="par ch" ptType="node node" func="cnt" op="gt" val="1">
-              <dgm:layoutNode name="node" styleLbl="node1">
-                <dgm:varLst>
-                  <dgm:bulletEnabled val="1"/>
-                </dgm:varLst>
-                <dgm:alg type="tx">
-                  <dgm:param type="txAnchorVertCh" val="mid"/>
-                </dgm:alg>
-                <dgm:shape xmlns:r="http://schemas.openxmlformats.org/officeDocument/2006/relationships" type="ellipse" r:blip="">
-                  <dgm:adjLst/>
-                </dgm:shape>
-                <dgm:presOf axis="desOrSelf" ptType="node"/>
-                <dgm:constrLst>
-                  <dgm:constr type="h" refType="w"/>
-                  <dgm:constr type="tMarg" refType="primFontSz" fact="0.1"/>
-                  <dgm:constr type="bMarg" refType="primFontSz" fact="0.1"/>
-                  <dgm:constr type="lMarg" refType="primFontSz" fact="0.1"/>
-                  <dgm:constr type="rMarg" refType="primFontSz" fact="0.1"/>
-                </dgm:constrLst>
-                <dgm:ruleLst>
-                  <dgm:rule type="primFontSz" val="5" fact="NaN" max="NaN"/>
-                </dgm:ruleLst>
-              </dgm:layoutNode>
-              <dgm:layoutNode name="dummy">
-                <dgm:alg type="sp"/>
-                <dgm:shape xmlns:r="http://schemas.openxmlformats.org/officeDocument/2006/relationships" r:blip="">
-                  <dgm:adjLst/>
-                </dgm:shape>
-                <dgm:presOf/>
-                <dgm:constrLst>
-                  <dgm:constr type="h" refType="w"/>
-                </dgm:constrLst>
-                <dgm:ruleLst/>
-              </dgm:layoutNode>
-              <dgm:forEach name="sibTransForEach" axis="followSib" ptType="sibTrans" hideLastTrans="0" cnt="1">
-                <dgm:layoutNode name="sibTrans" styleLbl="sibTrans2D1">
-                  <dgm:alg type="conn">
-                    <dgm:param type="connRout" val="curve"/>
-                    <dgm:param type="begPts" val="ctr"/>
-                    <dgm:param type="endPts" val="ctr"/>
-                    <dgm:param type="begSty" val="noArr"/>
-                    <dgm:param type="endSty" val="noArr"/>
-                    <dgm:param type="dstNode" val="node"/>
-                  </dgm:alg>
-                  <dgm:shape xmlns:r="http://schemas.openxmlformats.org/officeDocument/2006/relationships" type="conn" r:blip="" zOrderOff="-999">
-                    <dgm:adjLst/>
-                  </dgm:shape>
-                  <dgm:presOf axis="self"/>
-                  <dgm:constrLst>
-                    <dgm:constr type="begPad"/>
-                    <dgm:constr type="endPad"/>
-                  </dgm:constrLst>
-                  <dgm:ruleLst/>
-                </dgm:layoutNode>
-              </dgm:forEach>
-            </dgm:if>
-            <dgm:if name="Name24" axis="par ch" ptType="node node" func="cnt" op="equ" val="1">
-              <dgm:layoutNode name="oneComp">
-                <dgm:alg type="composite">
-                  <dgm:param type="ar" val="1"/>
-                </dgm:alg>
-                <dgm:shape xmlns:r="http://schemas.openxmlformats.org/officeDocument/2006/relationships" r:blip="">
-                  <dgm:adjLst/>
-                </dgm:shape>
-                <dgm:presOf/>
-                <dgm:constrLst>
-                  <dgm:constr type="h" refType="w"/>
-                  <dgm:constr type="l" for="ch" forName="dummyConnPt" refType="w" fact="0.5"/>
-                  <dgm:constr type="t" for="ch" forName="dummyConnPt" refType="w" fact="0.5"/>
-                  <dgm:constr type="l" for="ch" forName="oneNode"/>
-                  <dgm:constr type="t" for="ch" forName="oneNode"/>
-                  <dgm:constr type="h" for="ch" forName="oneNode" refType="h"/>
-                  <dgm:constr type="w" for="ch" forName="oneNode" refType="w"/>
-                </dgm:constrLst>
-                <dgm:ruleLst/>
-                <dgm:layoutNode name="dummyConnPt" styleLbl="node1">
-                  <dgm:alg type="sp"/>
-                  <dgm:shape xmlns:r="http://schemas.openxmlformats.org/officeDocument/2006/relationships" r:blip="">
-                    <dgm:adjLst/>
-                  </dgm:shape>
-                  <dgm:presOf/>
-                  <dgm:constrLst>
-                    <dgm:constr type="w" val="1"/>
-                    <dgm:constr type="h" val="1"/>
-                  </dgm:constrLst>
-                  <dgm:ruleLst/>
-                </dgm:layoutNode>
-                <dgm:layoutNode name="oneNode" styleLbl="node1">
-                  <dgm:varLst>
-                    <dgm:bulletEnabled val="1"/>
-                  </dgm:varLst>
-                  <dgm:alg type="tx">
-                    <dgm:param type="txAnchorVertCh" val="mid"/>
-                  </dgm:alg>
-                  <dgm:shape xmlns:r="http://schemas.openxmlformats.org/officeDocument/2006/relationships" type="ellipse" r:blip="">
-                    <dgm:adjLst/>
-                  </dgm:shape>
-                  <dgm:presOf axis="desOrSelf" ptType="node"/>
-                  <dgm:constrLst>
-                    <dgm:constr type="h" refType="w"/>
-                    <dgm:constr type="tMarg" refType="primFontSz" fact="0.1"/>
-                    <dgm:constr type="bMarg" refType="primFontSz" fact="0.1"/>
-                    <dgm:constr type="lMarg" refType="primFontSz" fact="0.1"/>
-                    <dgm:constr type="rMarg" refType="primFontSz" fact="0.1"/>
-                  </dgm:constrLst>
-                  <dgm:ruleLst>
-                    <dgm:rule type="primFontSz" val="5" fact="NaN" max="NaN"/>
-                  </dgm:ruleLst>
-                </dgm:layoutNode>
-              </dgm:layoutNode>
-              <dgm:layoutNode name="dummya">
-                <dgm:alg type="sp"/>
-                <dgm:shape xmlns:r="http://schemas.openxmlformats.org/officeDocument/2006/relationships" r:blip="">
-                  <dgm:adjLst/>
-                </dgm:shape>
-                <dgm:presOf/>
-                <dgm:constrLst>
-                  <dgm:constr type="h" refType="w"/>
-                </dgm:constrLst>
-                <dgm:ruleLst/>
-              </dgm:layoutNode>
-              <dgm:layoutNode name="dummyb">
-                <dgm:alg type="sp"/>
-                <dgm:shape xmlns:r="http://schemas.openxmlformats.org/officeDocument/2006/relationships" r:blip="">
-                  <dgm:adjLst/>
-                </dgm:shape>
-                <dgm:presOf/>
-                <dgm:constrLst>
-                  <dgm:constr type="h" refType="w"/>
-                </dgm:constrLst>
-                <dgm:ruleLst/>
-              </dgm:layoutNode>
-              <dgm:layoutNode name="dummyc">
-                <dgm:alg type="sp"/>
-                <dgm:shape xmlns:r="http://schemas.openxmlformats.org/officeDocument/2006/relationships" r:blip="">
-                  <dgm:adjLst/>
-                </dgm:shape>
-                <dgm:presOf/>
-                <dgm:constrLst>
-                  <dgm:constr type="h" refType="w"/>
-                </dgm:constrLst>
-                <dgm:ruleLst/>
-              </dgm:layoutNode>
-              <dgm:forEach name="sibTransForEach1" axis="followSib" ptType="sibTrans" hideLastTrans="0" cnt="1">
-                <dgm:layoutNode name="singleconn" styleLbl="sibTrans2D1">
-                  <dgm:alg type="conn">
-                    <dgm:param type="connRout" val="longCurve"/>
-                    <dgm:param type="begPts" val="bCtr"/>
-                    <dgm:param type="endPts" val="tCtr"/>
-                    <dgm:param type="begSty" val="noArr"/>
-                    <dgm:param type="endSty" val="noArr"/>
-                    <dgm:param type="srcNode" val="dummyConnPt"/>
-                    <dgm:param type="dstNode" val="dummyConnPt"/>
-                  </dgm:alg>
-                  <dgm:shape xmlns:r="http://schemas.openxmlformats.org/officeDocument/2006/relationships" type="conn" r:blip="" zOrderOff="-999">
-                    <dgm:adjLst/>
-                  </dgm:shape>
-                  <dgm:presOf axis="self"/>
-                  <dgm:constrLst>
-                    <dgm:constr type="begPad"/>
-                    <dgm:constr type="endPad"/>
-                  </dgm:constrLst>
-                  <dgm:ruleLst/>
-                </dgm:layoutNode>
-              </dgm:forEach>
-            </dgm:if>
-            <dgm:else name="Name25"/>
-          </dgm:choose>
-        </dgm:forEach>
-      </dgm:forEach>
-    </dgm:forEach>
-  </dgm:layoutNode>
-</dgm:layoutDef>
-</file>
-
-<file path=ppt/diagrams/quickStyle1.xml><?xml version="1.0" encoding="utf-8"?>
-<dgm:styleDef xmlns:dgm="http://schemas.openxmlformats.org/drawingml/2006/diagram" xmlns:a="http://schemas.openxmlformats.org/drawingml/2006/main" uniqueId="urn:microsoft.com/office/officeart/2005/8/quickstyle/simple1">
-  <dgm:title val=""/>
-  <dgm:desc val=""/>
-  <dgm:catLst>
-    <dgm:cat type="simple" pri="10100"/>
-  </dgm:catLst>
-  <dgm:scene3d>
-    <a:camera prst="orthographicFront"/>
-    <a:lightRig rig="threePt" dir="t"/>
-  </dgm:scene3d>
-  <dgm:styleLbl name="node0">
-    <dgm:scene3d>
-      <a:camera prst="orthographicFront"/>
-      <a:lightRig rig="threePt" dir="t"/>
-    </dgm:scene3d>
-    <dgm:sp3d/>
-    <dgm:txPr/>
-    <dgm:style>
-      <a:lnRef idx="2">
-        <a:scrgbClr r="0" g="0" b="0"/>
-      </a:lnRef>
-      <a:fillRef idx="1">
-        <a:scrgbClr r="0" g="0" b="0"/>
-      </a:fillRef>
-      <a:effectRef idx="0">
-        <a:scrgbClr r="0" g="0" b="0"/>
-      </a:effectRef>
-      <a:fontRef idx="minor">
-        <a:schemeClr val="lt1"/>
-      </a:fontRef>
-    </dgm:style>
-  </dgm:styleLbl>
-  <dgm:styleLbl name="lnNode1">
-    <dgm:scene3d>
-      <a:camera prst="orthographicFront"/>
-      <a:lightRig rig="threePt" dir="t"/>
-    </dgm:scene3d>
-    <dgm:sp3d/>
-    <dgm:txPr/>
-    <dgm:style>
-      <a:lnRef idx="2">
-        <a:scrgbClr r="0" g="0" b="0"/>
-      </a:lnRef>
-      <a:fillRef idx="1">
-        <a:scrgbClr r="0" g="0" b="0"/>
-      </a:fillRef>
-      <a:effectRef idx="0">
-        <a:scrgbClr r="0" g="0" b="0"/>
-      </a:effectRef>
-      <a:fontRef idx="minor">
-        <a:schemeClr val="lt1"/>
-      </a:fontRef>
-    </dgm:style>
-  </dgm:styleLbl>
-  <dgm:styleLbl name="vennNode1">
-    <dgm:scene3d>
-      <a:camera prst="orthographicFront"/>
-      <a:lightRig rig="threePt" dir="t"/>
-    </dgm:scene3d>
-    <dgm:sp3d/>
-    <dgm:txPr/>
-    <dgm:style>
-      <a:lnRef idx="2">
-        <a:scrgbClr r="0" g="0" b="0"/>
-      </a:lnRef>
-      <a:fillRef idx="1">
-        <a:scrgbClr r="0" g="0" b="0"/>
-      </a:fillRef>
-      <a:effectRef idx="0">
-        <a:scrgbClr r="0" g="0" b="0"/>
-      </a:effectRef>
-      <a:fontRef idx="minor">
-        <a:schemeClr val="tx1"/>
-      </a:fontRef>
-    </dgm:style>
-  </dgm:styleLbl>
-  <dgm:styleLbl name="alignNode1">
-    <dgm:scene3d>
-      <a:camera prst="orthographicFront"/>
-      <a:lightRig rig="threePt" dir="t"/>
-    </dgm:scene3d>
-    <dgm:sp3d/>
-    <dgm:txPr/>
-    <dgm:style>
-      <a:lnRef idx="2">
-        <a:scrgbClr r="0" g="0" b="0"/>
-      </a:lnRef>
-      <a:fillRef idx="1">
-        <a:scrgbClr r="0" g="0" b="0"/>
-      </a:fillRef>
-      <a:effectRef idx="0">
-        <a:scrgbClr r="0" g="0" b="0"/>
-      </a:effectRef>
-      <a:fontRef idx="minor">
-        <a:schemeClr val="lt1"/>
-      </a:fontRef>
-    </dgm:style>
-  </dgm:styleLbl>
-  <dgm:styleLbl name="node1">
-    <dgm:scene3d>
-      <a:camera prst="orthographicFront"/>
-      <a:lightRig rig="threePt" dir="t"/>
-    </dgm:scene3d>
-    <dgm:sp3d/>
-    <dgm:txPr/>
-    <dgm:style>
-      <a:lnRef idx="2">
-        <a:scrgbClr r="0" g="0" b="0"/>
-      </a:lnRef>
-      <a:fillRef idx="1">
-        <a:scrgbClr r="0" g="0" b="0"/>
-      </a:fillRef>
-      <a:effectRef idx="0">
-        <a:scrgbClr r="0" g="0" b="0"/>
-      </a:effectRef>
-      <a:fontRef idx="minor">
-        <a:schemeClr val="lt1"/>
-      </a:fontRef>
-    </dgm:style>
-  </dgm:styleLbl>
-  <dgm:styleLbl name="node2">
-    <dgm:scene3d>
-      <a:camera prst="orthographicFront"/>
-      <a:lightRig rig="threePt" dir="t"/>
-    </dgm:scene3d>
-    <dgm:sp3d/>
-    <dgm:txPr/>
-    <dgm:style>
-      <a:lnRef idx="2">
-        <a:scrgbClr r="0" g="0" b="0"/>
-      </a:lnRef>
-      <a:fillRef idx="1">
-        <a:scrgbClr r="0" g="0" b="0"/>
-      </a:fillRef>
-      <a:effectRef idx="0">
-        <a:scrgbClr r="0" g="0" b="0"/>
-      </a:effectRef>
-      <a:fontRef idx="minor">
-        <a:schemeClr val="lt1"/>
-      </a:fontRef>
-    </dgm:style>
-  </dgm:styleLbl>
-  <dgm:styleLbl name="node3">
-    <dgm:scene3d>
-      <a:camera prst="orthographicFront"/>
-      <a:lightRig rig="threePt" dir="t"/>
-    </dgm:scene3d>
-    <dgm:sp3d/>
-    <dgm:txPr/>
-    <dgm:style>
-      <a:lnRef idx="2">
-        <a:scrgbClr r="0" g="0" b="0"/>
-      </a:lnRef>
-      <a:fillRef idx="1">
-        <a:scrgbClr r="0" g="0" b="0"/>
-      </a:fillRef>
-      <a:effectRef idx="0">
-        <a:scrgbClr r="0" g="0" b="0"/>
-      </a:effectRef>
-      <a:fontRef idx="minor">
-        <a:schemeClr val="lt1"/>
-      </a:fontRef>
-    </dgm:style>
-  </dgm:styleLbl>
-  <dgm:styleLbl name="node4">
-    <dgm:scene3d>
-      <a:camera prst="orthographicFront"/>
-      <a:lightRig rig="threePt" dir="t"/>
-    </dgm:scene3d>
-    <dgm:sp3d/>
-    <dgm:txPr/>
-    <dgm:style>
-      <a:lnRef idx="2">
-        <a:scrgbClr r="0" g="0" b="0"/>
-      </a:lnRef>
-      <a:fillRef idx="1">
-        <a:scrgbClr r="0" g="0" b="0"/>
-      </a:fillRef>
-      <a:effectRef idx="0">
-        <a:scrgbClr r="0" g="0" b="0"/>
-      </a:effectRef>
-      <a:fontRef idx="minor">
-        <a:schemeClr val="lt1"/>
-      </a:fontRef>
-    </dgm:style>
-  </dgm:styleLbl>
-  <dgm:styleLbl name="fgImgPlace1">
-    <dgm:scene3d>
-      <a:camera prst="orthographicFront"/>
-      <a:lightRig rig="threePt" dir="t"/>
-    </dgm:scene3d>
-    <dgm:sp3d/>
-    <dgm:txPr/>
-    <dgm:style>
-      <a:lnRef idx="2">
-        <a:scrgbClr r="0" g="0" b="0"/>
-      </a:lnRef>
-      <a:fillRef idx="1">
-        <a:scrgbClr r="0" g="0" b="0"/>
-      </a:fillRef>
-      <a:effectRef idx="0">
-        <a:scrgbClr r="0" g="0" b="0"/>
-      </a:effectRef>
-      <a:fontRef idx="minor"/>
-    </dgm:style>
-  </dgm:styleLbl>
-  <dgm:styleLbl name="alignImgPlace1">
-    <dgm:scene3d>
-      <a:camera prst="orthographicFront"/>
-      <a:lightRig rig="threePt" dir="t"/>
-    </dgm:scene3d>
-    <dgm:sp3d/>
-    <dgm:txPr/>
-    <dgm:style>
-      <a:lnRef idx="2">
-        <a:scrgbClr r="0" g="0" b="0"/>
-      </a:lnRef>
-      <a:fillRef idx="1">
-        <a:scrgbClr r="0" g="0" b="0"/>
-      </a:fillRef>
-      <a:effectRef idx="0">
-        <a:scrgbClr r="0" g="0" b="0"/>
-      </a:effectRef>
-      <a:fontRef idx="minor"/>
-    </dgm:style>
-  </dgm:styleLbl>
-  <dgm:styleLbl name="bgImgPlace1">
-    <dgm:scene3d>
-      <a:camera prst="orthographicFront"/>
-      <a:lightRig rig="threePt" dir="t"/>
-    </dgm:scene3d>
-    <dgm:sp3d/>
-    <dgm:txPr/>
-    <dgm:style>
-      <a:lnRef idx="2">
-        <a:scrgbClr r="0" g="0" b="0"/>
-      </a:lnRef>
-      <a:fillRef idx="1">
-        <a:scrgbClr r="0" g="0" b="0"/>
-      </a:fillRef>
-      <a:effectRef idx="0">
-        <a:scrgbClr r="0" g="0" b="0"/>
-      </a:effectRef>
-      <a:fontRef idx="minor"/>
-    </dgm:style>
-  </dgm:styleLbl>
-  <dgm:styleLbl name="sibTrans2D1">
-    <dgm:scene3d>
-      <a:camera prst="orthographicFront"/>
-      <a:lightRig rig="threePt" dir="t"/>
-    </dgm:scene3d>
-    <dgm:sp3d/>
-    <dgm:txPr/>
-    <dgm:style>
-      <a:lnRef idx="0">
-        <a:scrgbClr r="0" g="0" b="0"/>
-      </a:lnRef>
-      <a:fillRef idx="1">
-        <a:scrgbClr r="0" g="0" b="0"/>
-      </a:fillRef>
-      <a:effectRef idx="0">
-        <a:scrgbClr r="0" g="0" b="0"/>
-      </a:effectRef>
-      <a:fontRef idx="minor">
-        <a:schemeClr val="lt1"/>
-      </a:fontRef>
-    </dgm:style>
-  </dgm:styleLbl>
-  <dgm:styleLbl name="fgSibTrans2D1">
-    <dgm:scene3d>
-      <a:camera prst="orthographicFront"/>
-      <a:lightRig rig="threePt" dir="t"/>
-    </dgm:scene3d>
-    <dgm:sp3d/>
-    <dgm:txPr/>
-    <dgm:style>
-      <a:lnRef idx="0">
-        <a:scrgbClr r="0" g="0" b="0"/>
-      </a:lnRef>
-      <a:fillRef idx="1">
-        <a:scrgbClr r="0" g="0" b="0"/>
-      </a:fillRef>
-      <a:effectRef idx="0">
-        <a:scrgbClr r="0" g="0" b="0"/>
-      </a:effectRef>
-      <a:fontRef idx="minor">
-        <a:schemeClr val="lt1"/>
-      </a:fontRef>
-    </dgm:style>
-  </dgm:styleLbl>
-  <dgm:styleLbl name="bgSibTrans2D1">
-    <dgm:scene3d>
-      <a:camera prst="orthographicFront"/>
-      <a:lightRig rig="threePt" dir="t"/>
-    </dgm:scene3d>
-    <dgm:sp3d/>
-    <dgm:txPr/>
-    <dgm:style>
-      <a:lnRef idx="0">
-        <a:scrgbClr r="0" g="0" b="0"/>
-      </a:lnRef>
-      <a:fillRef idx="1">
-        <a:scrgbClr r="0" g="0" b="0"/>
-      </a:fillRef>
-      <a:effectRef idx="0">
-        <a:scrgbClr r="0" g="0" b="0"/>
-      </a:effectRef>
-      <a:fontRef idx="minor">
-        <a:schemeClr val="lt1"/>
-      </a:fontRef>
-    </dgm:style>
-  </dgm:styleLbl>
-  <dgm:styleLbl name="sibTrans1D1">
-    <dgm:scene3d>
-      <a:camera prst="orthographicFront"/>
-      <a:lightRig rig="threePt" dir="t"/>
-    </dgm:scene3d>
-    <dgm:sp3d/>
-    <dgm:txPr/>
-    <dgm:style>
-      <a:lnRef idx="1">
-        <a:scrgbClr r="0" g="0" b="0"/>
-      </a:lnRef>
-      <a:fillRef idx="0">
-        <a:scrgbClr r="0" g="0" b="0"/>
-      </a:fillRef>
-      <a:effectRef idx="0">
-        <a:scrgbClr r="0" g="0" b="0"/>
-      </a:effectRef>
-      <a:fontRef idx="minor"/>
-    </dgm:style>
-  </dgm:styleLbl>
-  <dgm:styleLbl name="callout">
-    <dgm:scene3d>
-      <a:camera prst="orthographicFront"/>
-      <a:lightRig rig="threePt" dir="t"/>
-    </dgm:scene3d>
-    <dgm:sp3d/>
-    <dgm:txPr/>
-    <dgm:style>
-      <a:lnRef idx="2">
-        <a:scrgbClr r="0" g="0" b="0"/>
-      </a:lnRef>
-      <a:fillRef idx="1">
-        <a:scrgbClr r="0" g="0" b="0"/>
-      </a:fillRef>
-      <a:effectRef idx="0">
-        <a:scrgbClr r="0" g="0" b="0"/>
-      </a:effectRef>
-      <a:fontRef idx="minor"/>
-    </dgm:style>
-  </dgm:styleLbl>
-  <dgm:styleLbl name="asst0">
-    <dgm:scene3d>
-      <a:camera prst="orthographicFront"/>
-      <a:lightRig rig="threePt" dir="t"/>
-    </dgm:scene3d>
-    <dgm:sp3d/>
-    <dgm:txPr/>
-    <dgm:style>
-      <a:lnRef idx="2">
-        <a:scrgbClr r="0" g="0" b="0"/>
-      </a:lnRef>
-      <a:fillRef idx="1">
-        <a:scrgbClr r="0" g="0" b="0"/>
-      </a:fillRef>
-      <a:effectRef idx="0">
-        <a:scrgbClr r="0" g="0" b="0"/>
-      </a:effectRef>
-      <a:fontRef idx="minor">
-        <a:schemeClr val="lt1"/>
-      </a:fontRef>
-    </dgm:style>
-  </dgm:styleLbl>
-  <dgm:styleLbl name="asst1">
-    <dgm:scene3d>
-      <a:camera prst="orthographicFront"/>
-      <a:lightRig rig="threePt" dir="t"/>
-    </dgm:scene3d>
-    <dgm:sp3d/>
-    <dgm:txPr/>
-    <dgm:style>
-      <a:lnRef idx="2">
-        <a:scrgbClr r="0" g="0" b="0"/>
-      </a:lnRef>
-      <a:fillRef idx="1">
-        <a:scrgbClr r="0" g="0" b="0"/>
-      </a:fillRef>
-      <a:effectRef idx="0">
-        <a:scrgbClr r="0" g="0" b="0"/>
-      </a:effectRef>
-      <a:fontRef idx="minor">
-        <a:schemeClr val="lt1"/>
-      </a:fontRef>
-    </dgm:style>
-  </dgm:styleLbl>
-  <dgm:styleLbl name="asst2">
-    <dgm:scene3d>
-      <a:camera prst="orthographicFront"/>
-      <a:lightRig rig="threePt" dir="t"/>
-    </dgm:scene3d>
-    <dgm:sp3d/>
-    <dgm:txPr/>
-    <dgm:style>
-      <a:lnRef idx="2">
-        <a:scrgbClr r="0" g="0" b="0"/>
-      </a:lnRef>
-      <a:fillRef idx="1">
-        <a:scrgbClr r="0" g="0" b="0"/>
-      </a:fillRef>
-      <a:effectRef idx="0">
-        <a:scrgbClr r="0" g="0" b="0"/>
-      </a:effectRef>
-      <a:fontRef idx="minor">
-        <a:schemeClr val="lt1"/>
-      </a:fontRef>
-    </dgm:style>
-  </dgm:styleLbl>
-  <dgm:styleLbl name="asst3">
-    <dgm:scene3d>
-      <a:camera prst="orthographicFront"/>
-      <a:lightRig rig="threePt" dir="t"/>
-    </dgm:scene3d>
-    <dgm:sp3d/>
-    <dgm:txPr/>
-    <dgm:style>
-      <a:lnRef idx="2">
-        <a:scrgbClr r="0" g="0" b="0"/>
-      </a:lnRef>
-      <a:fillRef idx="1">
-        <a:scrgbClr r="0" g="0" b="0"/>
-      </a:fillRef>
-      <a:effectRef idx="0">
-        <a:scrgbClr r="0" g="0" b="0"/>
-      </a:effectRef>
-      <a:fontRef idx="minor">
-        <a:schemeClr val="lt1"/>
-      </a:fontRef>
-    </dgm:style>
-  </dgm:styleLbl>
-  <dgm:styleLbl name="asst4">
-    <dgm:scene3d>
-      <a:camera prst="orthographicFront"/>
-      <a:lightRig rig="threePt" dir="t"/>
-    </dgm:scene3d>
-    <dgm:sp3d/>
-    <dgm:txPr/>
-    <dgm:style>
-      <a:lnRef idx="2">
-        <a:scrgbClr r="0" g="0" b="0"/>
-      </a:lnRef>
-      <a:fillRef idx="1">
-        <a:scrgbClr r="0" g="0" b="0"/>
-      </a:fillRef>
-      <a:effectRef idx="0">
-        <a:scrgbClr r="0" g="0" b="0"/>
-      </a:effectRef>
-      <a:fontRef idx="minor">
-        <a:schemeClr val="lt1"/>
-      </a:fontRef>
-    </dgm:style>
-  </dgm:styleLbl>
-  <dgm:styleLbl name="parChTrans2D1">
-    <dgm:scene3d>
-      <a:camera prst="orthographicFront"/>
-      <a:lightRig rig="threePt" dir="t"/>
-    </dgm:scene3d>
-    <dgm:sp3d/>
-    <dgm:txPr/>
-    <dgm:style>
-      <a:lnRef idx="2">
-        <a:scrgbClr r="0" g="0" b="0"/>
-      </a:lnRef>
-      <a:fillRef idx="1">
-        <a:scrgbClr r="0" g="0" b="0"/>
-      </a:fillRef>
-      <a:effectRef idx="0">
-        <a:scrgbClr r="0" g="0" b="0"/>
-      </a:effectRef>
-      <a:fontRef idx="minor">
-        <a:schemeClr val="lt1"/>
-      </a:fontRef>
-    </dgm:style>
-  </dgm:styleLbl>
-  <dgm:styleLbl name="parChTrans2D2">
-    <dgm:scene3d>
-      <a:camera prst="orthographicFront"/>
-      <a:lightRig rig="threePt" dir="t"/>
-    </dgm:scene3d>
-    <dgm:sp3d/>
-    <dgm:txPr/>
-    <dgm:style>
-      <a:lnRef idx="2">
-        <a:scrgbClr r="0" g="0" b="0"/>
-      </a:lnRef>
-      <a:fillRef idx="1">
-        <a:scrgbClr r="0" g="0" b="0"/>
-      </a:fillRef>
-      <a:effectRef idx="0">
-        <a:scrgbClr r="0" g="0" b="0"/>
-      </a:effectRef>
-      <a:fontRef idx="minor">
-        <a:schemeClr val="lt1"/>
-      </a:fontRef>
-    </dgm:style>
-  </dgm:styleLbl>
-  <dgm:styleLbl name="parChTrans2D3">
-    <dgm:scene3d>
-      <a:camera prst="orthographicFront"/>
-      <a:lightRig rig="threePt" dir="t"/>
-    </dgm:scene3d>
-    <dgm:sp3d/>
-    <dgm:txPr/>
-    <dgm:style>
-      <a:lnRef idx="2">
-        <a:scrgbClr r="0" g="0" b="0"/>
-      </a:lnRef>
-      <a:fillRef idx="1">
-        <a:scrgbClr r="0" g="0" b="0"/>
-      </a:fillRef>
-      <a:effectRef idx="0">
-        <a:scrgbClr r="0" g="0" b="0"/>
-      </a:effectRef>
-      <a:fontRef idx="minor">
-        <a:schemeClr val="lt1"/>
-      </a:fontRef>
-    </dgm:style>
-  </dgm:styleLbl>
-  <dgm:styleLbl name="parChTrans2D4">
-    <dgm:scene3d>
-      <a:camera prst="orthographicFront"/>
-      <a:lightRig rig="threePt" dir="t"/>
-    </dgm:scene3d>
-    <dgm:sp3d/>
-    <dgm:txPr/>
-    <dgm:style>
-      <a:lnRef idx="2">
-        <a:scrgbClr r="0" g="0" b="0"/>
-      </a:lnRef>
-      <a:fillRef idx="1">
-        <a:scrgbClr r="0" g="0" b="0"/>
-      </a:fillRef>
-      <a:effectRef idx="0">
-        <a:scrgbClr r="0" g="0" b="0"/>
-      </a:effectRef>
-      <a:fontRef idx="minor">
-        <a:schemeClr val="lt1"/>
-      </a:fontRef>
-    </dgm:style>
-  </dgm:styleLbl>
-  <dgm:styleLbl name="parChTrans1D1">
-    <dgm:scene3d>
-      <a:camera prst="orthographicFront"/>
-      <a:lightRig rig="threePt" dir="t"/>
-    </dgm:scene3d>
-    <dgm:sp3d/>
-    <dgm:txPr/>
-    <dgm:style>
-      <a:lnRef idx="2">
-        <a:scrgbClr r="0" g="0" b="0"/>
-      </a:lnRef>
-      <a:fillRef idx="0">
-        <a:scrgbClr r="0" g="0" b="0"/>
-      </a:fillRef>
-      <a:effectRef idx="0">
-        <a:scrgbClr r="0" g="0" b="0"/>
-      </a:effectRef>
-      <a:fontRef idx="minor"/>
-    </dgm:style>
-  </dgm:styleLbl>
-  <dgm:styleLbl name="parChTrans1D2">
-    <dgm:scene3d>
-      <a:camera prst="orthographicFront"/>
-      <a:lightRig rig="threePt" dir="t"/>
-    </dgm:scene3d>
-    <dgm:sp3d/>
-    <dgm:txPr/>
-    <dgm:style>
-      <a:lnRef idx="2">
-        <a:scrgbClr r="0" g="0" b="0"/>
-      </a:lnRef>
-      <a:fillRef idx="0">
-        <a:scrgbClr r="0" g="0" b="0"/>
-      </a:fillRef>
-      <a:effectRef idx="0">
-        <a:scrgbClr r="0" g="0" b="0"/>
-      </a:effectRef>
-      <a:fontRef idx="minor"/>
-    </dgm:style>
-  </dgm:styleLbl>
-  <dgm:styleLbl name="parChTrans1D3">
-    <dgm:scene3d>
-      <a:camera prst="orthographicFront"/>
-      <a:lightRig rig="threePt" dir="t"/>
-    </dgm:scene3d>
-    <dgm:sp3d/>
-    <dgm:txPr/>
-    <dgm:style>
-      <a:lnRef idx="2">
-        <a:scrgbClr r="0" g="0" b="0"/>
-      </a:lnRef>
-      <a:fillRef idx="0">
-        <a:scrgbClr r="0" g="0" b="0"/>
-      </a:fillRef>
-      <a:effectRef idx="0">
-        <a:scrgbClr r="0" g="0" b="0"/>
-      </a:effectRef>
-      <a:fontRef idx="minor"/>
-    </dgm:style>
-  </dgm:styleLbl>
-  <dgm:styleLbl name="parChTrans1D4">
-    <dgm:scene3d>
-      <a:camera prst="orthographicFront"/>
-      <a:lightRig rig="threePt" dir="t"/>
-    </dgm:scene3d>
-    <dgm:sp3d/>
-    <dgm:txPr/>
-    <dgm:style>
-      <a:lnRef idx="2">
-        <a:scrgbClr r="0" g="0" b="0"/>
-      </a:lnRef>
-      <a:fillRef idx="0">
-        <a:scrgbClr r="0" g="0" b="0"/>
-      </a:fillRef>
-      <a:effectRef idx="0">
-        <a:scrgbClr r="0" g="0" b="0"/>
-      </a:effectRef>
-      <a:fontRef idx="minor"/>
-    </dgm:style>
-  </dgm:styleLbl>
-  <dgm:styleLbl name="fgAcc1">
-    <dgm:scene3d>
-      <a:camera prst="orthographicFront"/>
-      <a:lightRig rig="threePt" dir="t"/>
-    </dgm:scene3d>
-    <dgm:sp3d/>
-    <dgm:txPr/>
-    <dgm:style>
-      <a:lnRef idx="2">
-        <a:scrgbClr r="0" g="0" b="0"/>
-      </a:lnRef>
-      <a:fillRef idx="1">
-        <a:scrgbClr r="0" g="0" b="0"/>
-      </a:fillRef>
-      <a:effectRef idx="0">
-        <a:scrgbClr r="0" g="0" b="0"/>
-      </a:effectRef>
-      <a:fontRef idx="minor"/>
-    </dgm:style>
-  </dgm:styleLbl>
-  <dgm:styleLbl name="conFgAcc1">
-    <dgm:scene3d>
-      <a:camera prst="orthographicFront"/>
-      <a:lightRig rig="threePt" dir="t"/>
-    </dgm:scene3d>
-    <dgm:sp3d/>
-    <dgm:txPr/>
-    <dgm:style>
-      <a:lnRef idx="2">
-        <a:scrgbClr r="0" g="0" b="0"/>
-      </a:lnRef>
-      <a:fillRef idx="1">
-        <a:scrgbClr r="0" g="0" b="0"/>
-      </a:fillRef>
-      <a:effectRef idx="0">
-        <a:scrgbClr r="0" g="0" b="0"/>
-      </a:effectRef>
-      <a:fontRef idx="minor"/>
-    </dgm:style>
-  </dgm:styleLbl>
-  <dgm:styleLbl name="alignAcc1">
-    <dgm:scene3d>
-      <a:camera prst="orthographicFront"/>
-      <a:lightRig rig="threePt" dir="t"/>
-    </dgm:scene3d>
-    <dgm:sp3d/>
-    <dgm:txPr/>
-    <dgm:style>
-      <a:lnRef idx="2">
-        <a:scrgbClr r="0" g="0" b="0"/>
-      </a:lnRef>
-      <a:fillRef idx="1">
-        <a:scrgbClr r="0" g="0" b="0"/>
-      </a:fillRef>
-      <a:effectRef idx="0">
-        <a:scrgbClr r="0" g="0" b="0"/>
-      </a:effectRef>
-      <a:fontRef idx="minor"/>
-    </dgm:style>
-  </dgm:styleLbl>
-  <dgm:styleLbl name="trAlignAcc1">
-    <dgm:scene3d>
-      <a:camera prst="orthographicFront"/>
-      <a:lightRig rig="threePt" dir="t"/>
-    </dgm:scene3d>
-    <dgm:sp3d/>
-    <dgm:txPr/>
-    <dgm:style>
-      <a:lnRef idx="1">
-        <a:scrgbClr r="0" g="0" b="0"/>
-      </a:lnRef>
-      <a:fillRef idx="1">
-        <a:scrgbClr r="0" g="0" b="0"/>
-      </a:fillRef>
-      <a:effectRef idx="0">
-        <a:scrgbClr r="0" g="0" b="0"/>
-      </a:effectRef>
-      <a:fontRef idx="minor"/>
-    </dgm:style>
-  </dgm:styleLbl>
-  <dgm:styleLbl name="bgAcc1">
-    <dgm:scene3d>
-      <a:camera prst="orthographicFront"/>
-      <a:lightRig rig="threePt" dir="t"/>
-    </dgm:scene3d>
-    <dgm:sp3d/>
-    <dgm:txPr/>
-    <dgm:style>
-      <a:lnRef idx="2">
-        <a:scrgbClr r="0" g="0" b="0"/>
-      </a:lnRef>
-      <a:fillRef idx="1">
-        <a:scrgbClr r="0" g="0" b="0"/>
-      </a:fillRef>
-      <a:effectRef idx="0">
-        <a:scrgbClr r="0" g="0" b="0"/>
-      </a:effectRef>
-      <a:fontRef idx="minor"/>
-    </dgm:style>
-  </dgm:styleLbl>
-  <dgm:styleLbl name="solidFgAcc1">
-    <dgm:scene3d>
-      <a:camera prst="orthographicFront"/>
-      <a:lightRig rig="threePt" dir="t"/>
-    </dgm:scene3d>
-    <dgm:sp3d/>
-    <dgm:txPr/>
-    <dgm:style>
-      <a:lnRef idx="2">
-        <a:scrgbClr r="0" g="0" b="0"/>
-      </a:lnRef>
-      <a:fillRef idx="1">
-        <a:scrgbClr r="0" g="0" b="0"/>
-      </a:fillRef>
-      <a:effectRef idx="0">
-        <a:scrgbClr r="0" g="0" b="0"/>
-      </a:effectRef>
-      <a:fontRef idx="minor"/>
-    </dgm:style>
-  </dgm:styleLbl>
-  <dgm:styleLbl name="solidAlignAcc1">
-    <dgm:scene3d>
-      <a:camera prst="orthographicFront"/>
-      <a:lightRig rig="threePt" dir="t"/>
-    </dgm:scene3d>
-    <dgm:sp3d/>
-    <dgm:txPr/>
-    <dgm:style>
-      <a:lnRef idx="2">
-        <a:scrgbClr r="0" g="0" b="0"/>
-      </a:lnRef>
-      <a:fillRef idx="1">
-        <a:scrgbClr r="0" g="0" b="0"/>
-      </a:fillRef>
-      <a:effectRef idx="0">
-        <a:scrgbClr r="0" g="0" b="0"/>
-      </a:effectRef>
-      <a:fontRef idx="minor"/>
-    </dgm:style>
-  </dgm:styleLbl>
-  <dgm:styleLbl name="solidBgAcc1">
-    <dgm:scene3d>
-      <a:camera prst="orthographicFront"/>
-      <a:lightRig rig="threePt" dir="t"/>
-    </dgm:scene3d>
-    <dgm:sp3d/>
-    <dgm:txPr/>
-    <dgm:style>
-      <a:lnRef idx="2">
-        <a:scrgbClr r="0" g="0" b="0"/>
-      </a:lnRef>
-      <a:fillRef idx="1">
-        <a:scrgbClr r="0" g="0" b="0"/>
-      </a:fillRef>
-      <a:effectRef idx="0">
-        <a:scrgbClr r="0" g="0" b="0"/>
-      </a:effectRef>
-      <a:fontRef idx="minor"/>
-    </dgm:style>
-  </dgm:styleLbl>
-  <dgm:styleLbl name="fgAccFollowNode1">
-    <dgm:scene3d>
-      <a:camera prst="orthographicFront"/>
-      <a:lightRig rig="threePt" dir="t"/>
-    </dgm:scene3d>
-    <dgm:sp3d/>
-    <dgm:txPr/>
-    <dgm:style>
-      <a:lnRef idx="2">
-        <a:scrgbClr r="0" g="0" b="0"/>
-      </a:lnRef>
-      <a:fillRef idx="1">
-        <a:scrgbClr r="0" g="0" b="0"/>
-      </a:fillRef>
-      <a:effectRef idx="0">
-        <a:scrgbClr r="0" g="0" b="0"/>
-      </a:effectRef>
-      <a:fontRef idx="minor"/>
-    </dgm:style>
-  </dgm:styleLbl>
-  <dgm:styleLbl name="alignAccFollowNode1">
-    <dgm:scene3d>
-      <a:camera prst="orthographicFront"/>
-      <a:lightRig rig="threePt" dir="t"/>
-    </dgm:scene3d>
-    <dgm:sp3d/>
-    <dgm:txPr/>
-    <dgm:style>
-      <a:lnRef idx="2">
-        <a:scrgbClr r="0" g="0" b="0"/>
-      </a:lnRef>
-      <a:fillRef idx="1">
-        <a:scrgbClr r="0" g="0" b="0"/>
-      </a:fillRef>
-      <a:effectRef idx="0">
-        <a:scrgbClr r="0" g="0" b="0"/>
-      </a:effectRef>
-      <a:fontRef idx="minor"/>
-    </dgm:style>
-  </dgm:styleLbl>
-  <dgm:styleLbl name="bgAccFollowNode1">
-    <dgm:scene3d>
-      <a:camera prst="orthographicFront"/>
-      <a:lightRig rig="threePt" dir="t"/>
-    </dgm:scene3d>
-    <dgm:sp3d/>
-    <dgm:txPr/>
-    <dgm:style>
-      <a:lnRef idx="2">
-        <a:scrgbClr r="0" g="0" b="0"/>
-      </a:lnRef>
-      <a:fillRef idx="1">
-        <a:scrgbClr r="0" g="0" b="0"/>
-      </a:fillRef>
-      <a:effectRef idx="0">
-        <a:scrgbClr r="0" g="0" b="0"/>
-      </a:effectRef>
-      <a:fontRef idx="minor"/>
-    </dgm:style>
-  </dgm:styleLbl>
-  <dgm:styleLbl name="fgAcc0">
-    <dgm:scene3d>
-      <a:camera prst="orthographicFront"/>
-      <a:lightRig rig="threePt" dir="t"/>
-    </dgm:scene3d>
-    <dgm:sp3d/>
-    <dgm:txPr/>
-    <dgm:style>
-      <a:lnRef idx="2">
-        <a:scrgbClr r="0" g="0" b="0"/>
-      </a:lnRef>
-      <a:fillRef idx="1">
-        <a:scrgbClr r="0" g="0" b="0"/>
-      </a:fillRef>
-      <a:effectRef idx="0">
-        <a:scrgbClr r="0" g="0" b="0"/>
-      </a:effectRef>
-      <a:fontRef idx="minor"/>
-    </dgm:style>
-  </dgm:styleLbl>
-  <dgm:styleLbl name="fgAcc2">
-    <dgm:scene3d>
-      <a:camera prst="orthographicFront"/>
-      <a:lightRig rig="threePt" dir="t"/>
-    </dgm:scene3d>
-    <dgm:sp3d/>
-    <dgm:txPr/>
-    <dgm:style>
-      <a:lnRef idx="2">
-        <a:scrgbClr r="0" g="0" b="0"/>
-      </a:lnRef>
-      <a:fillRef idx="1">
-        <a:scrgbClr r="0" g="0" b="0"/>
-      </a:fillRef>
-      <a:effectRef idx="0">
-        <a:scrgbClr r="0" g="0" b="0"/>
-      </a:effectRef>
-      <a:fontRef idx="minor"/>
-    </dgm:style>
-  </dgm:styleLbl>
-  <dgm:styleLbl name="fgAcc3">
-    <dgm:scene3d>
-      <a:camera prst="orthographicFront"/>
-      <a:lightRig rig="threePt" dir="t"/>
-    </dgm:scene3d>
-    <dgm:sp3d/>
-    <dgm:txPr/>
-    <dgm:style>
-      <a:lnRef idx="2">
-        <a:scrgbClr r="0" g="0" b="0"/>
-      </a:lnRef>
-      <a:fillRef idx="1">
-        <a:scrgbClr r="0" g="0" b="0"/>
-      </a:fillRef>
-      <a:effectRef idx="0">
-        <a:scrgbClr r="0" g="0" b="0"/>
-      </a:effectRef>
-      <a:fontRef idx="minor"/>
-    </dgm:style>
-  </dgm:styleLbl>
-  <dgm:styleLbl name="fgAcc4">
-    <dgm:scene3d>
-      <a:camera prst="orthographicFront"/>
-      <a:lightRig rig="threePt" dir="t"/>
-    </dgm:scene3d>
-    <dgm:sp3d/>
-    <dgm:txPr/>
-    <dgm:style>
-      <a:lnRef idx="2">
-        <a:scrgbClr r="0" g="0" b="0"/>
-      </a:lnRef>
-      <a:fillRef idx="1">
-        <a:scrgbClr r="0" g="0" b="0"/>
-      </a:fillRef>
-      <a:effectRef idx="0">
-        <a:scrgbClr r="0" g="0" b="0"/>
-      </a:effectRef>
-      <a:fontRef idx="minor"/>
-    </dgm:style>
-  </dgm:styleLbl>
-  <dgm:styleLbl name="bgShp">
-    <dgm:scene3d>
-      <a:camera prst="orthographicFront"/>
-      <a:lightRig rig="threePt" dir="t"/>
-    </dgm:scene3d>
-    <dgm:sp3d/>
-    <dgm:txPr/>
-    <dgm:style>
-      <a:lnRef idx="0">
-        <a:scrgbClr r="0" g="0" b="0"/>
-      </a:lnRef>
-      <a:fillRef idx="1">
-        <a:scrgbClr r="0" g="0" b="0"/>
-      </a:fillRef>
-      <a:effectRef idx="0">
-        <a:scrgbClr r="0" g="0" b="0"/>
-      </a:effectRef>
-      <a:fontRef idx="minor"/>
-    </dgm:style>
-  </dgm:styleLbl>
-  <dgm:styleLbl name="dkBgShp">
-    <dgm:scene3d>
-      <a:camera prst="orthographicFront"/>
-      <a:lightRig rig="threePt" dir="t"/>
-    </dgm:scene3d>
-    <dgm:sp3d/>
-    <dgm:txPr/>
-    <dgm:style>
-      <a:lnRef idx="0">
-        <a:scrgbClr r="0" g="0" b="0"/>
-      </a:lnRef>
-      <a:fillRef idx="1">
-        <a:scrgbClr r="0" g="0" b="0"/>
-      </a:fillRef>
-      <a:effectRef idx="0">
-        <a:scrgbClr r="0" g="0" b="0"/>
-      </a:effectRef>
-      <a:fontRef idx="minor"/>
-    </dgm:style>
-  </dgm:styleLbl>
-  <dgm:styleLbl name="trBgShp">
-    <dgm:scene3d>
-      <a:camera prst="orthographicFront"/>
-      <a:lightRig rig="threePt" dir="t"/>
-    </dgm:scene3d>
-    <dgm:sp3d/>
-    <dgm:txPr/>
-    <dgm:style>
-      <a:lnRef idx="0">
-        <a:scrgbClr r="0" g="0" b="0"/>
-      </a:lnRef>
-      <a:fillRef idx="1">
-        <a:scrgbClr r="0" g="0" b="0"/>
-      </a:fillRef>
-      <a:effectRef idx="0">
-        <a:scrgbClr r="0" g="0" b="0"/>
-      </a:effectRef>
-      <a:fontRef idx="minor"/>
-    </dgm:style>
-  </dgm:styleLbl>
-  <dgm:styleLbl name="fgShp">
-    <dgm:scene3d>
-      <a:camera prst="orthographicFront"/>
-      <a:lightRig rig="threePt" dir="t"/>
-    </dgm:scene3d>
-    <dgm:sp3d/>
-    <dgm:txPr/>
-    <dgm:style>
-      <a:lnRef idx="2">
-        <a:scrgbClr r="0" g="0" b="0"/>
-      </a:lnRef>
-      <a:fillRef idx="1">
-        <a:scrgbClr r="0" g="0" b="0"/>
-      </a:fillRef>
-      <a:effectRef idx="0">
-        <a:scrgbClr r="0" g="0" b="0"/>
-      </a:effectRef>
-      <a:fontRef idx="minor"/>
-    </dgm:style>
-  </dgm:styleLbl>
-  <dgm:styleLbl name="revTx">
-    <dgm:scene3d>
-      <a:camera prst="orthographicFront"/>
-      <a:lightRig rig="threePt" dir="t"/>
-    </dgm:scene3d>
-    <dgm:sp3d/>
-    <dgm:txPr/>
-    <dgm:style>
-      <a:lnRef idx="0">
-        <a:scrgbClr r="0" g="0" b="0"/>
-      </a:lnRef>
-      <a:fillRef idx="0">
-        <a:scrgbClr r="0" g="0" b="0"/>
-      </a:fillRef>
-      <a:effectRef idx="0">
-        <a:scrgbClr r="0" g="0" b="0"/>
-      </a:effectRef>
-      <a:fontRef idx="minor"/>
-    </dgm:style>
-  </dgm:styleLbl>
-</dgm:styleDef>
-</file>
-
 <file path=ppt/handoutMasters/handoutMaster1.xml><?xml version="1.0" encoding="utf-8"?>
 <p:handoutMaster xmlns:a="http://schemas.openxmlformats.org/drawingml/2006/main" xmlns:r="http://schemas.openxmlformats.org/officeDocument/2006/relationships" xmlns:p="http://schemas.openxmlformats.org/presentationml/2006/main">
   <p:cSld>
@@ -4357,7 +233,7 @@
             <a:pPr rtl="0"/>
             <a:fld id="{3466D193-A6CE-48EB-86E9-00A4F0363491}" type="datetime1">
               <a:rPr lang="hu-HU" smtClean="0"/>
-              <a:t>2022. 06. 17.</a:t>
+              <a:t>2022. 06. 18.</a:t>
             </a:fld>
             <a:endParaRPr lang="hu-HU" dirty="0"/>
           </a:p>
@@ -4526,7 +402,7 @@
             <a:fld id="{DED6CD5F-BA85-47DB-8ADA-995162704EA8}" type="datetime1">
               <a:rPr lang="hu-HU" smtClean="0"/>
               <a:pPr/>
-              <a:t>2022. 06. 17.</a:t>
+              <a:t>2022. 06. 18.</a:t>
             </a:fld>
             <a:endParaRPr lang="hu-HU" dirty="0"/>
           </a:p>
@@ -4882,177 +758,6 @@
 </p:notes>
 </file>
 
-<file path=ppt/notesSlides/notesSlide10.xml><?xml version="1.0" encoding="utf-8"?>
-<p:notes xmlns:a="http://schemas.openxmlformats.org/drawingml/2006/main" xmlns:r="http://schemas.openxmlformats.org/officeDocument/2006/relationships" xmlns:p="http://schemas.openxmlformats.org/presentationml/2006/main">
-  <p:cSld>
-    <p:spTree>
-      <p:nvGrpSpPr>
-        <p:cNvPr id="1" name=""/>
-        <p:cNvGrpSpPr/>
-        <p:nvPr/>
-      </p:nvGrpSpPr>
-      <p:grpSpPr>
-        <a:xfrm>
-          <a:off x="0" y="0"/>
-          <a:ext cx="0" cy="0"/>
-          <a:chOff x="0" y="0"/>
-          <a:chExt cx="0" cy="0"/>
-        </a:xfrm>
-      </p:grpSpPr>
-      <p:sp>
-        <p:nvSpPr>
-          <p:cNvPr id="2" name="Diakép helye 1"/>
-          <p:cNvSpPr>
-            <a:spLocks noGrp="1" noRot="1" noChangeAspect="1"/>
-          </p:cNvSpPr>
-          <p:nvPr>
-            <p:ph type="sldImg"/>
-          </p:nvPr>
-        </p:nvSpPr>
-        <p:spPr/>
-      </p:sp>
-      <p:sp>
-        <p:nvSpPr>
-          <p:cNvPr id="3" name="Jegyzetek helye 2"/>
-          <p:cNvSpPr>
-            <a:spLocks noGrp="1"/>
-          </p:cNvSpPr>
-          <p:nvPr>
-            <p:ph type="body" idx="1"/>
-          </p:nvPr>
-        </p:nvSpPr>
-        <p:spPr/>
-        <p:txBody>
-          <a:bodyPr/>
-          <a:lstStyle/>
-          <a:p>
-            <a:endParaRPr lang="hu-HU" dirty="0"/>
-          </a:p>
-        </p:txBody>
-      </p:sp>
-      <p:sp>
-        <p:nvSpPr>
-          <p:cNvPr id="4" name="Dia számának helye 3"/>
-          <p:cNvSpPr>
-            <a:spLocks noGrp="1"/>
-          </p:cNvSpPr>
-          <p:nvPr>
-            <p:ph type="sldNum" sz="quarter" idx="10"/>
-          </p:nvPr>
-        </p:nvSpPr>
-        <p:spPr/>
-        <p:txBody>
-          <a:bodyPr/>
-          <a:lstStyle/>
-          <a:p>
-            <a:pPr rtl="0"/>
-            <a:fld id="{B045B7DE-1198-4F2F-B574-CA8CAE341642}" type="slidenum">
-              <a:rPr lang="hu-HU" smtClean="0"/>
-              <a:t>10</a:t>
-            </a:fld>
-            <a:endParaRPr lang="hu-HU" dirty="0"/>
-          </a:p>
-        </p:txBody>
-      </p:sp>
-    </p:spTree>
-    <p:extLst>
-      <p:ext uri="{BB962C8B-B14F-4D97-AF65-F5344CB8AC3E}">
-        <p14:creationId xmlns:p14="http://schemas.microsoft.com/office/powerpoint/2010/main" val="3603958639"/>
-      </p:ext>
-    </p:extLst>
-  </p:cSld>
-  <p:clrMapOvr>
-    <a:masterClrMapping/>
-  </p:clrMapOvr>
-</p:notes>
-</file>
-
-<file path=ppt/notesSlides/notesSlide11.xml><?xml version="1.0" encoding="utf-8"?>
-<p:notes xmlns:a="http://schemas.openxmlformats.org/drawingml/2006/main" xmlns:r="http://schemas.openxmlformats.org/officeDocument/2006/relationships" xmlns:p="http://schemas.openxmlformats.org/presentationml/2006/main">
-  <p:cSld>
-    <p:spTree>
-      <p:nvGrpSpPr>
-        <p:cNvPr id="1" name=""/>
-        <p:cNvGrpSpPr/>
-        <p:nvPr/>
-      </p:nvGrpSpPr>
-      <p:grpSpPr>
-        <a:xfrm>
-          <a:off x="0" y="0"/>
-          <a:ext cx="0" cy="0"/>
-          <a:chOff x="0" y="0"/>
-          <a:chExt cx="0" cy="0"/>
-        </a:xfrm>
-      </p:grpSpPr>
-      <p:sp>
-        <p:nvSpPr>
-          <p:cNvPr id="2" name="Diakép helye 1"/>
-          <p:cNvSpPr>
-            <a:spLocks noGrp="1" noRot="1" noChangeAspect="1"/>
-          </p:cNvSpPr>
-          <p:nvPr>
-            <p:ph type="sldImg"/>
-          </p:nvPr>
-        </p:nvSpPr>
-        <p:spPr/>
-      </p:sp>
-      <p:sp>
-        <p:nvSpPr>
-          <p:cNvPr id="3" name="Jegyzetek helye 2"/>
-          <p:cNvSpPr>
-            <a:spLocks noGrp="1"/>
-          </p:cNvSpPr>
-          <p:nvPr>
-            <p:ph type="body" idx="1"/>
-          </p:nvPr>
-        </p:nvSpPr>
-        <p:spPr/>
-        <p:txBody>
-          <a:bodyPr rtlCol="0"/>
-          <a:lstStyle/>
-          <a:p>
-            <a:pPr rtl="0"/>
-            <a:endParaRPr lang="hu-HU" dirty="0"/>
-          </a:p>
-        </p:txBody>
-      </p:sp>
-      <p:sp>
-        <p:nvSpPr>
-          <p:cNvPr id="4" name="Dia számának helye 3"/>
-          <p:cNvSpPr>
-            <a:spLocks noGrp="1"/>
-          </p:cNvSpPr>
-          <p:nvPr>
-            <p:ph type="sldNum" sz="quarter" idx="10"/>
-          </p:nvPr>
-        </p:nvSpPr>
-        <p:spPr/>
-        <p:txBody>
-          <a:bodyPr rtlCol="0"/>
-          <a:lstStyle/>
-          <a:p>
-            <a:pPr rtl="0"/>
-            <a:fld id="{B045B7DE-1198-4F2F-B574-CA8CAE341642}" type="slidenum">
-              <a:rPr lang="hu-HU" smtClean="0"/>
-              <a:t>11</a:t>
-            </a:fld>
-            <a:endParaRPr lang="hu-HU" dirty="0"/>
-          </a:p>
-        </p:txBody>
-      </p:sp>
-    </p:spTree>
-    <p:extLst>
-      <p:ext uri="{BB962C8B-B14F-4D97-AF65-F5344CB8AC3E}">
-        <p14:creationId xmlns:p14="http://schemas.microsoft.com/office/powerpoint/2010/main" val="2959738056"/>
-      </p:ext>
-    </p:extLst>
-  </p:cSld>
-  <p:clrMapOvr>
-    <a:masterClrMapping/>
-  </p:clrMapOvr>
-</p:notes>
-</file>
-
 <file path=ppt/notesSlides/notesSlide2.xml><?xml version="1.0" encoding="utf-8"?>
 <p:notes xmlns:a="http://schemas.openxmlformats.org/drawingml/2006/main" xmlns:r="http://schemas.openxmlformats.org/officeDocument/2006/relationships" xmlns:p="http://schemas.openxmlformats.org/presentationml/2006/main">
   <p:cSld>
@@ -5213,7 +918,7 @@
     </p:spTree>
     <p:extLst>
       <p:ext uri="{BB962C8B-B14F-4D97-AF65-F5344CB8AC3E}">
-        <p14:creationId xmlns:p14="http://schemas.microsoft.com/office/powerpoint/2010/main" val="573910436"/>
+        <p14:creationId xmlns:p14="http://schemas.microsoft.com/office/powerpoint/2010/main" val="951817466"/>
       </p:ext>
     </p:extLst>
   </p:cSld>
@@ -5298,7 +1003,7 @@
     </p:spTree>
     <p:extLst>
       <p:ext uri="{BB962C8B-B14F-4D97-AF65-F5344CB8AC3E}">
-        <p14:creationId xmlns:p14="http://schemas.microsoft.com/office/powerpoint/2010/main" val="1582723943"/>
+        <p14:creationId xmlns:p14="http://schemas.microsoft.com/office/powerpoint/2010/main" val="854577310"/>
       </p:ext>
     </p:extLst>
   </p:cSld>
@@ -5383,7 +1088,7 @@
     </p:spTree>
     <p:extLst>
       <p:ext uri="{BB962C8B-B14F-4D97-AF65-F5344CB8AC3E}">
-        <p14:creationId xmlns:p14="http://schemas.microsoft.com/office/powerpoint/2010/main" val="3687633868"/>
+        <p14:creationId xmlns:p14="http://schemas.microsoft.com/office/powerpoint/2010/main" val="3096827075"/>
       </p:ext>
     </p:extLst>
   </p:cSld>
@@ -5468,7 +1173,7 @@
     </p:spTree>
     <p:extLst>
       <p:ext uri="{BB962C8B-B14F-4D97-AF65-F5344CB8AC3E}">
-        <p14:creationId xmlns:p14="http://schemas.microsoft.com/office/powerpoint/2010/main" val="974067428"/>
+        <p14:creationId xmlns:p14="http://schemas.microsoft.com/office/powerpoint/2010/main" val="2725796638"/>
       </p:ext>
     </p:extLst>
   </p:cSld>
@@ -5553,177 +1258,7 @@
     </p:spTree>
     <p:extLst>
       <p:ext uri="{BB962C8B-B14F-4D97-AF65-F5344CB8AC3E}">
-        <p14:creationId xmlns:p14="http://schemas.microsoft.com/office/powerpoint/2010/main" val="3526192091"/>
-      </p:ext>
-    </p:extLst>
-  </p:cSld>
-  <p:clrMapOvr>
-    <a:masterClrMapping/>
-  </p:clrMapOvr>
-</p:notes>
-</file>
-
-<file path=ppt/notesSlides/notesSlide8.xml><?xml version="1.0" encoding="utf-8"?>
-<p:notes xmlns:a="http://schemas.openxmlformats.org/drawingml/2006/main" xmlns:r="http://schemas.openxmlformats.org/officeDocument/2006/relationships" xmlns:p="http://schemas.openxmlformats.org/presentationml/2006/main">
-  <p:cSld>
-    <p:spTree>
-      <p:nvGrpSpPr>
-        <p:cNvPr id="1" name=""/>
-        <p:cNvGrpSpPr/>
-        <p:nvPr/>
-      </p:nvGrpSpPr>
-      <p:grpSpPr>
-        <a:xfrm>
-          <a:off x="0" y="0"/>
-          <a:ext cx="0" cy="0"/>
-          <a:chOff x="0" y="0"/>
-          <a:chExt cx="0" cy="0"/>
-        </a:xfrm>
-      </p:grpSpPr>
-      <p:sp>
-        <p:nvSpPr>
-          <p:cNvPr id="2" name="Diakép helye 1"/>
-          <p:cNvSpPr>
-            <a:spLocks noGrp="1" noRot="1" noChangeAspect="1"/>
-          </p:cNvSpPr>
-          <p:nvPr>
-            <p:ph type="sldImg"/>
-          </p:nvPr>
-        </p:nvSpPr>
-        <p:spPr/>
-      </p:sp>
-      <p:sp>
-        <p:nvSpPr>
-          <p:cNvPr id="3" name="Jegyzetek helye 2"/>
-          <p:cNvSpPr>
-            <a:spLocks noGrp="1"/>
-          </p:cNvSpPr>
-          <p:nvPr>
-            <p:ph type="body" idx="1"/>
-          </p:nvPr>
-        </p:nvSpPr>
-        <p:spPr/>
-        <p:txBody>
-          <a:bodyPr/>
-          <a:lstStyle/>
-          <a:p>
-            <a:endParaRPr lang="hu-HU" dirty="0"/>
-          </a:p>
-        </p:txBody>
-      </p:sp>
-      <p:sp>
-        <p:nvSpPr>
-          <p:cNvPr id="4" name="Dia számának helye 3"/>
-          <p:cNvSpPr>
-            <a:spLocks noGrp="1"/>
-          </p:cNvSpPr>
-          <p:nvPr>
-            <p:ph type="sldNum" sz="quarter" idx="10"/>
-          </p:nvPr>
-        </p:nvSpPr>
-        <p:spPr/>
-        <p:txBody>
-          <a:bodyPr/>
-          <a:lstStyle/>
-          <a:p>
-            <a:pPr rtl="0"/>
-            <a:fld id="{B045B7DE-1198-4F2F-B574-CA8CAE341642}" type="slidenum">
-              <a:rPr lang="hu-HU" smtClean="0"/>
-              <a:t>8</a:t>
-            </a:fld>
-            <a:endParaRPr lang="hu-HU" dirty="0"/>
-          </a:p>
-        </p:txBody>
-      </p:sp>
-    </p:spTree>
-    <p:extLst>
-      <p:ext uri="{BB962C8B-B14F-4D97-AF65-F5344CB8AC3E}">
-        <p14:creationId xmlns:p14="http://schemas.microsoft.com/office/powerpoint/2010/main" val="4170578689"/>
-      </p:ext>
-    </p:extLst>
-  </p:cSld>
-  <p:clrMapOvr>
-    <a:masterClrMapping/>
-  </p:clrMapOvr>
-</p:notes>
-</file>
-
-<file path=ppt/notesSlides/notesSlide9.xml><?xml version="1.0" encoding="utf-8"?>
-<p:notes xmlns:a="http://schemas.openxmlformats.org/drawingml/2006/main" xmlns:r="http://schemas.openxmlformats.org/officeDocument/2006/relationships" xmlns:p="http://schemas.openxmlformats.org/presentationml/2006/main">
-  <p:cSld>
-    <p:spTree>
-      <p:nvGrpSpPr>
-        <p:cNvPr id="1" name=""/>
-        <p:cNvGrpSpPr/>
-        <p:nvPr/>
-      </p:nvGrpSpPr>
-      <p:grpSpPr>
-        <a:xfrm>
-          <a:off x="0" y="0"/>
-          <a:ext cx="0" cy="0"/>
-          <a:chOff x="0" y="0"/>
-          <a:chExt cx="0" cy="0"/>
-        </a:xfrm>
-      </p:grpSpPr>
-      <p:sp>
-        <p:nvSpPr>
-          <p:cNvPr id="2" name="Diakép helye 1"/>
-          <p:cNvSpPr>
-            <a:spLocks noGrp="1" noRot="1" noChangeAspect="1"/>
-          </p:cNvSpPr>
-          <p:nvPr>
-            <p:ph type="sldImg"/>
-          </p:nvPr>
-        </p:nvSpPr>
-        <p:spPr/>
-      </p:sp>
-      <p:sp>
-        <p:nvSpPr>
-          <p:cNvPr id="3" name="Jegyzetek helye 2"/>
-          <p:cNvSpPr>
-            <a:spLocks noGrp="1"/>
-          </p:cNvSpPr>
-          <p:nvPr>
-            <p:ph type="body" idx="1"/>
-          </p:nvPr>
-        </p:nvSpPr>
-        <p:spPr/>
-        <p:txBody>
-          <a:bodyPr/>
-          <a:lstStyle/>
-          <a:p>
-            <a:endParaRPr lang="hu-HU" dirty="0"/>
-          </a:p>
-        </p:txBody>
-      </p:sp>
-      <p:sp>
-        <p:nvSpPr>
-          <p:cNvPr id="4" name="Dia számának helye 3"/>
-          <p:cNvSpPr>
-            <a:spLocks noGrp="1"/>
-          </p:cNvSpPr>
-          <p:nvPr>
-            <p:ph type="sldNum" sz="quarter" idx="10"/>
-          </p:nvPr>
-        </p:nvSpPr>
-        <p:spPr/>
-        <p:txBody>
-          <a:bodyPr/>
-          <a:lstStyle/>
-          <a:p>
-            <a:pPr rtl="0"/>
-            <a:fld id="{B045B7DE-1198-4F2F-B574-CA8CAE341642}" type="slidenum">
-              <a:rPr lang="hu-HU" smtClean="0"/>
-              <a:t>9</a:t>
-            </a:fld>
-            <a:endParaRPr lang="hu-HU" dirty="0"/>
-          </a:p>
-        </p:txBody>
-      </p:sp>
-    </p:spTree>
-    <p:extLst>
-      <p:ext uri="{BB962C8B-B14F-4D97-AF65-F5344CB8AC3E}">
-        <p14:creationId xmlns:p14="http://schemas.microsoft.com/office/powerpoint/2010/main" val="2219466926"/>
+        <p14:creationId xmlns:p14="http://schemas.microsoft.com/office/powerpoint/2010/main" val="974067428"/>
       </p:ext>
     </p:extLst>
   </p:cSld>
@@ -5738,15 +1273,9 @@
   <p:cSld name="Címdia">
     <p:bg>
       <p:bgPr>
-        <a:blipFill dpi="0" rotWithShape="1">
-          <a:blip r:embed="rId2">
-            <a:lum/>
-          </a:blip>
-          <a:srcRect/>
-          <a:stretch>
-            <a:fillRect/>
-          </a:stretch>
-        </a:blipFill>
+        <a:solidFill>
+          <a:schemeClr val="bg1"/>
+        </a:solidFill>
         <a:effectLst/>
       </p:bgPr>
     </p:bg>
@@ -6122,7 +1651,7 @@
             <a:pPr rtl="0"/>
             <a:fld id="{6692B00C-212C-4233-A656-8CE651202BB2}" type="datetime1">
               <a:rPr lang="hu-HU" noProof="0" smtClean="0"/>
-              <a:t>2022. 06. 17.</a:t>
+              <a:t>2022. 06. 18.</a:t>
             </a:fld>
             <a:endParaRPr lang="hu-HU" noProof="0" dirty="0"/>
           </a:p>
@@ -6328,7 +1857,7 @@
             <a:pPr rtl="0"/>
             <a:fld id="{94D86B4B-C52A-4F72-8EDD-BE39A61C2220}" type="datetime1">
               <a:rPr lang="hu-HU" noProof="0" smtClean="0"/>
-              <a:t>2022. 06. 17.</a:t>
+              <a:t>2022. 06. 18.</a:t>
             </a:fld>
             <a:endParaRPr lang="hu-HU" noProof="0" dirty="0"/>
           </a:p>
@@ -6883,7 +2412,7 @@
             <a:pPr rtl="0"/>
             <a:fld id="{3EEFE608-AFDB-4592-BBF7-845B26EF7A40}" type="datetime1">
               <a:rPr lang="hu-HU" noProof="0" smtClean="0"/>
-              <a:t>2022. 06. 17.</a:t>
+              <a:t>2022. 06. 18.</a:t>
             </a:fld>
             <a:endParaRPr lang="hu-HU" noProof="0" dirty="0"/>
           </a:p>
@@ -7089,7 +2618,7 @@
             <a:pPr rtl="0"/>
             <a:fld id="{F66B91CC-A5A9-4F08-A236-525BCA0B1CCD}" type="datetime1">
               <a:rPr lang="hu-HU" noProof="0" smtClean="0"/>
-              <a:t>2022. 06. 17.</a:t>
+              <a:t>2022. 06. 18.</a:t>
             </a:fld>
             <a:endParaRPr lang="hu-HU" noProof="0" dirty="0"/>
           </a:p>
@@ -7698,7 +3227,7 @@
             <a:pPr rtl="0"/>
             <a:fld id="{6127C5E9-A92F-4D25-A921-553563CFEC6B}" type="datetime1">
               <a:rPr lang="hu-HU" noProof="0" smtClean="0"/>
-              <a:t>2022. 06. 17.</a:t>
+              <a:t>2022. 06. 18.</a:t>
             </a:fld>
             <a:endParaRPr lang="hu-HU" noProof="0" dirty="0"/>
           </a:p>
@@ -8015,7 +3544,7 @@
             <a:pPr rtl="0"/>
             <a:fld id="{87AF1EBB-B476-45BB-B17F-C1F8DB9FC683}" type="datetime1">
               <a:rPr lang="hu-HU" noProof="0" smtClean="0"/>
-              <a:t>2022. 06. 17.</a:t>
+              <a:t>2022. 06. 18.</a:t>
             </a:fld>
             <a:endParaRPr lang="hu-HU" noProof="0" dirty="0"/>
           </a:p>
@@ -8482,7 +4011,7 @@
             <a:pPr rtl="0"/>
             <a:fld id="{9814A611-BD78-4ECE-AA80-4A3AFB0B10ED}" type="datetime1">
               <a:rPr lang="hu-HU" noProof="0" smtClean="0"/>
-              <a:t>2022. 06. 17.</a:t>
+              <a:t>2022. 06. 18.</a:t>
             </a:fld>
             <a:endParaRPr lang="hu-HU" noProof="0" dirty="0"/>
           </a:p>
@@ -8620,7 +4149,7 @@
             <a:pPr rtl="0"/>
             <a:fld id="{BDB1F661-77C2-4A7D-82B4-9A38B2B8CDBC}" type="datetime1">
               <a:rPr lang="hu-HU" noProof="0" smtClean="0"/>
-              <a:t>2022. 06. 17.</a:t>
+              <a:t>2022. 06. 18.</a:t>
             </a:fld>
             <a:endParaRPr lang="hu-HU" noProof="0" dirty="0"/>
           </a:p>
@@ -8917,7 +4446,7 @@
             <a:pPr rtl="0"/>
             <a:fld id="{0C509D1D-D503-4665-B3C5-C244550FCD5D}" type="datetime1">
               <a:rPr lang="hu-HU" noProof="0" smtClean="0"/>
-              <a:t>2022. 06. 17.</a:t>
+              <a:t>2022. 06. 18.</a:t>
             </a:fld>
             <a:endParaRPr lang="hu-HU" noProof="0" dirty="0"/>
           </a:p>
@@ -9221,7 +4750,7 @@
             <a:pPr rtl="0"/>
             <a:fld id="{AF08A82E-BCF7-464D-9690-78112E239811}" type="datetime1">
               <a:rPr lang="hu-HU" noProof="0" smtClean="0"/>
-              <a:t>2022. 06. 17.</a:t>
+              <a:t>2022. 06. 18.</a:t>
             </a:fld>
             <a:endParaRPr lang="hu-HU" noProof="0" dirty="0"/>
           </a:p>
@@ -9511,7 +5040,7 @@
             <a:pPr rtl="0"/>
             <a:fld id="{AFA2854A-E1F3-4744-84B9-A750B917B9BA}" type="datetime1">
               <a:rPr lang="hu-HU" noProof="0" smtClean="0"/>
-              <a:t>2022. 06. 17.</a:t>
+              <a:t>2022. 06. 18.</a:t>
             </a:fld>
             <a:endParaRPr lang="hu-HU" noProof="0" dirty="0"/>
           </a:p>
@@ -10097,7 +5626,7 @@
             <a:pPr rtl="0"/>
             <a:fld id="{B0192C65-6B5A-4CC3-84CF-1327A0D03392}" type="datetime1">
               <a:rPr lang="hu-HU" noProof="0" smtClean="0"/>
-              <a:t>2022. 06. 17.</a:t>
+              <a:t>2022. 06. 18.</a:t>
             </a:fld>
             <a:endParaRPr lang="hu-HU" noProof="0" dirty="0"/>
           </a:p>
@@ -10564,13 +6093,13 @@
         </p:nvSpPr>
         <p:spPr>
           <a:xfrm>
-            <a:off x="1828324" y="2089594"/>
-            <a:ext cx="9141619" cy="1555429"/>
+            <a:off x="5878388" y="2780928"/>
+            <a:ext cx="6310437" cy="3024336"/>
           </a:xfrm>
         </p:spPr>
         <p:txBody>
           <a:bodyPr rtlCol="0">
-            <a:normAutofit fontScale="92500" lnSpcReduction="10000"/>
+            <a:normAutofit/>
           </a:bodyPr>
           <a:lstStyle/>
           <a:p>
@@ -10581,36 +6110,87 @@
             </a:r>
             <a:r>
               <a:rPr lang="hu-HU" dirty="0" smtClean="0"/>
-              <a:t> Kálmán (</a:t>
-            </a:r>
-            <a:r>
-              <a:rPr lang="hu-HU" dirty="0" err="1" smtClean="0">
-                <a:hlinkClick r:id="rId3"/>
-              </a:rPr>
+              <a:t> </a:t>
+            </a:r>
+            <a:r>
+              <a:rPr lang="hu-HU" dirty="0" smtClean="0"/>
+              <a:t>Kálmán</a:t>
+            </a:r>
+            <a:br>
+              <a:rPr lang="hu-HU" dirty="0" smtClean="0"/>
+            </a:br>
+            <a:r>
+              <a:rPr lang="hu-HU" sz="2000" dirty="0" err="1" smtClean="0"/>
               <a:t>abari.kalman@gmail.com</a:t>
             </a:r>
+            <a:endParaRPr lang="hu-HU" sz="2000" dirty="0" smtClean="0"/>
+          </a:p>
+          <a:p>
+            <a:pPr rtl="0"/>
             <a:r>
               <a:rPr lang="hu-HU" dirty="0" smtClean="0"/>
-              <a:t>)</a:t>
+              <a:t>Junior automata tesztelő </a:t>
+            </a:r>
+            <a:r>
+              <a:rPr lang="hu-HU" dirty="0" smtClean="0"/>
+              <a:t>szakirány</a:t>
             </a:r>
           </a:p>
           <a:p>
             <a:pPr rtl="0"/>
+            <a:endParaRPr lang="hu-HU" dirty="0" smtClean="0"/>
+          </a:p>
+          <a:p>
+            <a:pPr algn="r" rtl="0"/>
             <a:r>
               <a:rPr lang="hu-HU" dirty="0" smtClean="0"/>
-              <a:t>Junior automata tesztelő szakirány</a:t>
-            </a:r>
-          </a:p>
-          <a:p>
-            <a:pPr rtl="0"/>
-            <a:r>
-              <a:rPr lang="hu-HU" dirty="0" smtClean="0"/>
-              <a:t>2022. Július 20.</a:t>
+              <a:t>2022. július 20.</a:t>
             </a:r>
             <a:endParaRPr lang="hu-HU" dirty="0"/>
           </a:p>
         </p:txBody>
       </p:sp>
+      <p:pic>
+        <p:nvPicPr>
+          <p:cNvPr id="4" name="Kép 3"/>
+          <p:cNvPicPr>
+            <a:picLocks noChangeAspect="1"/>
+          </p:cNvPicPr>
+          <p:nvPr/>
+        </p:nvPicPr>
+        <p:blipFill>
+          <a:blip r:embed="rId3"/>
+          <a:stretch>
+            <a:fillRect/>
+          </a:stretch>
+        </p:blipFill>
+        <p:spPr>
+          <a:xfrm>
+            <a:off x="303133" y="2564222"/>
+            <a:ext cx="6096000" cy="3429000"/>
+          </a:xfrm>
+          <a:prstGeom prst="rect">
+            <a:avLst/>
+          </a:prstGeom>
+          <a:ln>
+            <a:noFill/>
+          </a:ln>
+          <a:effectLst>
+            <a:reflection blurRad="12700" stA="30000" endPos="30000" dist="5000" dir="5400000" sy="-100000" algn="bl" rotWithShape="0"/>
+          </a:effectLst>
+          <a:scene3d>
+            <a:camera prst="perspectiveContrastingLeftFacing">
+              <a:rot lat="300000" lon="19800000" rev="0"/>
+            </a:camera>
+            <a:lightRig rig="threePt" dir="t">
+              <a:rot lat="0" lon="0" rev="2700000"/>
+            </a:lightRig>
+          </a:scene3d>
+          <a:sp3d>
+            <a:bevelT w="63500" h="50800"/>
+          </a:sp3d>
+        </p:spPr>
+      </p:pic>
     </p:spTree>
     <p:extLst>
       <p:ext uri="{BB962C8B-B14F-4D97-AF65-F5344CB8AC3E}">
@@ -10643,212 +6223,6 @@
 </p:sld>
 </file>
 
-<file path=ppt/slides/slide10.xml><?xml version="1.0" encoding="utf-8"?>
-<p:sld xmlns:a="http://schemas.openxmlformats.org/drawingml/2006/main" xmlns:r="http://schemas.openxmlformats.org/officeDocument/2006/relationships" xmlns:p="http://schemas.openxmlformats.org/presentationml/2006/main">
-  <p:cSld>
-    <p:spTree>
-      <p:nvGrpSpPr>
-        <p:cNvPr id="1" name=""/>
-        <p:cNvGrpSpPr/>
-        <p:nvPr/>
-      </p:nvGrpSpPr>
-      <p:grpSpPr>
-        <a:xfrm>
-          <a:off x="0" y="0"/>
-          <a:ext cx="0" cy="0"/>
-          <a:chOff x="0" y="0"/>
-          <a:chExt cx="0" cy="0"/>
-        </a:xfrm>
-      </p:grpSpPr>
-      <p:sp>
-        <p:nvSpPr>
-          <p:cNvPr id="2" name="Cím 1"/>
-          <p:cNvSpPr>
-            <a:spLocks noGrp="1"/>
-          </p:cNvSpPr>
-          <p:nvPr>
-            <p:ph type="title"/>
-          </p:nvPr>
-        </p:nvSpPr>
-        <p:spPr/>
-        <p:txBody>
-          <a:bodyPr rtlCol="0"/>
-          <a:lstStyle/>
-          <a:p>
-            <a:pPr rtl="0"/>
-            <a:r>
-              <a:rPr lang="hu-HU" dirty="0" smtClean="0"/>
-              <a:t>Diacím hozzáadása – 4</a:t>
-            </a:r>
-            <a:endParaRPr lang="hu-HU" dirty="0"/>
-          </a:p>
-        </p:txBody>
-      </p:sp>
-      <p:sp>
-        <p:nvSpPr>
-          <p:cNvPr id="3" name="Tartalom helye 2"/>
-          <p:cNvSpPr>
-            <a:spLocks noGrp="1"/>
-          </p:cNvSpPr>
-          <p:nvPr>
-            <p:ph idx="1"/>
-          </p:nvPr>
-        </p:nvSpPr>
-        <p:spPr/>
-        <p:txBody>
-          <a:bodyPr rtlCol="0"/>
-          <a:lstStyle/>
-          <a:p>
-            <a:pPr rtl="0"/>
-            <a:endParaRPr lang="hu-HU" dirty="0"/>
-          </a:p>
-        </p:txBody>
-      </p:sp>
-      <p:sp>
-        <p:nvSpPr>
-          <p:cNvPr id="4" name="Szöveg helye 3"/>
-          <p:cNvSpPr>
-            <a:spLocks noGrp="1"/>
-          </p:cNvSpPr>
-          <p:nvPr>
-            <p:ph type="body" sz="half" idx="2"/>
-          </p:nvPr>
-        </p:nvSpPr>
-        <p:spPr/>
-        <p:txBody>
-          <a:bodyPr rtlCol="0"/>
-          <a:lstStyle/>
-          <a:p>
-            <a:pPr rtl="0"/>
-            <a:endParaRPr lang="hu-HU" dirty="0"/>
-          </a:p>
-        </p:txBody>
-      </p:sp>
-    </p:spTree>
-    <p:extLst>
-      <p:ext uri="{BB962C8B-B14F-4D97-AF65-F5344CB8AC3E}">
-        <p14:creationId xmlns:p14="http://schemas.microsoft.com/office/powerpoint/2010/main" val="182260020"/>
-      </p:ext>
-    </p:extLst>
-  </p:cSld>
-  <p:clrMapOvr>
-    <a:masterClrMapping/>
-  </p:clrMapOvr>
-  <mc:AlternateContent xmlns:mc="http://schemas.openxmlformats.org/markup-compatibility/2006" xmlns:p14="http://schemas.microsoft.com/office/powerpoint/2010/main">
-    <mc:Choice Requires="p14">
-      <p:transition spd="med" p14:dur="700">
-        <p:fade/>
-      </p:transition>
-    </mc:Choice>
-    <mc:Fallback xmlns="">
-      <p:transition spd="med">
-        <p:fade/>
-      </p:transition>
-    </mc:Fallback>
-  </mc:AlternateContent>
-</p:sld>
-</file>
-
-<file path=ppt/slides/slide11.xml><?xml version="1.0" encoding="utf-8"?>
-<p:sld xmlns:a="http://schemas.openxmlformats.org/drawingml/2006/main" xmlns:r="http://schemas.openxmlformats.org/officeDocument/2006/relationships" xmlns:p="http://schemas.openxmlformats.org/presentationml/2006/main">
-  <p:cSld>
-    <p:spTree>
-      <p:nvGrpSpPr>
-        <p:cNvPr id="1" name=""/>
-        <p:cNvGrpSpPr/>
-        <p:nvPr/>
-      </p:nvGrpSpPr>
-      <p:grpSpPr>
-        <a:xfrm>
-          <a:off x="0" y="0"/>
-          <a:ext cx="0" cy="0"/>
-          <a:chOff x="0" y="0"/>
-          <a:chExt cx="0" cy="0"/>
-        </a:xfrm>
-      </p:grpSpPr>
-      <p:sp>
-        <p:nvSpPr>
-          <p:cNvPr id="2" name="Cím 1"/>
-          <p:cNvSpPr>
-            <a:spLocks noGrp="1"/>
-          </p:cNvSpPr>
-          <p:nvPr>
-            <p:ph type="title"/>
-          </p:nvPr>
-        </p:nvSpPr>
-        <p:spPr/>
-        <p:txBody>
-          <a:bodyPr rtlCol="0"/>
-          <a:lstStyle/>
-          <a:p>
-            <a:pPr rtl="0"/>
-            <a:r>
-              <a:rPr lang="hu-HU" dirty="0" smtClean="0"/>
-              <a:t>Diacím hozzáadása – 5</a:t>
-            </a:r>
-            <a:endParaRPr lang="hu-HU" dirty="0"/>
-          </a:p>
-        </p:txBody>
-      </p:sp>
-      <p:sp>
-        <p:nvSpPr>
-          <p:cNvPr id="6" name="Kép helye 5" descr="Üres helyőrző kép hozzáadásához. Kattintson a helyőrzőre, és jelölje ki a hozzáadni kívánt képet"/>
-          <p:cNvSpPr>
-            <a:spLocks noGrp="1"/>
-          </p:cNvSpPr>
-          <p:nvPr>
-            <p:ph type="pic" idx="1"/>
-          </p:nvPr>
-        </p:nvSpPr>
-        <p:spPr/>
-      </p:sp>
-      <p:sp>
-        <p:nvSpPr>
-          <p:cNvPr id="4" name="Szöveg helye 3"/>
-          <p:cNvSpPr>
-            <a:spLocks noGrp="1"/>
-          </p:cNvSpPr>
-          <p:nvPr>
-            <p:ph type="body" sz="half" idx="2"/>
-          </p:nvPr>
-        </p:nvSpPr>
-        <p:spPr/>
-        <p:txBody>
-          <a:bodyPr rtlCol="0">
-            <a:normAutofit/>
-          </a:bodyPr>
-          <a:lstStyle/>
-          <a:p>
-            <a:pPr rtl="0"/>
-            <a:endParaRPr lang="hu-HU" dirty="0"/>
-          </a:p>
-        </p:txBody>
-      </p:sp>
-    </p:spTree>
-    <p:extLst>
-      <p:ext uri="{BB962C8B-B14F-4D97-AF65-F5344CB8AC3E}">
-        <p14:creationId xmlns:p14="http://schemas.microsoft.com/office/powerpoint/2010/main" val="1544840953"/>
-      </p:ext>
-    </p:extLst>
-  </p:cSld>
-  <p:clrMapOvr>
-    <a:masterClrMapping/>
-  </p:clrMapOvr>
-  <mc:AlternateContent xmlns:mc="http://schemas.openxmlformats.org/markup-compatibility/2006" xmlns:p14="http://schemas.microsoft.com/office/powerpoint/2010/main">
-    <mc:Choice Requires="p14">
-      <p:transition spd="med" p14:dur="700">
-        <p:fade/>
-      </p:transition>
-    </mc:Choice>
-    <mc:Fallback xmlns="">
-      <p:transition spd="med">
-        <p:fade/>
-      </p:transition>
-    </mc:Fallback>
-  </mc:AlternateContent>
-</p:sld>
-</file>
-
 <file path=ppt/slides/slide2.xml><?xml version="1.0" encoding="utf-8"?>
 <p:sld xmlns:a="http://schemas.openxmlformats.org/drawingml/2006/main" xmlns:r="http://schemas.openxmlformats.org/officeDocument/2006/relationships" xmlns:p="http://schemas.openxmlformats.org/presentationml/2006/main">
   <p:cSld>
@@ -10900,45 +6274,107 @@
             <p:ph idx="1"/>
           </p:nvPr>
         </p:nvSpPr>
-        <p:spPr/>
+        <p:spPr>
+          <a:xfrm>
+            <a:off x="261764" y="1600200"/>
+            <a:ext cx="11521279" cy="4572000"/>
+          </a:xfrm>
+        </p:spPr>
         <p:txBody>
           <a:bodyPr rtlCol="0"/>
           <a:lstStyle/>
           <a:p>
             <a:r>
               <a:rPr lang="hu-HU" dirty="0" smtClean="0"/>
-              <a:t>Alkalmazás </a:t>
+              <a:t>Conduit alkalmazás elérése</a:t>
+            </a:r>
+          </a:p>
+          <a:p>
+            <a:pPr lvl="1"/>
+            <a:r>
+              <a:rPr lang="hu-HU" dirty="0" smtClean="0"/>
+              <a:t>http</a:t>
             </a:r>
             <a:r>
               <a:rPr lang="hu-HU" dirty="0"/>
-              <a:t>elérése: http://</a:t>
+              <a:t>://</a:t>
             </a:r>
             <a:r>
               <a:rPr lang="hu-HU" dirty="0" smtClean="0"/>
               <a:t>34.254.230.217:1667</a:t>
             </a:r>
+          </a:p>
+          <a:p>
+            <a:pPr rtl="0"/>
+            <a:r>
+              <a:rPr lang="hu-HU" dirty="0" smtClean="0"/>
+              <a:t>Tesztelés - Manuális tesztjegyzőkönyv</a:t>
+            </a:r>
+          </a:p>
+          <a:p>
+            <a:pPr lvl="1"/>
+            <a:r>
+              <a:rPr lang="hu-HU" dirty="0" smtClean="0"/>
+              <a:t>https</a:t>
+            </a:r>
+            <a:r>
+              <a:rPr lang="hu-HU" dirty="0"/>
+              <a:t>://</a:t>
+            </a:r>
+            <a:r>
+              <a:rPr lang="hu-HU" dirty="0" err="1"/>
+              <a:t>github.com</a:t>
+            </a:r>
+            <a:r>
+              <a:rPr lang="hu-HU" dirty="0"/>
+              <a:t>/</a:t>
+            </a:r>
+            <a:r>
+              <a:rPr lang="hu-HU" dirty="0" err="1"/>
+              <a:t>abarik</a:t>
+            </a:r>
+            <a:r>
+              <a:rPr lang="hu-HU" dirty="0"/>
+              <a:t>/conduit/</a:t>
+            </a:r>
+            <a:r>
+              <a:rPr lang="hu-HU" dirty="0" err="1"/>
+              <a:t>blob</a:t>
+            </a:r>
+            <a:r>
+              <a:rPr lang="hu-HU" dirty="0"/>
+              <a:t>/</a:t>
+            </a:r>
+            <a:r>
+              <a:rPr lang="hu-HU" dirty="0" err="1"/>
+              <a:t>master</a:t>
+            </a:r>
+            <a:r>
+              <a:rPr lang="hu-HU" dirty="0"/>
+              <a:t>/</a:t>
+            </a:r>
+            <a:r>
+              <a:rPr lang="hu-HU" dirty="0" err="1"/>
+              <a:t>docs</a:t>
+            </a:r>
+            <a:r>
+              <a:rPr lang="hu-HU" dirty="0"/>
+              <a:t>/</a:t>
+            </a:r>
+            <a:r>
+              <a:rPr lang="hu-HU" dirty="0" err="1"/>
+              <a:t>Conduit_TJK_AbariK.xls</a:t>
+            </a:r>
             <a:endParaRPr lang="hu-HU" dirty="0" smtClean="0"/>
           </a:p>
           <a:p>
-            <a:pPr rtl="0"/>
+            <a:r>
+              <a:rPr lang="hu-HU" dirty="0"/>
+              <a:t>Tesztelés - Automatizált </a:t>
+            </a:r>
             <a:r>
               <a:rPr lang="hu-HU" dirty="0" smtClean="0"/>
-              <a:t>Tesztelés: </a:t>
-            </a:r>
-            <a:endParaRPr lang="hu-HU" dirty="0" smtClean="0"/>
-          </a:p>
-          <a:p>
-            <a:pPr lvl="1"/>
-            <a:r>
-              <a:rPr lang="hu-HU" dirty="0" smtClean="0"/>
-              <a:t>Manuális tesztjegyzőkönyv: </a:t>
-            </a:r>
-          </a:p>
-          <a:p>
-            <a:pPr lvl="1"/>
-            <a:r>
-              <a:rPr lang="hu-HU" dirty="0" smtClean="0"/>
-              <a:t>Automatizált tesztelés</a:t>
+              <a:t>tesztelés</a:t>
             </a:r>
           </a:p>
           <a:p>
@@ -10956,9 +6392,26 @@
               <a:t>repo</a:t>
             </a:r>
             <a:r>
-              <a:rPr lang="hu-HU" dirty="0" smtClean="0"/>
-              <a:t>:</a:t>
-            </a:r>
+              <a:rPr lang="hu-HU" dirty="0"/>
+              <a:t>: https://</a:t>
+            </a:r>
+            <a:r>
+              <a:rPr lang="hu-HU" dirty="0" err="1"/>
+              <a:t>github.com</a:t>
+            </a:r>
+            <a:r>
+              <a:rPr lang="hu-HU" dirty="0"/>
+              <a:t>/</a:t>
+            </a:r>
+            <a:r>
+              <a:rPr lang="hu-HU" dirty="0" err="1"/>
+              <a:t>abarik</a:t>
+            </a:r>
+            <a:r>
+              <a:rPr lang="hu-HU" dirty="0"/>
+              <a:t>/conduit</a:t>
+            </a:r>
+            <a:endParaRPr lang="hu-HU" dirty="0" smtClean="0"/>
           </a:p>
           <a:p>
             <a:pPr lvl="2"/>
@@ -10972,14 +6425,67 @@
             </a:r>
             <a:r>
               <a:rPr lang="hu-HU" dirty="0" smtClean="0"/>
-              <a:t> kódok:</a:t>
-            </a:r>
+              <a:t> kódok</a:t>
+            </a:r>
+            <a:r>
+              <a:rPr lang="hu-HU" dirty="0"/>
+              <a:t>: https://</a:t>
+            </a:r>
+            <a:r>
+              <a:rPr lang="hu-HU" dirty="0" err="1"/>
+              <a:t>github.com</a:t>
+            </a:r>
+            <a:r>
+              <a:rPr lang="hu-HU" dirty="0"/>
+              <a:t>/</a:t>
+            </a:r>
+            <a:r>
+              <a:rPr lang="hu-HU" dirty="0" err="1"/>
+              <a:t>abarik</a:t>
+            </a:r>
+            <a:r>
+              <a:rPr lang="hu-HU" dirty="0"/>
+              <a:t>/conduit/</a:t>
+            </a:r>
+            <a:r>
+              <a:rPr lang="hu-HU" dirty="0" err="1"/>
+              <a:t>tree</a:t>
+            </a:r>
+            <a:r>
+              <a:rPr lang="hu-HU" dirty="0"/>
+              <a:t>/</a:t>
+            </a:r>
+            <a:r>
+              <a:rPr lang="hu-HU" dirty="0" err="1"/>
+              <a:t>master</a:t>
+            </a:r>
+            <a:r>
+              <a:rPr lang="hu-HU" dirty="0"/>
+              <a:t>/</a:t>
+            </a:r>
+            <a:r>
+              <a:rPr lang="hu-HU" dirty="0" err="1"/>
+              <a:t>test_conduit</a:t>
+            </a:r>
+            <a:endParaRPr lang="hu-HU" dirty="0" smtClean="0"/>
           </a:p>
           <a:p>
             <a:pPr lvl="2"/>
             <a:r>
               <a:rPr lang="hu-HU" dirty="0" smtClean="0"/>
-              <a:t>Vezetői jelentés:</a:t>
+              <a:t>Vezetői jelentés</a:t>
+            </a:r>
+            <a:r>
+              <a:rPr lang="hu-HU" dirty="0"/>
+              <a:t>: https://</a:t>
+            </a:r>
+            <a:r>
+              <a:rPr lang="hu-HU" dirty="0" err="1" smtClean="0"/>
+              <a:t>abarik.github.io</a:t>
+            </a:r>
+            <a:r>
+              <a:rPr lang="hu-HU" dirty="0" smtClean="0"/>
+              <a:t>/conduit/16/</a:t>
             </a:r>
             <a:endParaRPr lang="hu-HU" dirty="0"/>
           </a:p>
@@ -11052,41 +6558,40 @@
             <a:pPr rtl="0"/>
             <a:r>
               <a:rPr lang="hu-HU" dirty="0" smtClean="0"/>
-              <a:t>Cím és tartalom diagrammal</a:t>
+              <a:t>Manuális tesztjegyzőkönyv</a:t>
             </a:r>
             <a:endParaRPr lang="hu-HU" dirty="0"/>
           </a:p>
         </p:txBody>
       </p:sp>
-      <p:graphicFrame>
-        <p:nvGraphicFramePr>
-          <p:cNvPr id="10" name="Tartalom helye 9" descr="4 kategóriába tartozó 3 sorozat értékeit megjelenítő csoportosított oszlop diagram"/>
-          <p:cNvGraphicFramePr>
-            <a:graphicFrameLocks noGrp="1"/>
-          </p:cNvGraphicFramePr>
-          <p:nvPr>
-            <p:ph idx="1"/>
-            <p:extLst>
-              <p:ext uri="{D42A27DB-BD31-4B8C-83A1-F6EECF244321}">
-                <p14:modId xmlns:p14="http://schemas.microsoft.com/office/powerpoint/2010/main" val="3605223629"/>
-              </p:ext>
-            </p:extLst>
-          </p:nvPr>
-        </p:nvGraphicFramePr>
-        <p:xfrm>
-          <a:off x="1219200" y="1600200"/>
-          <a:ext cx="9750425" cy="4572000"/>
-        </p:xfrm>
-        <a:graphic>
-          <a:graphicData uri="http://schemas.openxmlformats.org/drawingml/2006/chart">
-            <c:chart xmlns:c="http://schemas.openxmlformats.org/drawingml/2006/chart" xmlns:r="http://schemas.openxmlformats.org/officeDocument/2006/relationships" r:id="rId3"/>
-          </a:graphicData>
-        </a:graphic>
-      </p:graphicFrame>
+      <p:pic>
+        <p:nvPicPr>
+          <p:cNvPr id="4" name="Kép 3"/>
+          <p:cNvPicPr>
+            <a:picLocks noChangeAspect="1"/>
+          </p:cNvPicPr>
+          <p:nvPr/>
+        </p:nvPicPr>
+        <p:blipFill>
+          <a:blip r:embed="rId3"/>
+          <a:stretch>
+            <a:fillRect/>
+          </a:stretch>
+        </p:blipFill>
+        <p:spPr>
+          <a:xfrm>
+            <a:off x="279400" y="1556792"/>
+            <a:ext cx="11630025" cy="5172075"/>
+          </a:xfrm>
+          <a:prstGeom prst="rect">
+            <a:avLst/>
+          </a:prstGeom>
+        </p:spPr>
+      </p:pic>
     </p:spTree>
     <p:extLst>
       <p:ext uri="{BB962C8B-B14F-4D97-AF65-F5344CB8AC3E}">
-        <p14:creationId xmlns:p14="http://schemas.microsoft.com/office/powerpoint/2010/main" val="424641335"/>
+        <p14:creationId xmlns:p14="http://schemas.microsoft.com/office/powerpoint/2010/main" val="3522523469"/>
       </p:ext>
     </p:extLst>
   </p:cSld>
@@ -11105,6 +6610,13 @@
       </p:transition>
     </mc:Fallback>
   </mc:AlternateContent>
+  <p:timing>
+    <p:tnLst>
+      <p:par>
+        <p:cTn id="1" dur="indefinite" restart="never" nodeType="tmRoot"/>
+      </p:par>
+    </p:tnLst>
+  </p:timing>
 </p:sld>
 </file>
 
@@ -11127,7 +6639,7 @@
       </p:grpSpPr>
       <p:sp>
         <p:nvSpPr>
-          <p:cNvPr id="2" name="Cím 1"/>
+          <p:cNvPr id="5" name="Cím 4"/>
           <p:cNvSpPr>
             <a:spLocks noGrp="1"/>
           </p:cNvSpPr>
@@ -11143,45 +6655,7 @@
             <a:pPr rtl="0"/>
             <a:r>
               <a:rPr lang="hu-HU" dirty="0" smtClean="0"/>
-              <a:t>Két tartalomrész elrendezés táblázattal</a:t>
-            </a:r>
-            <a:endParaRPr lang="hu-HU" dirty="0"/>
-          </a:p>
-        </p:txBody>
-      </p:sp>
-      <p:sp>
-        <p:nvSpPr>
-          <p:cNvPr id="6" name="Tartalom helye 5"/>
-          <p:cNvSpPr>
-            <a:spLocks noGrp="1"/>
-          </p:cNvSpPr>
-          <p:nvPr>
-            <p:ph sz="half" idx="1"/>
-          </p:nvPr>
-        </p:nvSpPr>
-        <p:spPr/>
-        <p:txBody>
-          <a:bodyPr rtlCol="0"/>
-          <a:lstStyle/>
-          <a:p>
-            <a:pPr rtl="0"/>
-            <a:r>
-              <a:rPr lang="hu-HU" dirty="0" smtClean="0"/>
-              <a:t>Első pont szövege</a:t>
-            </a:r>
-          </a:p>
-          <a:p>
-            <a:pPr rtl="0"/>
-            <a:r>
-              <a:rPr lang="hu-HU" dirty="0" smtClean="0"/>
-              <a:t>Második pont szövege</a:t>
-            </a:r>
-          </a:p>
-          <a:p>
-            <a:pPr rtl="0"/>
-            <a:r>
-              <a:rPr lang="hu-HU" dirty="0" smtClean="0"/>
-              <a:t>Harmadik pont szövege</a:t>
+              <a:t>Automatizált funkciók</a:t>
             </a:r>
             <a:endParaRPr lang="hu-HU" dirty="0"/>
           </a:p>
@@ -11191,20 +6665,19 @@
         <p:nvGraphicFramePr>
           <p:cNvPr id="7" name="Tartalom helye 6"/>
           <p:cNvGraphicFramePr>
-            <a:graphicFrameLocks noGrp="1"/>
+            <a:graphicFrameLocks/>
           </p:cNvGraphicFramePr>
           <p:nvPr>
-            <p:ph sz="half" idx="2"/>
             <p:extLst>
               <p:ext uri="{D42A27DB-BD31-4B8C-83A1-F6EECF244321}">
-                <p14:modId xmlns:p14="http://schemas.microsoft.com/office/powerpoint/2010/main" val="243029270"/>
+                <p14:modId xmlns:p14="http://schemas.microsoft.com/office/powerpoint/2010/main" val="1217995080"/>
               </p:ext>
             </p:extLst>
           </p:nvPr>
         </p:nvGraphicFramePr>
         <p:xfrm>
-          <a:off x="6094413" y="1600200"/>
-          <a:ext cx="4875213" cy="2667000"/>
+          <a:off x="261764" y="1484784"/>
+          <a:ext cx="7776864" cy="5270400"/>
         </p:xfrm>
         <a:graphic>
           <a:graphicData uri="http://schemas.openxmlformats.org/drawingml/2006/table">
@@ -11213,29 +6686,22 @@
                 <a:tableStyleId>{3B4B98B0-60AC-42C2-AFA5-B58CD77FA1E5}</a:tableStyleId>
               </a:tblPr>
               <a:tblGrid>
-                <a:gridCol w="1625071">
+                <a:gridCol w="2376264">
                   <a:extLst>
                     <a:ext uri="{9D8B030D-6E8A-4147-A177-3AD203B41FA5}">
                       <a16:colId xmlns:a16="http://schemas.microsoft.com/office/drawing/2014/main" val="20000"/>
                     </a:ext>
                   </a:extLst>
                 </a:gridCol>
-                <a:gridCol w="1625071">
+                <a:gridCol w="5400600">
                   <a:extLst>
                     <a:ext uri="{9D8B030D-6E8A-4147-A177-3AD203B41FA5}">
                       <a16:colId xmlns:a16="http://schemas.microsoft.com/office/drawing/2014/main" val="20001"/>
                     </a:ext>
                   </a:extLst>
                 </a:gridCol>
-                <a:gridCol w="1625071">
-                  <a:extLst>
-                    <a:ext uri="{9D8B030D-6E8A-4147-A177-3AD203B41FA5}">
-                      <a16:colId xmlns:a16="http://schemas.microsoft.com/office/drawing/2014/main" val="20002"/>
-                    </a:ext>
-                  </a:extLst>
-                </a:gridCol>
               </a:tblGrid>
-              <a:tr h="666750">
+              <a:tr h="439200">
                 <a:tc>
                   <a:txBody>
                     <a:bodyPr/>
@@ -11243,13 +6709,13 @@
                     <a:p>
                       <a:pPr rtl="0"/>
                       <a:r>
-                        <a:rPr lang="hu-HU" noProof="0" dirty="0" smtClean="0"/>
-                        <a:t>Tantárgy</a:t>
+                        <a:rPr lang="hu-HU" sz="1800" noProof="0" dirty="0" smtClean="0"/>
+                        <a:t>Python függvénynév</a:t>
                       </a:r>
-                      <a:endParaRPr lang="hu-HU" noProof="0" dirty="0"/>
+                      <a:endParaRPr lang="hu-HU" sz="1800" noProof="0" dirty="0"/>
                     </a:p>
                   </a:txBody>
-                  <a:tcPr anchor="ctr"/>
+                  <a:tcPr marL="45720" marR="45720" anchor="ctr"/>
                 </a:tc>
                 <a:tc>
                   <a:txBody>
@@ -11258,28 +6724,13 @@
                     <a:p>
                       <a:pPr algn="ctr" rtl="0"/>
                       <a:r>
-                        <a:rPr lang="hu-HU" noProof="0" dirty="0" smtClean="0"/>
-                        <a:t>A csoport</a:t>
+                        <a:rPr lang="hu-HU" sz="1800" noProof="0" dirty="0" smtClean="0"/>
+                        <a:t>Leírás</a:t>
                       </a:r>
-                      <a:endParaRPr lang="hu-HU" noProof="0" dirty="0"/>
+                      <a:endParaRPr lang="hu-HU" sz="1800" noProof="0" dirty="0"/>
                     </a:p>
                   </a:txBody>
-                  <a:tcPr anchor="ctr"/>
-                </a:tc>
-                <a:tc>
-                  <a:txBody>
-                    <a:bodyPr/>
-                    <a:lstStyle/>
-                    <a:p>
-                      <a:pPr algn="ctr" rtl="0"/>
-                      <a:r>
-                        <a:rPr lang="hu-HU" noProof="0" dirty="0" smtClean="0"/>
-                        <a:t>B csoport</a:t>
-                      </a:r>
-                      <a:endParaRPr lang="hu-HU" noProof="0" dirty="0"/>
-                    </a:p>
-                  </a:txBody>
-                  <a:tcPr anchor="ctr"/>
+                  <a:tcPr marL="45720" marR="45720" anchor="ctr"/>
                 </a:tc>
                 <a:extLst>
                   <a:ext uri="{0D108BD9-81ED-4DB2-BD59-A6C34878D82A}">
@@ -11287,7 +6738,7 @@
                   </a:ext>
                 </a:extLst>
               </a:tr>
-              <a:tr h="666750">
+              <a:tr h="439200">
                 <a:tc>
                   <a:txBody>
                     <a:bodyPr/>
@@ -11295,43 +6746,38 @@
                     <a:p>
                       <a:pPr rtl="0"/>
                       <a:r>
-                        <a:rPr lang="hu-HU" noProof="0" dirty="0" smtClean="0"/>
-                        <a:t>1. tantárgy</a:t>
+                        <a:rPr lang="hu-HU" sz="1800" dirty="0" smtClean="0">
+                          <a:latin typeface="Consolas" panose="020B0609020204030204" pitchFamily="49" charset="0"/>
+                        </a:rPr>
+                        <a:t>test_tc_01</a:t>
                       </a:r>
-                      <a:endParaRPr lang="hu-HU" noProof="0" dirty="0"/>
+                      <a:endParaRPr lang="hu-HU" sz="1800" noProof="0" dirty="0"/>
                     </a:p>
                   </a:txBody>
-                  <a:tcPr anchor="ctr"/>
+                  <a:tcPr marL="45720" marR="45720" anchor="ctr"/>
                 </a:tc>
                 <a:tc>
                   <a:txBody>
                     <a:bodyPr/>
                     <a:lstStyle/>
                     <a:p>
-                      <a:pPr algn="ctr" rtl="0"/>
+                      <a:pPr algn="l" rtl="0"/>
                       <a:r>
-                        <a:rPr lang="hu-HU" noProof="0" dirty="0" smtClean="0"/>
-                        <a:t>82</a:t>
+                        <a:rPr lang="hu-HU" sz="2000" i="0" kern="1200" dirty="0" smtClean="0">
+                          <a:solidFill>
+                            <a:schemeClr val="tx1"/>
+                          </a:solidFill>
+                          <a:effectLst/>
+                          <a:latin typeface="+mn-lt"/>
+                          <a:ea typeface="+mn-ea"/>
+                          <a:cs typeface="+mn-cs"/>
+                        </a:rPr>
+                        <a:t>Regisztráció</a:t>
                       </a:r>
-                      <a:endParaRPr lang="hu-HU" noProof="0" dirty="0"/>
+                      <a:endParaRPr lang="hu-HU" sz="2000" i="0" noProof="0" dirty="0"/>
                     </a:p>
                   </a:txBody>
-                  <a:tcPr anchor="ctr"/>
-                </a:tc>
-                <a:tc>
-                  <a:txBody>
-                    <a:bodyPr/>
-                    <a:lstStyle/>
-                    <a:p>
-                      <a:pPr algn="ctr" rtl="0"/>
-                      <a:r>
-                        <a:rPr lang="hu-HU" noProof="0" dirty="0" smtClean="0"/>
-                        <a:t>95</a:t>
-                      </a:r>
-                      <a:endParaRPr lang="hu-HU" noProof="0" dirty="0"/>
-                    </a:p>
-                  </a:txBody>
-                  <a:tcPr anchor="ctr"/>
+                  <a:tcPr marL="45720" marR="45720" anchor="ctr"/>
                 </a:tc>
                 <a:extLst>
                   <a:ext uri="{0D108BD9-81ED-4DB2-BD59-A6C34878D82A}">
@@ -11339,7 +6785,7 @@
                   </a:ext>
                 </a:extLst>
               </a:tr>
-              <a:tr h="666750">
+              <a:tr h="439200">
                 <a:tc>
                   <a:txBody>
                     <a:bodyPr/>
@@ -11347,43 +6793,38 @@
                     <a:p>
                       <a:pPr rtl="0"/>
                       <a:r>
-                        <a:rPr lang="hu-HU" noProof="0" dirty="0" smtClean="0"/>
-                        <a:t>2. tantárgy</a:t>
+                        <a:rPr lang="hu-HU" sz="1800" dirty="0" smtClean="0">
+                          <a:latin typeface="Consolas" panose="020B0609020204030204" pitchFamily="49" charset="0"/>
+                        </a:rPr>
+                        <a:t>test_tc_02</a:t>
                       </a:r>
-                      <a:endParaRPr lang="hu-HU" noProof="0" dirty="0"/>
+                      <a:endParaRPr lang="hu-HU" sz="1800" noProof="0" dirty="0"/>
                     </a:p>
                   </a:txBody>
-                  <a:tcPr anchor="ctr"/>
+                  <a:tcPr marL="45720" marR="45720" anchor="ctr"/>
                 </a:tc>
                 <a:tc>
                   <a:txBody>
                     <a:bodyPr/>
                     <a:lstStyle/>
                     <a:p>
-                      <a:pPr algn="ctr" rtl="0"/>
+                      <a:pPr algn="l" rtl="0"/>
                       <a:r>
-                        <a:rPr lang="hu-HU" noProof="0" dirty="0" smtClean="0"/>
-                        <a:t>76</a:t>
+                        <a:rPr lang="hu-HU" sz="2000" i="0" kern="1200" dirty="0" smtClean="0">
+                          <a:solidFill>
+                            <a:schemeClr val="tx1"/>
+                          </a:solidFill>
+                          <a:effectLst/>
+                          <a:latin typeface="+mn-lt"/>
+                          <a:ea typeface="+mn-ea"/>
+                          <a:cs typeface="+mn-cs"/>
+                        </a:rPr>
+                        <a:t>Bejelentkezés</a:t>
                       </a:r>
-                      <a:endParaRPr lang="hu-HU" noProof="0" dirty="0"/>
+                      <a:endParaRPr lang="hu-HU" sz="2000" i="0" noProof="0" dirty="0"/>
                     </a:p>
                   </a:txBody>
-                  <a:tcPr anchor="ctr"/>
-                </a:tc>
-                <a:tc>
-                  <a:txBody>
-                    <a:bodyPr/>
-                    <a:lstStyle/>
-                    <a:p>
-                      <a:pPr algn="ctr" rtl="0"/>
-                      <a:r>
-                        <a:rPr lang="hu-HU" noProof="0" dirty="0" smtClean="0"/>
-                        <a:t>88</a:t>
-                      </a:r>
-                      <a:endParaRPr lang="hu-HU" noProof="0" dirty="0"/>
-                    </a:p>
-                  </a:txBody>
-                  <a:tcPr anchor="ctr"/>
+                  <a:tcPr marL="45720" marR="45720" anchor="ctr"/>
                 </a:tc>
                 <a:extLst>
                   <a:ext uri="{0D108BD9-81ED-4DB2-BD59-A6C34878D82A}">
@@ -11391,7 +6832,7 @@
                   </a:ext>
                 </a:extLst>
               </a:tr>
-              <a:tr h="666750">
+              <a:tr h="439200">
                 <a:tc>
                   <a:txBody>
                     <a:bodyPr/>
@@ -11399,43 +6840,38 @@
                     <a:p>
                       <a:pPr rtl="0"/>
                       <a:r>
-                        <a:rPr lang="hu-HU" noProof="0" dirty="0" smtClean="0"/>
-                        <a:t>3. tantárgy</a:t>
+                        <a:rPr lang="hu-HU" sz="1800" dirty="0" smtClean="0">
+                          <a:latin typeface="Consolas" panose="020B0609020204030204" pitchFamily="49" charset="0"/>
+                        </a:rPr>
+                        <a:t>test_tc_03</a:t>
                       </a:r>
-                      <a:endParaRPr lang="hu-HU" noProof="0" dirty="0"/>
+                      <a:endParaRPr lang="hu-HU" sz="1800" noProof="0" dirty="0"/>
                     </a:p>
                   </a:txBody>
-                  <a:tcPr anchor="ctr"/>
+                  <a:tcPr marL="45720" marR="45720" anchor="ctr"/>
                 </a:tc>
                 <a:tc>
                   <a:txBody>
                     <a:bodyPr/>
                     <a:lstStyle/>
                     <a:p>
-                      <a:pPr algn="ctr" rtl="0"/>
+                      <a:pPr algn="l" rtl="0"/>
                       <a:r>
-                        <a:rPr lang="hu-HU" noProof="0" dirty="0" smtClean="0"/>
-                        <a:t>84</a:t>
+                        <a:rPr lang="hu-HU" sz="2000" i="0" kern="1200" dirty="0" smtClean="0">
+                          <a:solidFill>
+                            <a:schemeClr val="tx1"/>
+                          </a:solidFill>
+                          <a:effectLst/>
+                          <a:latin typeface="+mn-lt"/>
+                          <a:ea typeface="+mn-ea"/>
+                          <a:cs typeface="+mn-cs"/>
+                        </a:rPr>
+                        <a:t>Adatkezelési nyilatkozat használata</a:t>
                       </a:r>
-                      <a:endParaRPr lang="hu-HU" noProof="0" dirty="0"/>
+                      <a:endParaRPr lang="hu-HU" sz="2000" i="0" noProof="0" dirty="0"/>
                     </a:p>
                   </a:txBody>
-                  <a:tcPr anchor="ctr"/>
-                </a:tc>
-                <a:tc>
-                  <a:txBody>
-                    <a:bodyPr/>
-                    <a:lstStyle/>
-                    <a:p>
-                      <a:pPr algn="ctr" rtl="0"/>
-                      <a:r>
-                        <a:rPr lang="hu-HU" noProof="0" dirty="0" smtClean="0"/>
-                        <a:t>90</a:t>
-                      </a:r>
-                      <a:endParaRPr lang="hu-HU" noProof="0" dirty="0"/>
-                    </a:p>
-                  </a:txBody>
-                  <a:tcPr anchor="ctr"/>
+                  <a:tcPr marL="45720" marR="45720" anchor="ctr"/>
                 </a:tc>
                 <a:extLst>
                   <a:ext uri="{0D108BD9-81ED-4DB2-BD59-A6C34878D82A}">
@@ -11443,14 +6879,583 @@
                   </a:ext>
                 </a:extLst>
               </a:tr>
+              <a:tr h="439200">
+                <a:tc>
+                  <a:txBody>
+                    <a:bodyPr/>
+                    <a:lstStyle/>
+                    <a:p>
+                      <a:pPr marL="0" marR="0" indent="0" algn="l" defTabSz="1218987" rtl="0" eaLnBrk="1" fontAlgn="auto" latinLnBrk="0" hangingPunct="1">
+                        <a:lnSpc>
+                          <a:spcPct val="100000"/>
+                        </a:lnSpc>
+                        <a:spcBef>
+                          <a:spcPts val="0"/>
+                        </a:spcBef>
+                        <a:spcAft>
+                          <a:spcPts val="0"/>
+                        </a:spcAft>
+                        <a:buClrTx/>
+                        <a:buSzTx/>
+                        <a:buFontTx/>
+                        <a:buNone/>
+                        <a:tabLst/>
+                        <a:defRPr/>
+                      </a:pPr>
+                      <a:r>
+                        <a:rPr lang="hu-HU" sz="1800" dirty="0" smtClean="0">
+                          <a:latin typeface="Consolas" panose="020B0609020204030204" pitchFamily="49" charset="0"/>
+                        </a:rPr>
+                        <a:t>test_tc_04</a:t>
+                      </a:r>
+                      <a:endParaRPr lang="hu-HU" sz="1800" noProof="0" dirty="0" smtClean="0"/>
+                    </a:p>
+                  </a:txBody>
+                  <a:tcPr marL="45720" marR="45720" anchor="ctr"/>
+                </a:tc>
+                <a:tc>
+                  <a:txBody>
+                    <a:bodyPr/>
+                    <a:lstStyle/>
+                    <a:p>
+                      <a:pPr algn="l" rtl="0"/>
+                      <a:r>
+                        <a:rPr lang="hu-HU" sz="2000" i="0" kern="1200" dirty="0" smtClean="0">
+                          <a:solidFill>
+                            <a:schemeClr val="tx1"/>
+                          </a:solidFill>
+                          <a:effectLst/>
+                          <a:latin typeface="+mn-lt"/>
+                          <a:ea typeface="+mn-ea"/>
+                          <a:cs typeface="+mn-cs"/>
+                        </a:rPr>
+                        <a:t>Adatok </a:t>
+                      </a:r>
+                      <a:r>
+                        <a:rPr lang="hu-HU" sz="2000" i="0" kern="1200" dirty="0" err="1" smtClean="0">
+                          <a:solidFill>
+                            <a:schemeClr val="tx1"/>
+                          </a:solidFill>
+                          <a:effectLst/>
+                          <a:latin typeface="+mn-lt"/>
+                          <a:ea typeface="+mn-ea"/>
+                          <a:cs typeface="+mn-cs"/>
+                        </a:rPr>
+                        <a:t>listázása</a:t>
+                      </a:r>
+                      <a:endParaRPr lang="hu-HU" sz="2000" i="0" noProof="0" dirty="0"/>
+                    </a:p>
+                  </a:txBody>
+                  <a:tcPr marL="45720" marR="45720" anchor="ctr"/>
+                </a:tc>
+                <a:extLst>
+                  <a:ext uri="{0D108BD9-81ED-4DB2-BD59-A6C34878D82A}">
+                    <a16:rowId xmlns:a16="http://schemas.microsoft.com/office/drawing/2014/main" val="4036247322"/>
+                  </a:ext>
+                </a:extLst>
+              </a:tr>
+              <a:tr h="439200">
+                <a:tc>
+                  <a:txBody>
+                    <a:bodyPr/>
+                    <a:lstStyle/>
+                    <a:p>
+                      <a:pPr marL="0" marR="0" indent="0" algn="l" defTabSz="1218987" rtl="0" eaLnBrk="1" fontAlgn="auto" latinLnBrk="0" hangingPunct="1">
+                        <a:lnSpc>
+                          <a:spcPct val="100000"/>
+                        </a:lnSpc>
+                        <a:spcBef>
+                          <a:spcPts val="0"/>
+                        </a:spcBef>
+                        <a:spcAft>
+                          <a:spcPts val="0"/>
+                        </a:spcAft>
+                        <a:buClrTx/>
+                        <a:buSzTx/>
+                        <a:buFontTx/>
+                        <a:buNone/>
+                        <a:tabLst/>
+                        <a:defRPr/>
+                      </a:pPr>
+                      <a:r>
+                        <a:rPr lang="hu-HU" sz="1800" dirty="0" smtClean="0">
+                          <a:latin typeface="Consolas" panose="020B0609020204030204" pitchFamily="49" charset="0"/>
+                        </a:rPr>
+                        <a:t>test_tc_05</a:t>
+                      </a:r>
+                      <a:endParaRPr lang="hu-HU" sz="1800" noProof="0" dirty="0" smtClean="0"/>
+                    </a:p>
+                  </a:txBody>
+                  <a:tcPr marL="45720" marR="45720" anchor="ctr"/>
+                </a:tc>
+                <a:tc>
+                  <a:txBody>
+                    <a:bodyPr/>
+                    <a:lstStyle/>
+                    <a:p>
+                      <a:pPr algn="l" rtl="0"/>
+                      <a:r>
+                        <a:rPr lang="hu-HU" sz="2000" i="0" kern="1200" dirty="0" smtClean="0">
+                          <a:solidFill>
+                            <a:schemeClr val="tx1"/>
+                          </a:solidFill>
+                          <a:effectLst/>
+                          <a:latin typeface="+mn-lt"/>
+                          <a:ea typeface="+mn-ea"/>
+                          <a:cs typeface="+mn-cs"/>
+                        </a:rPr>
+                        <a:t>Több oldalas lista bejárása</a:t>
+                      </a:r>
+                      <a:endParaRPr lang="hu-HU" sz="2000" i="0" noProof="0" dirty="0"/>
+                    </a:p>
+                  </a:txBody>
+                  <a:tcPr marL="45720" marR="45720" anchor="ctr"/>
+                </a:tc>
+                <a:extLst>
+                  <a:ext uri="{0D108BD9-81ED-4DB2-BD59-A6C34878D82A}">
+                    <a16:rowId xmlns:a16="http://schemas.microsoft.com/office/drawing/2014/main" val="665978251"/>
+                  </a:ext>
+                </a:extLst>
+              </a:tr>
+              <a:tr h="439200">
+                <a:tc>
+                  <a:txBody>
+                    <a:bodyPr/>
+                    <a:lstStyle/>
+                    <a:p>
+                      <a:pPr marL="0" marR="0" indent="0" algn="l" defTabSz="1218987" rtl="0" eaLnBrk="1" fontAlgn="auto" latinLnBrk="0" hangingPunct="1">
+                        <a:lnSpc>
+                          <a:spcPct val="100000"/>
+                        </a:lnSpc>
+                        <a:spcBef>
+                          <a:spcPts val="0"/>
+                        </a:spcBef>
+                        <a:spcAft>
+                          <a:spcPts val="0"/>
+                        </a:spcAft>
+                        <a:buClrTx/>
+                        <a:buSzTx/>
+                        <a:buFontTx/>
+                        <a:buNone/>
+                        <a:tabLst/>
+                        <a:defRPr/>
+                      </a:pPr>
+                      <a:r>
+                        <a:rPr lang="hu-HU" sz="1800" dirty="0" smtClean="0">
+                          <a:latin typeface="Consolas" panose="020B0609020204030204" pitchFamily="49" charset="0"/>
+                        </a:rPr>
+                        <a:t>test_tc_06</a:t>
+                      </a:r>
+                      <a:endParaRPr lang="hu-HU" sz="1800" noProof="0" dirty="0"/>
+                    </a:p>
+                  </a:txBody>
+                  <a:tcPr marL="45720" marR="45720" anchor="ctr"/>
+                </a:tc>
+                <a:tc>
+                  <a:txBody>
+                    <a:bodyPr/>
+                    <a:lstStyle/>
+                    <a:p>
+                      <a:pPr algn="l" rtl="0"/>
+                      <a:r>
+                        <a:rPr lang="hu-HU" sz="2000" i="0" kern="1200" dirty="0" smtClean="0">
+                          <a:solidFill>
+                            <a:schemeClr val="tx1"/>
+                          </a:solidFill>
+                          <a:effectLst/>
+                          <a:latin typeface="+mn-lt"/>
+                          <a:ea typeface="+mn-ea"/>
+                          <a:cs typeface="+mn-cs"/>
+                        </a:rPr>
+                        <a:t>Új adat bevitel</a:t>
+                      </a:r>
+                      <a:endParaRPr lang="hu-HU" sz="2000" i="0" noProof="0" dirty="0"/>
+                    </a:p>
+                  </a:txBody>
+                  <a:tcPr marL="45720" marR="45720" anchor="ctr"/>
+                </a:tc>
+                <a:extLst>
+                  <a:ext uri="{0D108BD9-81ED-4DB2-BD59-A6C34878D82A}">
+                    <a16:rowId xmlns:a16="http://schemas.microsoft.com/office/drawing/2014/main" val="3806468454"/>
+                  </a:ext>
+                </a:extLst>
+              </a:tr>
+              <a:tr h="439200">
+                <a:tc>
+                  <a:txBody>
+                    <a:bodyPr/>
+                    <a:lstStyle/>
+                    <a:p>
+                      <a:pPr marL="0" marR="0" indent="0" algn="l" defTabSz="1218987" rtl="0" eaLnBrk="1" fontAlgn="auto" latinLnBrk="0" hangingPunct="1">
+                        <a:lnSpc>
+                          <a:spcPct val="100000"/>
+                        </a:lnSpc>
+                        <a:spcBef>
+                          <a:spcPts val="0"/>
+                        </a:spcBef>
+                        <a:spcAft>
+                          <a:spcPts val="0"/>
+                        </a:spcAft>
+                        <a:buClrTx/>
+                        <a:buSzTx/>
+                        <a:buFontTx/>
+                        <a:buNone/>
+                        <a:tabLst/>
+                        <a:defRPr/>
+                      </a:pPr>
+                      <a:r>
+                        <a:rPr lang="hu-HU" sz="1800" dirty="0" smtClean="0">
+                          <a:latin typeface="Consolas" panose="020B0609020204030204" pitchFamily="49" charset="0"/>
+                        </a:rPr>
+                        <a:t>test_tc_07</a:t>
+                      </a:r>
+                      <a:endParaRPr lang="hu-HU" sz="1800" noProof="0" dirty="0"/>
+                    </a:p>
+                  </a:txBody>
+                  <a:tcPr marL="45720" marR="45720" anchor="ctr"/>
+                </a:tc>
+                <a:tc>
+                  <a:txBody>
+                    <a:bodyPr/>
+                    <a:lstStyle/>
+                    <a:p>
+                      <a:pPr algn="l" rtl="0"/>
+                      <a:r>
+                        <a:rPr lang="hu-HU" sz="2000" i="0" kern="1200" dirty="0" smtClean="0">
+                          <a:solidFill>
+                            <a:schemeClr val="tx1"/>
+                          </a:solidFill>
+                          <a:effectLst/>
+                          <a:latin typeface="+mn-lt"/>
+                          <a:ea typeface="+mn-ea"/>
+                          <a:cs typeface="+mn-cs"/>
+                        </a:rPr>
+                        <a:t>Ismételt és sorozatos adatbevitel adatforrásból</a:t>
+                      </a:r>
+                      <a:endParaRPr lang="hu-HU" sz="2000" i="0" noProof="0" dirty="0"/>
+                    </a:p>
+                  </a:txBody>
+                  <a:tcPr marL="45720" marR="45720" anchor="ctr"/>
+                </a:tc>
+                <a:extLst>
+                  <a:ext uri="{0D108BD9-81ED-4DB2-BD59-A6C34878D82A}">
+                    <a16:rowId xmlns:a16="http://schemas.microsoft.com/office/drawing/2014/main" val="194342196"/>
+                  </a:ext>
+                </a:extLst>
+              </a:tr>
+              <a:tr h="439200">
+                <a:tc>
+                  <a:txBody>
+                    <a:bodyPr/>
+                    <a:lstStyle/>
+                    <a:p>
+                      <a:pPr marL="0" marR="0" indent="0" algn="l" defTabSz="1218987" rtl="0" eaLnBrk="1" fontAlgn="auto" latinLnBrk="0" hangingPunct="1">
+                        <a:lnSpc>
+                          <a:spcPct val="100000"/>
+                        </a:lnSpc>
+                        <a:spcBef>
+                          <a:spcPts val="0"/>
+                        </a:spcBef>
+                        <a:spcAft>
+                          <a:spcPts val="0"/>
+                        </a:spcAft>
+                        <a:buClrTx/>
+                        <a:buSzTx/>
+                        <a:buFontTx/>
+                        <a:buNone/>
+                        <a:tabLst/>
+                        <a:defRPr/>
+                      </a:pPr>
+                      <a:r>
+                        <a:rPr lang="hu-HU" sz="1800" dirty="0" smtClean="0">
+                          <a:latin typeface="Consolas" panose="020B0609020204030204" pitchFamily="49" charset="0"/>
+                        </a:rPr>
+                        <a:t>test_tc_08</a:t>
+                      </a:r>
+                      <a:endParaRPr lang="hu-HU" sz="1800" noProof="0" dirty="0"/>
+                    </a:p>
+                  </a:txBody>
+                  <a:tcPr marL="45720" marR="45720" anchor="ctr"/>
+                </a:tc>
+                <a:tc>
+                  <a:txBody>
+                    <a:bodyPr/>
+                    <a:lstStyle/>
+                    <a:p>
+                      <a:pPr algn="l" rtl="0"/>
+                      <a:r>
+                        <a:rPr lang="hu-HU" sz="2000" i="0" kern="1200" dirty="0" smtClean="0">
+                          <a:solidFill>
+                            <a:schemeClr val="tx1"/>
+                          </a:solidFill>
+                          <a:effectLst/>
+                          <a:latin typeface="+mn-lt"/>
+                          <a:ea typeface="+mn-ea"/>
+                          <a:cs typeface="+mn-cs"/>
+                        </a:rPr>
+                        <a:t>Meglévő adat módosítás</a:t>
+                      </a:r>
+                      <a:endParaRPr lang="hu-HU" sz="2000" i="0" noProof="0" dirty="0"/>
+                    </a:p>
+                  </a:txBody>
+                  <a:tcPr marL="45720" marR="45720" anchor="ctr"/>
+                </a:tc>
+                <a:extLst>
+                  <a:ext uri="{0D108BD9-81ED-4DB2-BD59-A6C34878D82A}">
+                    <a16:rowId xmlns:a16="http://schemas.microsoft.com/office/drawing/2014/main" val="1062491661"/>
+                  </a:ext>
+                </a:extLst>
+              </a:tr>
+              <a:tr h="439200">
+                <a:tc>
+                  <a:txBody>
+                    <a:bodyPr/>
+                    <a:lstStyle/>
+                    <a:p>
+                      <a:pPr marL="0" marR="0" indent="0" algn="l" defTabSz="1218987" rtl="0" eaLnBrk="1" fontAlgn="auto" latinLnBrk="0" hangingPunct="1">
+                        <a:lnSpc>
+                          <a:spcPct val="100000"/>
+                        </a:lnSpc>
+                        <a:spcBef>
+                          <a:spcPts val="0"/>
+                        </a:spcBef>
+                        <a:spcAft>
+                          <a:spcPts val="0"/>
+                        </a:spcAft>
+                        <a:buClrTx/>
+                        <a:buSzTx/>
+                        <a:buFontTx/>
+                        <a:buNone/>
+                        <a:tabLst/>
+                        <a:defRPr/>
+                      </a:pPr>
+                      <a:r>
+                        <a:rPr lang="hu-HU" sz="1800" dirty="0" smtClean="0">
+                          <a:latin typeface="Consolas" panose="020B0609020204030204" pitchFamily="49" charset="0"/>
+                        </a:rPr>
+                        <a:t>test_tc_09</a:t>
+                      </a:r>
+                      <a:endParaRPr lang="hu-HU" sz="1800" noProof="0" dirty="0"/>
+                    </a:p>
+                  </a:txBody>
+                  <a:tcPr marL="45720" marR="45720" anchor="ctr"/>
+                </a:tc>
+                <a:tc>
+                  <a:txBody>
+                    <a:bodyPr/>
+                    <a:lstStyle/>
+                    <a:p>
+                      <a:pPr algn="l" rtl="0"/>
+                      <a:r>
+                        <a:rPr lang="hu-HU" sz="2000" i="0" kern="1200" dirty="0" smtClean="0">
+                          <a:solidFill>
+                            <a:schemeClr val="tx1"/>
+                          </a:solidFill>
+                          <a:effectLst/>
+                          <a:latin typeface="+mn-lt"/>
+                          <a:ea typeface="+mn-ea"/>
+                          <a:cs typeface="+mn-cs"/>
+                        </a:rPr>
+                        <a:t>Adat vagy adatok törlése</a:t>
+                      </a:r>
+                      <a:endParaRPr lang="hu-HU" sz="2000" i="0" noProof="0" dirty="0"/>
+                    </a:p>
+                  </a:txBody>
+                  <a:tcPr marL="45720" marR="45720" anchor="ctr"/>
+                </a:tc>
+                <a:extLst>
+                  <a:ext uri="{0D108BD9-81ED-4DB2-BD59-A6C34878D82A}">
+                    <a16:rowId xmlns:a16="http://schemas.microsoft.com/office/drawing/2014/main" val="815949913"/>
+                  </a:ext>
+                </a:extLst>
+              </a:tr>
+              <a:tr h="439200">
+                <a:tc>
+                  <a:txBody>
+                    <a:bodyPr/>
+                    <a:lstStyle/>
+                    <a:p>
+                      <a:pPr marL="0" marR="0" indent="0" algn="l" defTabSz="1218987" rtl="0" eaLnBrk="1" fontAlgn="auto" latinLnBrk="0" hangingPunct="1">
+                        <a:lnSpc>
+                          <a:spcPct val="100000"/>
+                        </a:lnSpc>
+                        <a:spcBef>
+                          <a:spcPts val="0"/>
+                        </a:spcBef>
+                        <a:spcAft>
+                          <a:spcPts val="0"/>
+                        </a:spcAft>
+                        <a:buClrTx/>
+                        <a:buSzTx/>
+                        <a:buFontTx/>
+                        <a:buNone/>
+                        <a:tabLst/>
+                        <a:defRPr/>
+                      </a:pPr>
+                      <a:r>
+                        <a:rPr lang="hu-HU" sz="1800" dirty="0" smtClean="0">
+                          <a:latin typeface="Consolas" panose="020B0609020204030204" pitchFamily="49" charset="0"/>
+                        </a:rPr>
+                        <a:t>test_tc_10</a:t>
+                      </a:r>
+                      <a:endParaRPr lang="hu-HU" sz="1800" noProof="0" dirty="0" smtClean="0"/>
+                    </a:p>
+                  </a:txBody>
+                  <a:tcPr marL="45720" marR="45720" anchor="ctr"/>
+                </a:tc>
+                <a:tc>
+                  <a:txBody>
+                    <a:bodyPr/>
+                    <a:lstStyle/>
+                    <a:p>
+                      <a:pPr algn="l" rtl="0"/>
+                      <a:r>
+                        <a:rPr lang="hu-HU" sz="2000" i="0" kern="1200" dirty="0" smtClean="0">
+                          <a:solidFill>
+                            <a:schemeClr val="tx1"/>
+                          </a:solidFill>
+                          <a:effectLst/>
+                          <a:latin typeface="+mn-lt"/>
+                          <a:ea typeface="+mn-ea"/>
+                          <a:cs typeface="+mn-cs"/>
+                        </a:rPr>
+                        <a:t>Adatok lementése felületről</a:t>
+                      </a:r>
+                      <a:endParaRPr lang="hu-HU" sz="2000" i="0" noProof="0" dirty="0"/>
+                    </a:p>
+                  </a:txBody>
+                  <a:tcPr marL="45720" marR="45720" anchor="ctr"/>
+                </a:tc>
+                <a:extLst>
+                  <a:ext uri="{0D108BD9-81ED-4DB2-BD59-A6C34878D82A}">
+                    <a16:rowId xmlns:a16="http://schemas.microsoft.com/office/drawing/2014/main" val="3609143371"/>
+                  </a:ext>
+                </a:extLst>
+              </a:tr>
+              <a:tr h="439200">
+                <a:tc>
+                  <a:txBody>
+                    <a:bodyPr/>
+                    <a:lstStyle/>
+                    <a:p>
+                      <a:pPr marL="0" marR="0" indent="0" algn="l" defTabSz="1218987" rtl="0" eaLnBrk="1" fontAlgn="auto" latinLnBrk="0" hangingPunct="1">
+                        <a:lnSpc>
+                          <a:spcPct val="100000"/>
+                        </a:lnSpc>
+                        <a:spcBef>
+                          <a:spcPts val="0"/>
+                        </a:spcBef>
+                        <a:spcAft>
+                          <a:spcPts val="0"/>
+                        </a:spcAft>
+                        <a:buClrTx/>
+                        <a:buSzTx/>
+                        <a:buFontTx/>
+                        <a:buNone/>
+                        <a:tabLst/>
+                        <a:defRPr/>
+                      </a:pPr>
+                      <a:r>
+                        <a:rPr lang="hu-HU" sz="1800" dirty="0" smtClean="0">
+                          <a:latin typeface="Consolas" panose="020B0609020204030204" pitchFamily="49" charset="0"/>
+                        </a:rPr>
+                        <a:t>test_tc_11</a:t>
+                      </a:r>
+                      <a:endParaRPr lang="hu-HU" sz="1800" noProof="0" dirty="0" smtClean="0"/>
+                    </a:p>
+                  </a:txBody>
+                  <a:tcPr marL="45720" marR="45720" anchor="ctr"/>
+                </a:tc>
+                <a:tc>
+                  <a:txBody>
+                    <a:bodyPr/>
+                    <a:lstStyle/>
+                    <a:p>
+                      <a:pPr algn="l" rtl="0"/>
+                      <a:r>
+                        <a:rPr lang="hu-HU" sz="2000" i="0" kern="1200" dirty="0" smtClean="0">
+                          <a:solidFill>
+                            <a:schemeClr val="tx1"/>
+                          </a:solidFill>
+                          <a:effectLst/>
+                          <a:latin typeface="+mn-lt"/>
+                          <a:ea typeface="+mn-ea"/>
+                          <a:cs typeface="+mn-cs"/>
+                        </a:rPr>
+                        <a:t>Kijelentkezés</a:t>
+                      </a:r>
+                      <a:endParaRPr lang="hu-HU" sz="2000" i="0" noProof="0" dirty="0"/>
+                    </a:p>
+                  </a:txBody>
+                  <a:tcPr marL="45720" marR="45720" anchor="ctr"/>
+                </a:tc>
+                <a:extLst>
+                  <a:ext uri="{0D108BD9-81ED-4DB2-BD59-A6C34878D82A}">
+                    <a16:rowId xmlns:a16="http://schemas.microsoft.com/office/drawing/2014/main" val="279775306"/>
+                  </a:ext>
+                </a:extLst>
+              </a:tr>
             </a:tbl>
           </a:graphicData>
         </a:graphic>
       </p:graphicFrame>
+      <p:pic>
+        <p:nvPicPr>
+          <p:cNvPr id="4" name="Kép 3"/>
+          <p:cNvPicPr>
+            <a:picLocks noChangeAspect="1"/>
+          </p:cNvPicPr>
+          <p:nvPr/>
+        </p:nvPicPr>
+        <p:blipFill>
+          <a:blip r:embed="rId3"/>
+          <a:stretch>
+            <a:fillRect/>
+          </a:stretch>
+        </p:blipFill>
+        <p:spPr>
+          <a:xfrm>
+            <a:off x="5950396" y="1844824"/>
+            <a:ext cx="6088912" cy="2698055"/>
+          </a:xfrm>
+          <a:prstGeom prst="rect">
+            <a:avLst/>
+          </a:prstGeom>
+          <a:solidFill>
+            <a:srgbClr val="FFFFFF">
+              <a:shade val="85000"/>
+            </a:srgbClr>
+          </a:solidFill>
+          <a:ln w="190500" cap="rnd">
+            <a:solidFill>
+              <a:srgbClr val="FFFFFF"/>
+            </a:solidFill>
+          </a:ln>
+          <a:effectLst>
+            <a:outerShdw blurRad="36195" dist="12700" dir="11400000" algn="tl" rotWithShape="0">
+              <a:srgbClr val="000000">
+                <a:alpha val="33000"/>
+              </a:srgbClr>
+            </a:outerShdw>
+          </a:effectLst>
+          <a:scene3d>
+            <a:camera prst="perspectiveContrastingLeftFacing">
+              <a:rot lat="540000" lon="2100000" rev="0"/>
+            </a:camera>
+            <a:lightRig rig="soft" dir="t"/>
+          </a:scene3d>
+          <a:sp3d contourW="12700" prstMaterial="matte">
+            <a:bevelT w="63500" h="50800"/>
+            <a:contourClr>
+              <a:srgbClr val="C0C0C0"/>
+            </a:contourClr>
+          </a:sp3d>
+        </p:spPr>
+      </p:pic>
     </p:spTree>
     <p:extLst>
       <p:ext uri="{BB962C8B-B14F-4D97-AF65-F5344CB8AC3E}">
-        <p14:creationId xmlns:p14="http://schemas.microsoft.com/office/powerpoint/2010/main" val="3980665089"/>
+        <p14:creationId xmlns:p14="http://schemas.microsoft.com/office/powerpoint/2010/main" val="4094774917"/>
       </p:ext>
     </p:extLst>
   </p:cSld>
@@ -11469,6 +7474,13 @@
       </p:transition>
     </mc:Fallback>
   </mc:AlternateContent>
+  <p:timing>
+    <p:tnLst>
+      <p:par>
+        <p:cTn id="1" dur="indefinite" restart="never" nodeType="tmRoot"/>
+      </p:par>
+    </p:tnLst>
+  </p:timing>
 </p:sld>
 </file>
 
@@ -11491,7 +7503,7 @@
       </p:grpSpPr>
       <p:sp>
         <p:nvSpPr>
-          <p:cNvPr id="2" name="Cím 1"/>
+          <p:cNvPr id="5" name="Cím 4"/>
           <p:cNvSpPr>
             <a:spLocks noGrp="1"/>
           </p:cNvSpPr>
@@ -11506,80 +7518,47 @@
           <a:p>
             <a:pPr rtl="0"/>
             <a:r>
-              <a:rPr lang="hu-HU" dirty="0" smtClean="0"/>
-              <a:t>Két tartalomrész elrendezés SmartArt-ábrával</a:t>
+              <a:rPr lang="hu-HU" dirty="0" err="1" smtClean="0"/>
+              <a:t>Workflow</a:t>
             </a:r>
             <a:endParaRPr lang="hu-HU" dirty="0"/>
           </a:p>
         </p:txBody>
       </p:sp>
-      <p:sp>
-        <p:nvSpPr>
-          <p:cNvPr id="3" name="Tartalom helye 2"/>
-          <p:cNvSpPr>
-            <a:spLocks noGrp="1"/>
-          </p:cNvSpPr>
-          <p:nvPr>
-            <p:ph sz="half" idx="1"/>
-          </p:nvPr>
-        </p:nvSpPr>
-        <p:spPr/>
-        <p:txBody>
-          <a:bodyPr rtlCol="0"/>
-          <a:lstStyle/>
-          <a:p>
-            <a:pPr rtl="0"/>
-            <a:r>
-              <a:rPr lang="hu-HU" dirty="0" smtClean="0"/>
-              <a:t>Első pont szövege</a:t>
-            </a:r>
-          </a:p>
-          <a:p>
-            <a:pPr rtl="0"/>
-            <a:r>
-              <a:rPr lang="hu-HU" dirty="0" smtClean="0"/>
-              <a:t>Második pont szövege</a:t>
-            </a:r>
-          </a:p>
-          <a:p>
-            <a:pPr rtl="0"/>
-            <a:r>
-              <a:rPr lang="hu-HU" dirty="0" smtClean="0"/>
-              <a:t>Harmadik pont szövege</a:t>
-            </a:r>
-            <a:endParaRPr lang="hu-HU" dirty="0"/>
-          </a:p>
-        </p:txBody>
-      </p:sp>
-      <p:graphicFrame>
-        <p:nvGraphicFramePr>
-          <p:cNvPr id="5" name="Tartalom helye 4" descr="Ciklikus csillagdiagram, amely 3 feladat csoporthoz való kapcsolatát mutatja"/>
-          <p:cNvGraphicFramePr>
-            <a:graphicFrameLocks noGrp="1"/>
-          </p:cNvGraphicFramePr>
-          <p:nvPr>
-            <p:ph sz="half" idx="2"/>
-            <p:extLst>
-              <p:ext uri="{D42A27DB-BD31-4B8C-83A1-F6EECF244321}">
-                <p14:modId xmlns:p14="http://schemas.microsoft.com/office/powerpoint/2010/main" val="2562841508"/>
-              </p:ext>
-            </p:extLst>
-          </p:nvPr>
-        </p:nvGraphicFramePr>
-        <p:xfrm>
-          <a:off x="6094413" y="1600200"/>
-          <a:ext cx="4875212" cy="4572000"/>
-        </p:xfrm>
-        <a:graphic>
-          <a:graphicData uri="http://schemas.openxmlformats.org/drawingml/2006/diagram">
-            <dgm:relIds xmlns:dgm="http://schemas.openxmlformats.org/drawingml/2006/diagram" xmlns:r="http://schemas.openxmlformats.org/officeDocument/2006/relationships" r:dm="rId3" r:lo="rId4" r:qs="rId5" r:cs="rId6"/>
-          </a:graphicData>
-        </a:graphic>
-      </p:graphicFrame>
+      <p:pic>
+        <p:nvPicPr>
+          <p:cNvPr id="4" name="Kép 3"/>
+          <p:cNvPicPr>
+            <a:picLocks noChangeAspect="1"/>
+          </p:cNvPicPr>
+          <p:nvPr/>
+        </p:nvPicPr>
+        <p:blipFill>
+          <a:blip r:embed="rId3"/>
+          <a:stretch>
+            <a:fillRect/>
+          </a:stretch>
+        </p:blipFill>
+        <p:spPr>
+          <a:xfrm>
+            <a:off x="4078188" y="548680"/>
+            <a:ext cx="7560842" cy="5867896"/>
+          </a:xfrm>
+          <a:prstGeom prst="rect">
+            <a:avLst/>
+          </a:prstGeom>
+          <a:ln>
+            <a:noFill/>
+          </a:ln>
+          <a:effectLst>
+            <a:reflection blurRad="12700" stA="30000" endPos="30000" dist="5000" dir="5400000" sy="-100000" algn="bl" rotWithShape="0"/>
+          </a:effectLst>
+        </p:spPr>
+      </p:pic>
     </p:spTree>
     <p:extLst>
       <p:ext uri="{BB962C8B-B14F-4D97-AF65-F5344CB8AC3E}">
-        <p14:creationId xmlns:p14="http://schemas.microsoft.com/office/powerpoint/2010/main" val="2490618232"/>
+        <p14:creationId xmlns:p14="http://schemas.microsoft.com/office/powerpoint/2010/main" val="679791007"/>
       </p:ext>
     </p:extLst>
   </p:cSld>
@@ -11598,6 +7577,13 @@
       </p:transition>
     </mc:Fallback>
   </mc:AlternateContent>
+  <p:timing>
+    <p:tnLst>
+      <p:par>
+        <p:cTn id="1" dur="indefinite" restart="never" nodeType="tmRoot"/>
+      </p:par>
+    </p:tnLst>
+  </p:timing>
 </p:sld>
 </file>
 
@@ -11620,7 +7606,7 @@
       </p:grpSpPr>
       <p:sp>
         <p:nvSpPr>
-          <p:cNvPr id="2" name="Cím 1"/>
+          <p:cNvPr id="5" name="Cím 4"/>
           <p:cNvSpPr>
             <a:spLocks noGrp="1"/>
           </p:cNvSpPr>
@@ -11636,20 +7622,137 @@
             <a:pPr rtl="0"/>
             <a:r>
               <a:rPr lang="hu-HU" dirty="0" smtClean="0"/>
-              <a:t>Diacím hozzáadása – 1</a:t>
+              <a:t>Vezetői jelentés</a:t>
             </a:r>
             <a:endParaRPr lang="hu-HU" dirty="0"/>
           </a:p>
         </p:txBody>
       </p:sp>
-      <p:sp>
-        <p:nvSpPr>
-          <p:cNvPr id="3" name="Szöveg helye 2"/>
-          <p:cNvSpPr>
-            <a:spLocks noGrp="1"/>
-          </p:cNvSpPr>
-          <p:nvPr>
-            <p:ph type="body" idx="1"/>
+      <p:pic>
+        <p:nvPicPr>
+          <p:cNvPr id="2" name="Kép 1"/>
+          <p:cNvPicPr>
+            <a:picLocks noChangeAspect="1"/>
+          </p:cNvPicPr>
+          <p:nvPr/>
+        </p:nvPicPr>
+        <p:blipFill>
+          <a:blip r:embed="rId3"/>
+          <a:stretch>
+            <a:fillRect/>
+          </a:stretch>
+        </p:blipFill>
+        <p:spPr>
+          <a:xfrm>
+            <a:off x="500092" y="2065324"/>
+            <a:ext cx="3888432" cy="4312074"/>
+          </a:xfrm>
+          <a:prstGeom prst="rect">
+            <a:avLst/>
+          </a:prstGeom>
+          <a:ln>
+            <a:noFill/>
+          </a:ln>
+          <a:effectLst>
+            <a:outerShdw blurRad="292100" dist="139700" dir="2700000" algn="tl" rotWithShape="0">
+              <a:srgbClr val="333333">
+                <a:alpha val="65000"/>
+              </a:srgbClr>
+            </a:outerShdw>
+          </a:effectLst>
+        </p:spPr>
+      </p:pic>
+      <p:pic>
+        <p:nvPicPr>
+          <p:cNvPr id="3" name="Kép 2"/>
+          <p:cNvPicPr>
+            <a:picLocks noChangeAspect="1"/>
+          </p:cNvPicPr>
+          <p:nvPr/>
+        </p:nvPicPr>
+        <p:blipFill>
+          <a:blip r:embed="rId4"/>
+          <a:stretch>
+            <a:fillRect/>
+          </a:stretch>
+        </p:blipFill>
+        <p:spPr>
+          <a:xfrm>
+            <a:off x="4676556" y="2060848"/>
+            <a:ext cx="7250504" cy="4312800"/>
+          </a:xfrm>
+          <a:prstGeom prst="rect">
+            <a:avLst/>
+          </a:prstGeom>
+          <a:ln>
+            <a:noFill/>
+          </a:ln>
+          <a:effectLst>
+            <a:outerShdw blurRad="292100" dist="139700" dir="2700000" algn="tl" rotWithShape="0">
+              <a:srgbClr val="333333">
+                <a:alpha val="65000"/>
+              </a:srgbClr>
+            </a:outerShdw>
+          </a:effectLst>
+        </p:spPr>
+      </p:pic>
+    </p:spTree>
+    <p:extLst>
+      <p:ext uri="{BB962C8B-B14F-4D97-AF65-F5344CB8AC3E}">
+        <p14:creationId xmlns:p14="http://schemas.microsoft.com/office/powerpoint/2010/main" val="3135152136"/>
+      </p:ext>
+    </p:extLst>
+  </p:cSld>
+  <p:clrMapOvr>
+    <a:masterClrMapping/>
+  </p:clrMapOvr>
+  <mc:AlternateContent xmlns:mc="http://schemas.openxmlformats.org/markup-compatibility/2006" xmlns:p14="http://schemas.microsoft.com/office/powerpoint/2010/main">
+    <mc:Choice Requires="p14">
+      <p:transition spd="med" p14:dur="700">
+        <p:fade/>
+      </p:transition>
+    </mc:Choice>
+    <mc:Fallback xmlns="">
+      <p:transition spd="med">
+        <p:fade/>
+      </p:transition>
+    </mc:Fallback>
+  </mc:AlternateContent>
+  <p:timing>
+    <p:tnLst>
+      <p:par>
+        <p:cTn id="1" dur="indefinite" restart="never" nodeType="tmRoot"/>
+      </p:par>
+    </p:tnLst>
+  </p:timing>
+</p:sld>
+</file>
+
+<file path=ppt/slides/slide7.xml><?xml version="1.0" encoding="utf-8"?>
+<p:sld xmlns:a="http://schemas.openxmlformats.org/drawingml/2006/main" xmlns:r="http://schemas.openxmlformats.org/officeDocument/2006/relationships" xmlns:p="http://schemas.openxmlformats.org/presentationml/2006/main">
+  <p:cSld>
+    <p:spTree>
+      <p:nvGrpSpPr>
+        <p:cNvPr id="1" name=""/>
+        <p:cNvGrpSpPr/>
+        <p:nvPr/>
+      </p:nvGrpSpPr>
+      <p:grpSpPr>
+        <a:xfrm>
+          <a:off x="0" y="0"/>
+          <a:ext cx="0" cy="0"/>
+          <a:chOff x="0" y="0"/>
+          <a:chExt cx="0" cy="0"/>
+        </a:xfrm>
+      </p:grpSpPr>
+      <p:sp>
+        <p:nvSpPr>
+          <p:cNvPr id="2" name="Cím 1"/>
+          <p:cNvSpPr>
+            <a:spLocks noGrp="1"/>
+          </p:cNvSpPr>
+          <p:nvPr>
+            <p:ph type="title"/>
           </p:nvPr>
         </p:nvSpPr>
         <p:spPr/>
@@ -11658,6 +7761,34 @@
           <a:lstStyle/>
           <a:p>
             <a:pPr rtl="0"/>
+            <a:r>
+              <a:rPr lang="hu-HU" dirty="0" smtClean="0"/>
+              <a:t>Köszönöm a figyelmet</a:t>
+            </a:r>
+            <a:endParaRPr lang="hu-HU" dirty="0"/>
+          </a:p>
+        </p:txBody>
+      </p:sp>
+      <p:sp>
+        <p:nvSpPr>
+          <p:cNvPr id="3" name="Szöveg helye 2"/>
+          <p:cNvSpPr>
+            <a:spLocks noGrp="1"/>
+          </p:cNvSpPr>
+          <p:nvPr>
+            <p:ph type="body" idx="1"/>
+          </p:nvPr>
+        </p:nvSpPr>
+        <p:spPr/>
+        <p:txBody>
+          <a:bodyPr rtlCol="0"/>
+          <a:lstStyle/>
+          <a:p>
+            <a:pPr rtl="0"/>
+            <a:r>
+              <a:rPr lang="hu-HU" dirty="0" err="1" smtClean="0"/>
+              <a:t>abari.kalman@gmail.com</a:t>
+            </a:r>
             <a:endParaRPr lang="hu-HU" dirty="0"/>
           </a:p>
         </p:txBody>
@@ -11684,260 +7815,13 @@
       </p:transition>
     </mc:Fallback>
   </mc:AlternateContent>
-</p:sld>
-</file>
-
-<file path=ppt/slides/slide7.xml><?xml version="1.0" encoding="utf-8"?>
-<p:sld xmlns:a="http://schemas.openxmlformats.org/drawingml/2006/main" xmlns:r="http://schemas.openxmlformats.org/officeDocument/2006/relationships" xmlns:p="http://schemas.openxmlformats.org/presentationml/2006/main">
-  <p:cSld>
-    <p:spTree>
-      <p:nvGrpSpPr>
-        <p:cNvPr id="1" name=""/>
-        <p:cNvGrpSpPr/>
-        <p:nvPr/>
-      </p:nvGrpSpPr>
-      <p:grpSpPr>
-        <a:xfrm>
-          <a:off x="0" y="0"/>
-          <a:ext cx="0" cy="0"/>
-          <a:chOff x="0" y="0"/>
-          <a:chExt cx="0" cy="0"/>
-        </a:xfrm>
-      </p:grpSpPr>
-      <p:sp>
-        <p:nvSpPr>
-          <p:cNvPr id="2" name="Cím 1"/>
-          <p:cNvSpPr>
-            <a:spLocks noGrp="1"/>
-          </p:cNvSpPr>
-          <p:nvPr>
-            <p:ph type="title"/>
-          </p:nvPr>
-        </p:nvSpPr>
-        <p:spPr/>
-        <p:txBody>
-          <a:bodyPr rtlCol="0"/>
-          <a:lstStyle/>
-          <a:p>
-            <a:pPr rtl="0"/>
-            <a:r>
-              <a:rPr lang="hu-HU" dirty="0" smtClean="0"/>
-              <a:t>Diacím hozzáadása – 2</a:t>
-            </a:r>
-            <a:endParaRPr lang="hu-HU" dirty="0"/>
-          </a:p>
-        </p:txBody>
-      </p:sp>
-      <p:sp>
-        <p:nvSpPr>
-          <p:cNvPr id="11" name="Szöveg helye 10"/>
-          <p:cNvSpPr>
-            <a:spLocks noGrp="1"/>
-          </p:cNvSpPr>
-          <p:nvPr>
-            <p:ph type="body" idx="1"/>
-          </p:nvPr>
-        </p:nvSpPr>
-        <p:spPr/>
-        <p:txBody>
-          <a:bodyPr rtlCol="0"/>
-          <a:lstStyle/>
-          <a:p>
-            <a:pPr rtl="0"/>
-            <a:endParaRPr lang="hu-HU" dirty="0"/>
-          </a:p>
-        </p:txBody>
-      </p:sp>
-      <p:sp>
-        <p:nvSpPr>
-          <p:cNvPr id="12" name="Tartalom helye 11"/>
-          <p:cNvSpPr>
-            <a:spLocks noGrp="1"/>
-          </p:cNvSpPr>
-          <p:nvPr>
-            <p:ph sz="half" idx="2"/>
-          </p:nvPr>
-        </p:nvSpPr>
-        <p:spPr/>
-        <p:txBody>
-          <a:bodyPr rtlCol="0"/>
-          <a:lstStyle/>
-          <a:p>
-            <a:pPr rtl="0"/>
-            <a:endParaRPr lang="hu-HU" dirty="0"/>
-          </a:p>
-        </p:txBody>
-      </p:sp>
-      <p:sp>
-        <p:nvSpPr>
-          <p:cNvPr id="13" name="Szöveg helye 12"/>
-          <p:cNvSpPr>
-            <a:spLocks noGrp="1"/>
-          </p:cNvSpPr>
-          <p:nvPr>
-            <p:ph type="body" sz="quarter" idx="3"/>
-          </p:nvPr>
-        </p:nvSpPr>
-        <p:spPr/>
-        <p:txBody>
-          <a:bodyPr rtlCol="0"/>
-          <a:lstStyle/>
-          <a:p>
-            <a:pPr rtl="0"/>
-            <a:endParaRPr lang="hu-HU" dirty="0"/>
-          </a:p>
-        </p:txBody>
-      </p:sp>
-      <p:sp>
-        <p:nvSpPr>
-          <p:cNvPr id="14" name="Tartalom helye 13"/>
-          <p:cNvSpPr>
-            <a:spLocks noGrp="1"/>
-          </p:cNvSpPr>
-          <p:nvPr>
-            <p:ph sz="quarter" idx="4"/>
-          </p:nvPr>
-        </p:nvSpPr>
-        <p:spPr/>
-        <p:txBody>
-          <a:bodyPr rtlCol="0"/>
-          <a:lstStyle/>
-          <a:p>
-            <a:pPr rtl="0"/>
-            <a:endParaRPr lang="hu-HU" dirty="0"/>
-          </a:p>
-        </p:txBody>
-      </p:sp>
-    </p:spTree>
-    <p:extLst>
-      <p:ext uri="{BB962C8B-B14F-4D97-AF65-F5344CB8AC3E}">
-        <p14:creationId xmlns:p14="http://schemas.microsoft.com/office/powerpoint/2010/main" val="2891628767"/>
-      </p:ext>
-    </p:extLst>
-  </p:cSld>
-  <p:clrMapOvr>
-    <a:masterClrMapping/>
-  </p:clrMapOvr>
-  <mc:AlternateContent xmlns:mc="http://schemas.openxmlformats.org/markup-compatibility/2006" xmlns:p14="http://schemas.microsoft.com/office/powerpoint/2010/main">
-    <mc:Choice Requires="p14">
-      <p:transition spd="med" p14:dur="700">
-        <p:fade/>
-      </p:transition>
-    </mc:Choice>
-    <mc:Fallback xmlns="">
-      <p:transition spd="med">
-        <p:fade/>
-      </p:transition>
-    </mc:Fallback>
-  </mc:AlternateContent>
-</p:sld>
-</file>
-
-<file path=ppt/slides/slide8.xml><?xml version="1.0" encoding="utf-8"?>
-<p:sld xmlns:a="http://schemas.openxmlformats.org/drawingml/2006/main" xmlns:r="http://schemas.openxmlformats.org/officeDocument/2006/relationships" xmlns:p="http://schemas.openxmlformats.org/presentationml/2006/main">
-  <p:cSld>
-    <p:spTree>
-      <p:nvGrpSpPr>
-        <p:cNvPr id="1" name=""/>
-        <p:cNvGrpSpPr/>
-        <p:nvPr/>
-      </p:nvGrpSpPr>
-      <p:grpSpPr>
-        <a:xfrm>
-          <a:off x="0" y="0"/>
-          <a:ext cx="0" cy="0"/>
-          <a:chOff x="0" y="0"/>
-          <a:chExt cx="0" cy="0"/>
-        </a:xfrm>
-      </p:grpSpPr>
-      <p:sp>
-        <p:nvSpPr>
-          <p:cNvPr id="2" name="Cím 1"/>
-          <p:cNvSpPr>
-            <a:spLocks noGrp="1"/>
-          </p:cNvSpPr>
-          <p:nvPr>
-            <p:ph type="title"/>
-          </p:nvPr>
-        </p:nvSpPr>
-        <p:spPr/>
-        <p:txBody>
-          <a:bodyPr rtlCol="0"/>
-          <a:lstStyle/>
-          <a:p>
-            <a:pPr rtl="0"/>
-            <a:r>
-              <a:rPr lang="hu-HU" dirty="0" smtClean="0"/>
-              <a:t>Diacím hozzáadása – 3</a:t>
-            </a:r>
-            <a:endParaRPr lang="hu-HU" dirty="0"/>
-          </a:p>
-        </p:txBody>
-      </p:sp>
-    </p:spTree>
-    <p:extLst>
-      <p:ext uri="{BB962C8B-B14F-4D97-AF65-F5344CB8AC3E}">
-        <p14:creationId xmlns:p14="http://schemas.microsoft.com/office/powerpoint/2010/main" val="2833839151"/>
-      </p:ext>
-    </p:extLst>
-  </p:cSld>
-  <p:clrMapOvr>
-    <a:masterClrMapping/>
-  </p:clrMapOvr>
-  <mc:AlternateContent xmlns:mc="http://schemas.openxmlformats.org/markup-compatibility/2006" xmlns:p14="http://schemas.microsoft.com/office/powerpoint/2010/main">
-    <mc:Choice Requires="p14">
-      <p:transition spd="med" p14:dur="700">
-        <p:fade/>
-      </p:transition>
-    </mc:Choice>
-    <mc:Fallback xmlns="">
-      <p:transition spd="med">
-        <p:fade/>
-      </p:transition>
-    </mc:Fallback>
-  </mc:AlternateContent>
-</p:sld>
-</file>
-
-<file path=ppt/slides/slide9.xml><?xml version="1.0" encoding="utf-8"?>
-<p:sld xmlns:a="http://schemas.openxmlformats.org/drawingml/2006/main" xmlns:r="http://schemas.openxmlformats.org/officeDocument/2006/relationships" xmlns:p="http://schemas.openxmlformats.org/presentationml/2006/main">
-  <p:cSld>
-    <p:spTree>
-      <p:nvGrpSpPr>
-        <p:cNvPr id="1" name=""/>
-        <p:cNvGrpSpPr/>
-        <p:nvPr/>
-      </p:nvGrpSpPr>
-      <p:grpSpPr>
-        <a:xfrm>
-          <a:off x="0" y="0"/>
-          <a:ext cx="0" cy="0"/>
-          <a:chOff x="0" y="0"/>
-          <a:chExt cx="0" cy="0"/>
-        </a:xfrm>
-      </p:grpSpPr>
-    </p:spTree>
-    <p:extLst>
-      <p:ext uri="{BB962C8B-B14F-4D97-AF65-F5344CB8AC3E}">
-        <p14:creationId xmlns:p14="http://schemas.microsoft.com/office/powerpoint/2010/main" val="4106284169"/>
-      </p:ext>
-    </p:extLst>
-  </p:cSld>
-  <p:clrMapOvr>
-    <a:masterClrMapping/>
-  </p:clrMapOvr>
-  <mc:AlternateContent xmlns:mc="http://schemas.openxmlformats.org/markup-compatibility/2006" xmlns:p14="http://schemas.microsoft.com/office/powerpoint/2010/main">
-    <mc:Choice Requires="p14">
-      <p:transition spd="med" p14:dur="700">
-        <p:fade/>
-      </p:transition>
-    </mc:Choice>
-    <mc:Fallback xmlns="">
-      <p:transition spd="med">
-        <p:fade/>
-      </p:transition>
-    </mc:Fallback>
-  </mc:AlternateContent>
+  <p:timing>
+    <p:tnLst>
+      <p:par>
+        <p:cTn id="1" dur="indefinite" restart="never" nodeType="tmRoot"/>
+      </p:par>
+    </p:tnLst>
+  </p:timing>
 </p:sld>
 </file>
 
@@ -12637,6 +8521,17 @@
 </file>
 
 <file path=customXml/item1.xml><?xml version="1.0" encoding="utf-8"?>
+<p:properties xmlns:p="http://schemas.microsoft.com/office/2006/metadata/properties" xmlns:xsi="http://www.w3.org/2001/XMLSchema-instance" xmlns:pc="http://schemas.microsoft.com/office/infopath/2007/PartnerControls">
+  <documentManagement>
+    <VSO_x0020_item_x0020_id xmlns="40262f94-9f35-4ac3-9a90-690165a166b7" xsi:nil="true"/>
+    <Assetid_x0020_ xmlns="40262f94-9f35-4ac3-9a90-690165a166b7" xsi:nil="true"/>
+    <Item_x0020_Details xmlns="40262f94-9f35-4ac3-9a90-690165a166b7" xsi:nil="true"/>
+    <Template_x0020_details xmlns="40262f94-9f35-4ac3-9a90-690165a166b7" xsi:nil="true"/>
+  </documentManagement>
+</p:properties>
+</file>
+
+<file path=customXml/item2.xml><?xml version="1.0" encoding="utf-8"?>
 <?mso-contentType ?>
 <FormTemplates xmlns="http://schemas.microsoft.com/sharepoint/v3/contenttype/forms">
   <Display>DocumentLibraryForm</Display>
@@ -12645,7 +8540,7 @@
 </FormTemplates>
 </file>
 
-<file path=customXml/item2.xml><?xml version="1.0" encoding="utf-8"?>
+<file path=customXml/item3.xml><?xml version="1.0" encoding="utf-8"?>
 <ct:contentTypeSchema xmlns:ct="http://schemas.microsoft.com/office/2006/metadata/contentType" xmlns:ma="http://schemas.microsoft.com/office/2006/metadata/properties/metaAttributes" ct:_="" ma:_="" ma:contentTypeName="Document" ma:contentTypeID="0x010100AA3F7D94069FF64A86F7DFF56D60E3BE" ma:contentTypeVersion="6" ma:contentTypeDescription="Create a new document." ma:contentTypeScope="" ma:versionID="c32302c77d4085ecf495bdddb7f5e889">
   <xsd:schema xmlns:xsd="http://www.w3.org/2001/XMLSchema" xmlns:xs="http://www.w3.org/2001/XMLSchema" xmlns:p="http://schemas.microsoft.com/office/2006/metadata/properties" xmlns:ns2="a4f35948-e619-41b3-aa29-22878b09cfd2" xmlns:ns3="40262f94-9f35-4ac3-9a90-690165a166b7" targetNamespace="http://schemas.microsoft.com/office/2006/metadata/properties" ma:root="true" ma:fieldsID="4ab5ae46be95f9d0be6107e8200be7a2" ns2:_="" ns3:_="">
     <xsd:import namespace="a4f35948-e619-41b3-aa29-22878b09cfd2"/>
@@ -12826,18 +8721,24 @@
 </ct:contentTypeSchema>
 </file>
 
-<file path=customXml/item3.xml><?xml version="1.0" encoding="utf-8"?>
-<p:properties xmlns:p="http://schemas.microsoft.com/office/2006/metadata/properties" xmlns:xsi="http://www.w3.org/2001/XMLSchema-instance" xmlns:pc="http://schemas.microsoft.com/office/infopath/2007/PartnerControls">
-  <documentManagement>
-    <VSO_x0020_item_x0020_id xmlns="40262f94-9f35-4ac3-9a90-690165a166b7" xsi:nil="true"/>
-    <Assetid_x0020_ xmlns="40262f94-9f35-4ac3-9a90-690165a166b7" xsi:nil="true"/>
-    <Item_x0020_Details xmlns="40262f94-9f35-4ac3-9a90-690165a166b7" xsi:nil="true"/>
-    <Template_x0020_details xmlns="40262f94-9f35-4ac3-9a90-690165a166b7" xsi:nil="true"/>
-  </documentManagement>
-</p:properties>
+<file path=customXml/itemProps1.xml><?xml version="1.0" encoding="utf-8"?>
+<ds:datastoreItem xmlns:ds="http://schemas.openxmlformats.org/officeDocument/2006/customXml" ds:itemID="{5E700CCB-20BA-4760-AB9F-AC3B63ED32E0}">
+  <ds:schemaRefs>
+    <ds:schemaRef ds:uri="http://schemas.microsoft.com/office/2006/documentManagement/types"/>
+    <ds:schemaRef ds:uri="http://schemas.microsoft.com/office/infopath/2007/PartnerControls"/>
+    <ds:schemaRef ds:uri="http://purl.org/dc/dcmitype/"/>
+    <ds:schemaRef ds:uri="http://purl.org/dc/terms/"/>
+    <ds:schemaRef ds:uri="http://schemas.microsoft.com/office/2006/metadata/properties"/>
+    <ds:schemaRef ds:uri="http://schemas.openxmlformats.org/package/2006/metadata/core-properties"/>
+    <ds:schemaRef ds:uri="40262f94-9f35-4ac3-9a90-690165a166b7"/>
+    <ds:schemaRef ds:uri="a4f35948-e619-41b3-aa29-22878b09cfd2"/>
+    <ds:schemaRef ds:uri="http://www.w3.org/XML/1998/namespace"/>
+    <ds:schemaRef ds:uri="http://purl.org/dc/elements/1.1/"/>
+  </ds:schemaRefs>
+</ds:datastoreItem>
 </file>
 
-<file path=customXml/itemProps1.xml><?xml version="1.0" encoding="utf-8"?>
+<file path=customXml/itemProps2.xml><?xml version="1.0" encoding="utf-8"?>
 <ds:datastoreItem xmlns:ds="http://schemas.openxmlformats.org/officeDocument/2006/customXml" ds:itemID="{308942AA-0721-4324-BC2C-A3CB43F24E71}">
   <ds:schemaRefs>
     <ds:schemaRef ds:uri="http://schemas.microsoft.com/sharepoint/v3/contenttype/forms"/>
@@ -12845,7 +8746,7 @@
 </ds:datastoreItem>
 </file>
 
-<file path=customXml/itemProps2.xml><?xml version="1.0" encoding="utf-8"?>
+<file path=customXml/itemProps3.xml><?xml version="1.0" encoding="utf-8"?>
 <ds:datastoreItem xmlns:ds="http://schemas.openxmlformats.org/officeDocument/2006/customXml" ds:itemID="{FB14945D-DABB-422F-9B28-D299995C9226}">
   <ds:schemaRefs>
     <ds:schemaRef ds:uri="http://schemas.microsoft.com/office/2006/metadata/contentType"/>
@@ -12862,21 +8763,4 @@
     <ds:schemaRef ds:uri="http://schemas.microsoft.com/internal/obd"/>
   </ds:schemaRefs>
 </ds:datastoreItem>
-</file>
-
-<file path=customXml/itemProps3.xml><?xml version="1.0" encoding="utf-8"?>
-<ds:datastoreItem xmlns:ds="http://schemas.openxmlformats.org/officeDocument/2006/customXml" ds:itemID="{5E700CCB-20BA-4760-AB9F-AC3B63ED32E0}">
-  <ds:schemaRefs>
-    <ds:schemaRef ds:uri="http://purl.org/dc/terms/"/>
-    <ds:schemaRef ds:uri="http://schemas.openxmlformats.org/package/2006/metadata/core-properties"/>
-    <ds:schemaRef ds:uri="http://purl.org/dc/dcmitype/"/>
-    <ds:schemaRef ds:uri="http://schemas.microsoft.com/office/2006/documentManagement/types"/>
-    <ds:schemaRef ds:uri="http://purl.org/dc/elements/1.1/"/>
-    <ds:schemaRef ds:uri="http://schemas.microsoft.com/office/2006/metadata/properties"/>
-    <ds:schemaRef ds:uri="http://www.w3.org/XML/1998/namespace"/>
-    <ds:schemaRef ds:uri="http://schemas.microsoft.com/office/infopath/2007/PartnerControls"/>
-    <ds:schemaRef ds:uri="40262f94-9f35-4ac3-9a90-690165a166b7"/>
-    <ds:schemaRef ds:uri="a4f35948-e619-41b3-aa29-22878b09cfd2"/>
-  </ds:schemaRefs>
-</ds:datastoreItem>
 </file>